--- a/L4/FE-L4-May-08.pptx
+++ b/L4/FE-L4-May-08.pptx
@@ -5,7 +5,7 @@
     <p:sldMasterId id="2147483660" r:id="rId1"/>
   </p:sldMasterIdLst>
   <p:notesMasterIdLst>
-    <p:notesMasterId r:id="rId10"/>
+    <p:notesMasterId r:id="rId12"/>
   </p:notesMasterIdLst>
   <p:sldIdLst>
     <p:sldId id="256" r:id="rId2"/>
@@ -15,7 +15,9 @@
     <p:sldId id="310" r:id="rId6"/>
     <p:sldId id="313" r:id="rId7"/>
     <p:sldId id="314" r:id="rId8"/>
-    <p:sldId id="315" r:id="rId9"/>
+    <p:sldId id="317" r:id="rId9"/>
+    <p:sldId id="315" r:id="rId10"/>
+    <p:sldId id="319" r:id="rId11"/>
   </p:sldIdLst>
   <p:sldSz cx="9144000" cy="5715000" type="screen16x10"/>
   <p:notesSz cx="6858000" cy="9144000"/>
@@ -5328,6 +5330,10 @@
               <a:tabLst/>
               <a:defRPr/>
             </a:pPr>
+            <a:r>
+              <a:rPr lang="bg-BG" b="0" baseline="0" dirty="0" smtClean="0"/>
+              <a:t>Разлика между репо и бранч?!</a:t>
+            </a:r>
             <a:endParaRPr lang="en-US" b="0" baseline="0" dirty="0" smtClean="0"/>
           </a:p>
         </p:txBody>
@@ -5358,7 +5364,213 @@
     </p:spTree>
     <p:extLst>
       <p:ext uri="{BB962C8B-B14F-4D97-AF65-F5344CB8AC3E}">
+        <p14:creationId xmlns:p14="http://schemas.microsoft.com/office/powerpoint/2010/main" val="854602180"/>
+      </p:ext>
+    </p:extLst>
+  </p:cSld>
+  <p:clrMapOvr>
+    <a:masterClrMapping/>
+  </p:clrMapOvr>
+</p:notes>
+</file>
+
+<file path=ppt/notesSlides/notesSlide8.xml><?xml version="1.0" encoding="utf-8"?>
+<p:notes xmlns:a="http://schemas.openxmlformats.org/drawingml/2006/main" xmlns:r="http://schemas.openxmlformats.org/officeDocument/2006/relationships" xmlns:p="http://schemas.openxmlformats.org/presentationml/2006/main">
+  <p:cSld>
+    <p:spTree>
+      <p:nvGrpSpPr>
+        <p:cNvPr id="1" name=""/>
+        <p:cNvGrpSpPr/>
+        <p:nvPr/>
+      </p:nvGrpSpPr>
+      <p:grpSpPr>
+        <a:xfrm>
+          <a:off x="0" y="0"/>
+          <a:ext cx="0" cy="0"/>
+          <a:chOff x="0" y="0"/>
+          <a:chExt cx="0" cy="0"/>
+        </a:xfrm>
+      </p:grpSpPr>
+      <p:sp>
+        <p:nvSpPr>
+          <p:cNvPr id="2" name="Slide Image Placeholder 1"/>
+          <p:cNvSpPr>
+            <a:spLocks noGrp="1" noRot="1" noChangeAspect="1"/>
+          </p:cNvSpPr>
+          <p:nvPr>
+            <p:ph type="sldImg"/>
+          </p:nvPr>
+        </p:nvSpPr>
+        <p:spPr/>
+      </p:sp>
+      <p:sp>
+        <p:nvSpPr>
+          <p:cNvPr id="3" name="Notes Placeholder 2"/>
+          <p:cNvSpPr>
+            <a:spLocks noGrp="1"/>
+          </p:cNvSpPr>
+          <p:nvPr>
+            <p:ph type="body" idx="1"/>
+          </p:nvPr>
+        </p:nvSpPr>
+        <p:spPr/>
+        <p:txBody>
+          <a:bodyPr/>
+          <a:lstStyle/>
+          <a:p>
+            <a:pPr marL="0" marR="0" indent="0" algn="l" defTabSz="914400" rtl="0" eaLnBrk="1" fontAlgn="auto" latinLnBrk="0" hangingPunct="1">
+              <a:lnSpc>
+                <a:spcPct val="100000"/>
+              </a:lnSpc>
+              <a:spcBef>
+                <a:spcPts val="0"/>
+              </a:spcBef>
+              <a:spcAft>
+                <a:spcPts val="0"/>
+              </a:spcAft>
+              <a:buClrTx/>
+              <a:buSzTx/>
+              <a:buFontTx/>
+              <a:buNone/>
+              <a:tabLst/>
+              <a:defRPr/>
+            </a:pPr>
+            <a:endParaRPr lang="en-US" b="0" baseline="0" dirty="0" smtClean="0"/>
+          </a:p>
+        </p:txBody>
+      </p:sp>
+      <p:sp>
+        <p:nvSpPr>
+          <p:cNvPr id="4" name="Slide Number Placeholder 3"/>
+          <p:cNvSpPr>
+            <a:spLocks noGrp="1"/>
+          </p:cNvSpPr>
+          <p:nvPr>
+            <p:ph type="sldNum" sz="quarter" idx="10"/>
+          </p:nvPr>
+        </p:nvSpPr>
+        <p:spPr/>
+        <p:txBody>
+          <a:bodyPr/>
+          <a:lstStyle/>
+          <a:p>
+            <a:fld id="{8C65C300-19CC-4360-A650-4F04F63F7B82}" type="slidenum">
+              <a:rPr lang="en-US" smtClean="0"/>
+              <a:t>9</a:t>
+            </a:fld>
+            <a:endParaRPr lang="en-US"/>
+          </a:p>
+        </p:txBody>
+      </p:sp>
+    </p:spTree>
+    <p:extLst>
+      <p:ext uri="{BB962C8B-B14F-4D97-AF65-F5344CB8AC3E}">
         <p14:creationId xmlns:p14="http://schemas.microsoft.com/office/powerpoint/2010/main" val="4120661337"/>
+      </p:ext>
+    </p:extLst>
+  </p:cSld>
+  <p:clrMapOvr>
+    <a:masterClrMapping/>
+  </p:clrMapOvr>
+</p:notes>
+</file>
+
+<file path=ppt/notesSlides/notesSlide9.xml><?xml version="1.0" encoding="utf-8"?>
+<p:notes xmlns:a="http://schemas.openxmlformats.org/drawingml/2006/main" xmlns:r="http://schemas.openxmlformats.org/officeDocument/2006/relationships" xmlns:p="http://schemas.openxmlformats.org/presentationml/2006/main">
+  <p:cSld>
+    <p:spTree>
+      <p:nvGrpSpPr>
+        <p:cNvPr id="1" name=""/>
+        <p:cNvGrpSpPr/>
+        <p:nvPr/>
+      </p:nvGrpSpPr>
+      <p:grpSpPr>
+        <a:xfrm>
+          <a:off x="0" y="0"/>
+          <a:ext cx="0" cy="0"/>
+          <a:chOff x="0" y="0"/>
+          <a:chExt cx="0" cy="0"/>
+        </a:xfrm>
+      </p:grpSpPr>
+      <p:sp>
+        <p:nvSpPr>
+          <p:cNvPr id="2" name="Slide Image Placeholder 1"/>
+          <p:cNvSpPr>
+            <a:spLocks noGrp="1" noRot="1" noChangeAspect="1"/>
+          </p:cNvSpPr>
+          <p:nvPr>
+            <p:ph type="sldImg"/>
+          </p:nvPr>
+        </p:nvSpPr>
+        <p:spPr/>
+      </p:sp>
+      <p:sp>
+        <p:nvSpPr>
+          <p:cNvPr id="3" name="Notes Placeholder 2"/>
+          <p:cNvSpPr>
+            <a:spLocks noGrp="1"/>
+          </p:cNvSpPr>
+          <p:nvPr>
+            <p:ph type="body" idx="1"/>
+          </p:nvPr>
+        </p:nvSpPr>
+        <p:spPr/>
+        <p:txBody>
+          <a:bodyPr/>
+          <a:lstStyle/>
+          <a:p>
+            <a:pPr marL="0" marR="0" indent="0" algn="l" defTabSz="914400" rtl="0" eaLnBrk="1" fontAlgn="auto" latinLnBrk="0" hangingPunct="1">
+              <a:lnSpc>
+                <a:spcPct val="100000"/>
+              </a:lnSpc>
+              <a:spcBef>
+                <a:spcPts val="0"/>
+              </a:spcBef>
+              <a:spcAft>
+                <a:spcPts val="0"/>
+              </a:spcAft>
+              <a:buClrTx/>
+              <a:buSzTx/>
+              <a:buFontTx/>
+              <a:buNone/>
+              <a:tabLst/>
+              <a:defRPr/>
+            </a:pPr>
+            <a:r>
+              <a:rPr lang="bg-BG" b="0" baseline="0" dirty="0" smtClean="0"/>
+              <a:t>Разлика между репо и бранч?!</a:t>
+            </a:r>
+            <a:endParaRPr lang="en-US" b="0" baseline="0" dirty="0" smtClean="0"/>
+          </a:p>
+        </p:txBody>
+      </p:sp>
+      <p:sp>
+        <p:nvSpPr>
+          <p:cNvPr id="4" name="Slide Number Placeholder 3"/>
+          <p:cNvSpPr>
+            <a:spLocks noGrp="1"/>
+          </p:cNvSpPr>
+          <p:nvPr>
+            <p:ph type="sldNum" sz="quarter" idx="10"/>
+          </p:nvPr>
+        </p:nvSpPr>
+        <p:spPr/>
+        <p:txBody>
+          <a:bodyPr/>
+          <a:lstStyle/>
+          <a:p>
+            <a:fld id="{8C65C300-19CC-4360-A650-4F04F63F7B82}" type="slidenum">
+              <a:rPr lang="en-US" smtClean="0"/>
+              <a:t>10</a:t>
+            </a:fld>
+            <a:endParaRPr lang="en-US"/>
+          </a:p>
+        </p:txBody>
+      </p:sp>
+    </p:spTree>
+    <p:extLst>
+      <p:ext uri="{BB962C8B-B14F-4D97-AF65-F5344CB8AC3E}">
+        <p14:creationId xmlns:p14="http://schemas.microsoft.com/office/powerpoint/2010/main" val="2902426492"/>
       </p:ext>
     </p:extLst>
   </p:cSld>
@@ -8616,6 +8828,386 @@
 </p:sld>
 </file>
 
+<file path=ppt/slides/slide10.xml><?xml version="1.0" encoding="utf-8"?>
+<p:sld xmlns:a="http://schemas.openxmlformats.org/drawingml/2006/main" xmlns:r="http://schemas.openxmlformats.org/officeDocument/2006/relationships" xmlns:p="http://schemas.openxmlformats.org/presentationml/2006/main">
+  <p:cSld>
+    <p:bg>
+      <p:bgPr>
+        <a:blipFill dpi="0" rotWithShape="1">
+          <a:blip r:embed="rId3">
+            <a:lum/>
+          </a:blip>
+          <a:srcRect/>
+          <a:stretch>
+            <a:fillRect/>
+          </a:stretch>
+        </a:blipFill>
+        <a:effectLst/>
+      </p:bgPr>
+    </p:bg>
+    <p:spTree>
+      <p:nvGrpSpPr>
+        <p:cNvPr id="1" name=""/>
+        <p:cNvGrpSpPr/>
+        <p:nvPr/>
+      </p:nvGrpSpPr>
+      <p:grpSpPr>
+        <a:xfrm>
+          <a:off x="0" y="0"/>
+          <a:ext cx="0" cy="0"/>
+          <a:chOff x="0" y="0"/>
+          <a:chExt cx="0" cy="0"/>
+        </a:xfrm>
+      </p:grpSpPr>
+      <p:sp>
+        <p:nvSpPr>
+          <p:cNvPr id="39" name="Rectangle 38">
+            <a:extLst>
+              <a:ext uri="{FF2B5EF4-FFF2-40B4-BE49-F238E27FC236}">
+                <a16:creationId xmlns:a16="http://schemas.microsoft.com/office/drawing/2014/main" xmlns="" id="{C1C163D1-85A2-4643-BA3C-22035ECBF6E9}"/>
+              </a:ext>
+            </a:extLst>
+          </p:cNvPr>
+          <p:cNvSpPr/>
+          <p:nvPr/>
+        </p:nvSpPr>
+        <p:spPr>
+          <a:xfrm>
+            <a:off x="7210970" y="0"/>
+            <a:ext cx="1933031" cy="356965"/>
+          </a:xfrm>
+          <a:prstGeom prst="rect">
+            <a:avLst/>
+          </a:prstGeom>
+          <a:solidFill>
+            <a:srgbClr val="0F7792">
+              <a:alpha val="50196"/>
+            </a:srgbClr>
+          </a:solidFill>
+          <a:ln>
+            <a:noFill/>
+          </a:ln>
+        </p:spPr>
+        <p:style>
+          <a:lnRef idx="2">
+            <a:schemeClr val="accent1">
+              <a:shade val="50000"/>
+            </a:schemeClr>
+          </a:lnRef>
+          <a:fillRef idx="1">
+            <a:schemeClr val="accent1"/>
+          </a:fillRef>
+          <a:effectRef idx="0">
+            <a:schemeClr val="accent1"/>
+          </a:effectRef>
+          <a:fontRef idx="minor">
+            <a:schemeClr val="lt1"/>
+          </a:fontRef>
+        </p:style>
+        <p:txBody>
+          <a:bodyPr rtlCol="0" anchor="ctr"/>
+          <a:lstStyle/>
+          <a:p>
+            <a:pPr algn="ctr"/>
+            <a:endParaRPr lang="en-US"/>
+          </a:p>
+        </p:txBody>
+      </p:sp>
+      <p:sp>
+        <p:nvSpPr>
+          <p:cNvPr id="5" name="Rectangle 4">
+            <a:extLst>
+              <a:ext uri="{FF2B5EF4-FFF2-40B4-BE49-F238E27FC236}">
+                <a16:creationId xmlns:a16="http://schemas.microsoft.com/office/drawing/2014/main" xmlns="" id="{12131ED0-4950-475C-B7DC-450FBBF3C54A}"/>
+              </a:ext>
+            </a:extLst>
+          </p:cNvPr>
+          <p:cNvSpPr/>
+          <p:nvPr/>
+        </p:nvSpPr>
+        <p:spPr>
+          <a:xfrm>
+            <a:off x="0" y="0"/>
+            <a:ext cx="4283968" cy="356965"/>
+          </a:xfrm>
+          <a:prstGeom prst="rect">
+            <a:avLst/>
+          </a:prstGeom>
+          <a:solidFill>
+            <a:srgbClr val="0F7792"/>
+          </a:solidFill>
+          <a:ln>
+            <a:noFill/>
+          </a:ln>
+        </p:spPr>
+        <p:style>
+          <a:lnRef idx="2">
+            <a:schemeClr val="accent1">
+              <a:shade val="50000"/>
+            </a:schemeClr>
+          </a:lnRef>
+          <a:fillRef idx="1">
+            <a:schemeClr val="accent1"/>
+          </a:fillRef>
+          <a:effectRef idx="0">
+            <a:schemeClr val="accent1"/>
+          </a:effectRef>
+          <a:fontRef idx="minor">
+            <a:schemeClr val="lt1"/>
+          </a:fontRef>
+        </p:style>
+        <p:txBody>
+          <a:bodyPr rtlCol="0" anchor="ctr"/>
+          <a:lstStyle/>
+          <a:p>
+            <a:pPr algn="ctr"/>
+            <a:endParaRPr lang="en-US"/>
+          </a:p>
+        </p:txBody>
+      </p:sp>
+      <p:sp>
+        <p:nvSpPr>
+          <p:cNvPr id="4" name="TextBox 3">
+            <a:extLst>
+              <a:ext uri="{FF2B5EF4-FFF2-40B4-BE49-F238E27FC236}">
+                <a16:creationId xmlns:a16="http://schemas.microsoft.com/office/drawing/2014/main" xmlns="" id="{DB2A6D78-D3DF-4739-BCDE-EE78ED59B04D}"/>
+              </a:ext>
+            </a:extLst>
+          </p:cNvPr>
+          <p:cNvSpPr txBox="1"/>
+          <p:nvPr/>
+        </p:nvSpPr>
+        <p:spPr>
+          <a:xfrm>
+            <a:off x="89756" y="24634"/>
+            <a:ext cx="4122204" cy="276999"/>
+          </a:xfrm>
+          <a:prstGeom prst="rect">
+            <a:avLst/>
+          </a:prstGeom>
+          <a:noFill/>
+        </p:spPr>
+        <p:txBody>
+          <a:bodyPr wrap="square" rtlCol="0">
+            <a:spAutoFit/>
+          </a:bodyPr>
+          <a:lstStyle/>
+          <a:p>
+            <a:r>
+              <a:rPr lang="bg-BG" sz="1200" b="1" dirty="0" smtClean="0">
+                <a:solidFill>
+                  <a:schemeClr val="bg1"/>
+                </a:solidFill>
+                <a:latin typeface="Verdana" panose="020B0604030504040204" pitchFamily="34" charset="0"/>
+                <a:ea typeface="Verdana" panose="020B0604030504040204" pitchFamily="34" charset="0"/>
+                <a:cs typeface="Verdana" panose="020B0604030504040204" pitchFamily="34" charset="0"/>
+              </a:rPr>
+              <a:t>5. </a:t>
+            </a:r>
+            <a:r>
+              <a:rPr lang="bg-BG" sz="1200" b="1" dirty="0" smtClean="0">
+                <a:solidFill>
+                  <a:schemeClr val="bg1"/>
+                </a:solidFill>
+                <a:latin typeface="Verdana" panose="020B0604030504040204" pitchFamily="34" charset="0"/>
+                <a:ea typeface="Verdana" panose="020B0604030504040204" pitchFamily="34" charset="0"/>
+                <a:cs typeface="Verdana" panose="020B0604030504040204" pitchFamily="34" charset="0"/>
+              </a:rPr>
+              <a:t>Въведение в </a:t>
+            </a:r>
+            <a:r>
+              <a:rPr lang="en-US" sz="1200" b="1" dirty="0" smtClean="0">
+                <a:solidFill>
+                  <a:schemeClr val="bg1"/>
+                </a:solidFill>
+                <a:latin typeface="Verdana" panose="020B0604030504040204" pitchFamily="34" charset="0"/>
+                <a:ea typeface="Verdana" panose="020B0604030504040204" pitchFamily="34" charset="0"/>
+                <a:cs typeface="Verdana" panose="020B0604030504040204" pitchFamily="34" charset="0"/>
+              </a:rPr>
+              <a:t>SVN &amp; GIT</a:t>
+            </a:r>
+            <a:endParaRPr lang="bg-BG" sz="1200" dirty="0">
+              <a:solidFill>
+                <a:schemeClr val="bg1"/>
+              </a:solidFill>
+              <a:latin typeface="Verdana" panose="020B0604030504040204" pitchFamily="34" charset="0"/>
+              <a:ea typeface="Verdana" panose="020B0604030504040204" pitchFamily="34" charset="0"/>
+              <a:cs typeface="Verdana" panose="020B0604030504040204" pitchFamily="34" charset="0"/>
+            </a:endParaRPr>
+          </a:p>
+        </p:txBody>
+      </p:sp>
+      <p:sp>
+        <p:nvSpPr>
+          <p:cNvPr id="8" name="TextBox 7">
+            <a:extLst>
+              <a:ext uri="{FF2B5EF4-FFF2-40B4-BE49-F238E27FC236}">
+                <a16:creationId xmlns:a16="http://schemas.microsoft.com/office/drawing/2014/main" xmlns="" id="{2374E9AE-8D65-4C85-A4AC-BBB9AA519202}"/>
+              </a:ext>
+            </a:extLst>
+          </p:cNvPr>
+          <p:cNvSpPr txBox="1"/>
+          <p:nvPr/>
+        </p:nvSpPr>
+        <p:spPr>
+          <a:xfrm>
+            <a:off x="8130840" y="43105"/>
+            <a:ext cx="1013161" cy="646331"/>
+          </a:xfrm>
+          <a:prstGeom prst="rect">
+            <a:avLst/>
+          </a:prstGeom>
+          <a:noFill/>
+        </p:spPr>
+        <p:txBody>
+          <a:bodyPr wrap="none" rtlCol="0">
+            <a:spAutoFit/>
+          </a:bodyPr>
+          <a:lstStyle/>
+          <a:p>
+            <a:pPr algn="r"/>
+            <a:r>
+              <a:rPr lang="bg-BG" sz="1200" dirty="0" smtClean="0">
+                <a:solidFill>
+                  <a:schemeClr val="bg1">
+                    <a:lumMod val="95000"/>
+                  </a:schemeClr>
+                </a:solidFill>
+              </a:rPr>
+              <a:t>Съдържание</a:t>
+            </a:r>
+          </a:p>
+          <a:p>
+            <a:pPr algn="r"/>
+            <a:endParaRPr lang="en-US" sz="1200" dirty="0">
+              <a:solidFill>
+                <a:schemeClr val="bg1">
+                  <a:lumMod val="95000"/>
+                </a:schemeClr>
+              </a:solidFill>
+            </a:endParaRPr>
+          </a:p>
+          <a:p>
+            <a:pPr algn="r"/>
+            <a:endParaRPr lang="en-US" sz="1200" b="1" dirty="0">
+              <a:solidFill>
+                <a:schemeClr val="bg1"/>
+              </a:solidFill>
+            </a:endParaRPr>
+          </a:p>
+        </p:txBody>
+      </p:sp>
+      <p:sp>
+        <p:nvSpPr>
+          <p:cNvPr id="47" name="Rectangle: Rounded Corners 5">
+            <a:extLst>
+              <a:ext uri="{FF2B5EF4-FFF2-40B4-BE49-F238E27FC236}">
+                <a16:creationId xmlns:a16="http://schemas.microsoft.com/office/drawing/2014/main" xmlns="" id="{682EAE92-D6DF-494B-9CC1-FF2B7145CC2C}"/>
+              </a:ext>
+            </a:extLst>
+          </p:cNvPr>
+          <p:cNvSpPr/>
+          <p:nvPr/>
+        </p:nvSpPr>
+        <p:spPr>
+          <a:xfrm>
+            <a:off x="323528" y="605860"/>
+            <a:ext cx="8496944" cy="504056"/>
+          </a:xfrm>
+          <a:prstGeom prst="roundRect">
+            <a:avLst/>
+          </a:prstGeom>
+          <a:solidFill>
+            <a:srgbClr val="127994"/>
+          </a:solidFill>
+          <a:ln>
+            <a:noFill/>
+          </a:ln>
+          <a:effectLst>
+            <a:outerShdw blurRad="50800" dist="38100" dir="5400000" algn="t" rotWithShape="0">
+              <a:prstClr val="black">
+                <a:alpha val="40000"/>
+              </a:prstClr>
+            </a:outerShdw>
+          </a:effectLst>
+        </p:spPr>
+        <p:style>
+          <a:lnRef idx="2">
+            <a:schemeClr val="accent1">
+              <a:shade val="50000"/>
+            </a:schemeClr>
+          </a:lnRef>
+          <a:fillRef idx="1">
+            <a:schemeClr val="accent1"/>
+          </a:fillRef>
+          <a:effectRef idx="0">
+            <a:schemeClr val="accent1"/>
+          </a:effectRef>
+          <a:fontRef idx="minor">
+            <a:schemeClr val="lt1"/>
+          </a:fontRef>
+        </p:style>
+        <p:txBody>
+          <a:bodyPr rtlCol="0" anchor="ctr"/>
+          <a:lstStyle/>
+          <a:p>
+            <a:pPr algn="ctr"/>
+            <a:r>
+              <a:rPr lang="en-US" dirty="0" err="1" smtClean="0"/>
+              <a:t>Git</a:t>
+            </a:r>
+            <a:r>
+              <a:rPr lang="en-US" dirty="0" smtClean="0"/>
+              <a:t> operations and commands</a:t>
+            </a:r>
+            <a:endParaRPr lang="en-US" dirty="0"/>
+          </a:p>
+        </p:txBody>
+      </p:sp>
+      <p:pic>
+        <p:nvPicPr>
+          <p:cNvPr id="2" name="Picture 1"/>
+          <p:cNvPicPr>
+            <a:picLocks noChangeAspect="1"/>
+          </p:cNvPicPr>
+          <p:nvPr/>
+        </p:nvPicPr>
+        <p:blipFill>
+          <a:blip r:embed="rId4"/>
+          <a:stretch>
+            <a:fillRect/>
+          </a:stretch>
+        </p:blipFill>
+        <p:spPr>
+          <a:xfrm>
+            <a:off x="840709" y="1659147"/>
+            <a:ext cx="7462582" cy="2848890"/>
+          </a:xfrm>
+          <a:prstGeom prst="rect">
+            <a:avLst/>
+          </a:prstGeom>
+        </p:spPr>
+      </p:pic>
+    </p:spTree>
+    <p:extLst>
+      <p:ext uri="{BB962C8B-B14F-4D97-AF65-F5344CB8AC3E}">
+        <p14:creationId xmlns:p14="http://schemas.microsoft.com/office/powerpoint/2010/main" val="768684610"/>
+      </p:ext>
+    </p:extLst>
+  </p:cSld>
+  <p:clrMapOvr>
+    <a:masterClrMapping/>
+  </p:clrMapOvr>
+  <p:timing>
+    <p:tnLst>
+      <p:par>
+        <p:cTn id="1" dur="indefinite" restart="never" nodeType="tmRoot"/>
+      </p:par>
+    </p:tnLst>
+  </p:timing>
+</p:sld>
+</file>
+
 <file path=ppt/slides/slide2.xml><?xml version="1.0" encoding="utf-8"?>
 <p:sld xmlns:a="http://schemas.openxmlformats.org/drawingml/2006/main" xmlns:r="http://schemas.openxmlformats.org/officeDocument/2006/relationships" xmlns:p="http://schemas.openxmlformats.org/presentationml/2006/main">
   <p:cSld>
@@ -9275,188 +9867,9 @@
   <p:timing>
     <p:tnLst>
       <p:par>
-        <p:cTn id="1" dur="indefinite" restart="never" nodeType="tmRoot">
-          <p:childTnLst>
-            <p:seq concurrent="1" nextAc="seek">
-              <p:cTn id="2" dur="indefinite" nodeType="mainSeq">
-                <p:childTnLst>
-                  <p:par>
-                    <p:cTn id="3" fill="hold">
-                      <p:stCondLst>
-                        <p:cond delay="indefinite"/>
-                      </p:stCondLst>
-                      <p:childTnLst>
-                        <p:par>
-                          <p:cTn id="4" fill="hold">
-                            <p:stCondLst>
-                              <p:cond delay="0"/>
-                            </p:stCondLst>
-                            <p:childTnLst>
-                              <p:par>
-                                <p:cTn id="5" presetID="10" presetClass="entr" presetSubtype="0" fill="hold" grpId="0" nodeType="clickEffect">
-                                  <p:stCondLst>
-                                    <p:cond delay="0"/>
-                                  </p:stCondLst>
-                                  <p:childTnLst>
-                                    <p:set>
-                                      <p:cBhvr>
-                                        <p:cTn id="6" dur="1" fill="hold">
-                                          <p:stCondLst>
-                                            <p:cond delay="0"/>
-                                          </p:stCondLst>
-                                        </p:cTn>
-                                        <p:tgtEl>
-                                          <p:spTgt spid="47"/>
-                                        </p:tgtEl>
-                                        <p:attrNameLst>
-                                          <p:attrName>style.visibility</p:attrName>
-                                        </p:attrNameLst>
-                                      </p:cBhvr>
-                                      <p:to>
-                                        <p:strVal val="visible"/>
-                                      </p:to>
-                                    </p:set>
-                                    <p:animEffect transition="in" filter="fade">
-                                      <p:cBhvr>
-                                        <p:cTn id="7" dur="500"/>
-                                        <p:tgtEl>
-                                          <p:spTgt spid="47"/>
-                                        </p:tgtEl>
-                                      </p:cBhvr>
-                                    </p:animEffect>
-                                  </p:childTnLst>
-                                </p:cTn>
-                              </p:par>
-                            </p:childTnLst>
-                          </p:cTn>
-                        </p:par>
-                      </p:childTnLst>
-                    </p:cTn>
-                  </p:par>
-                  <p:par>
-                    <p:cTn id="8" fill="hold">
-                      <p:stCondLst>
-                        <p:cond delay="indefinite"/>
-                      </p:stCondLst>
-                      <p:childTnLst>
-                        <p:par>
-                          <p:cTn id="9" fill="hold">
-                            <p:stCondLst>
-                              <p:cond delay="0"/>
-                            </p:stCondLst>
-                            <p:childTnLst>
-                              <p:par>
-                                <p:cTn id="10" presetID="47" presetClass="entr" presetSubtype="0" fill="hold" grpId="0" nodeType="clickEffect">
-                                  <p:stCondLst>
-                                    <p:cond delay="0"/>
-                                  </p:stCondLst>
-                                  <p:childTnLst>
-                                    <p:set>
-                                      <p:cBhvr>
-                                        <p:cTn id="11" dur="1" fill="hold">
-                                          <p:stCondLst>
-                                            <p:cond delay="0"/>
-                                          </p:stCondLst>
-                                        </p:cTn>
-                                        <p:tgtEl>
-                                          <p:spTgt spid="10"/>
-                                        </p:tgtEl>
-                                        <p:attrNameLst>
-                                          <p:attrName>style.visibility</p:attrName>
-                                        </p:attrNameLst>
-                                      </p:cBhvr>
-                                      <p:to>
-                                        <p:strVal val="visible"/>
-                                      </p:to>
-                                    </p:set>
-                                    <p:animEffect transition="in" filter="fade">
-                                      <p:cBhvr>
-                                        <p:cTn id="12" dur="1000"/>
-                                        <p:tgtEl>
-                                          <p:spTgt spid="10"/>
-                                        </p:tgtEl>
-                                      </p:cBhvr>
-                                    </p:animEffect>
-                                    <p:anim calcmode="lin" valueType="num">
-                                      <p:cBhvr>
-                                        <p:cTn id="13" dur="1000" fill="hold"/>
-                                        <p:tgtEl>
-                                          <p:spTgt spid="10"/>
-                                        </p:tgtEl>
-                                        <p:attrNameLst>
-                                          <p:attrName>ppt_x</p:attrName>
-                                        </p:attrNameLst>
-                                      </p:cBhvr>
-                                      <p:tavLst>
-                                        <p:tav tm="0">
-                                          <p:val>
-                                            <p:strVal val="#ppt_x"/>
-                                          </p:val>
-                                        </p:tav>
-                                        <p:tav tm="100000">
-                                          <p:val>
-                                            <p:strVal val="#ppt_x"/>
-                                          </p:val>
-                                        </p:tav>
-                                      </p:tavLst>
-                                    </p:anim>
-                                    <p:anim calcmode="lin" valueType="num">
-                                      <p:cBhvr>
-                                        <p:cTn id="14" dur="1000" fill="hold"/>
-                                        <p:tgtEl>
-                                          <p:spTgt spid="10"/>
-                                        </p:tgtEl>
-                                        <p:attrNameLst>
-                                          <p:attrName>ppt_y</p:attrName>
-                                        </p:attrNameLst>
-                                      </p:cBhvr>
-                                      <p:tavLst>
-                                        <p:tav tm="0">
-                                          <p:val>
-                                            <p:strVal val="#ppt_y-.1"/>
-                                          </p:val>
-                                        </p:tav>
-                                        <p:tav tm="100000">
-                                          <p:val>
-                                            <p:strVal val="#ppt_y"/>
-                                          </p:val>
-                                        </p:tav>
-                                      </p:tavLst>
-                                    </p:anim>
-                                  </p:childTnLst>
-                                </p:cTn>
-                              </p:par>
-                            </p:childTnLst>
-                          </p:cTn>
-                        </p:par>
-                      </p:childTnLst>
-                    </p:cTn>
-                  </p:par>
-                </p:childTnLst>
-              </p:cTn>
-              <p:prevCondLst>
-                <p:cond evt="onPrev" delay="0">
-                  <p:tgtEl>
-                    <p:sldTgt/>
-                  </p:tgtEl>
-                </p:cond>
-              </p:prevCondLst>
-              <p:nextCondLst>
-                <p:cond evt="onNext" delay="0">
-                  <p:tgtEl>
-                    <p:sldTgt/>
-                  </p:tgtEl>
-                </p:cond>
-              </p:nextCondLst>
-            </p:seq>
-          </p:childTnLst>
-        </p:cTn>
+        <p:cTn id="1" dur="indefinite" restart="never" nodeType="tmRoot"/>
       </p:par>
     </p:tnLst>
-    <p:bldLst>
-      <p:bldP spid="47" grpId="0" animBg="1"/>
-      <p:bldP spid="10" grpId="0"/>
-    </p:bldLst>
   </p:timing>
 </p:sld>
 </file>
@@ -10044,188 +10457,9 @@
   <p:timing>
     <p:tnLst>
       <p:par>
-        <p:cTn id="1" dur="indefinite" restart="never" nodeType="tmRoot">
-          <p:childTnLst>
-            <p:seq concurrent="1" nextAc="seek">
-              <p:cTn id="2" dur="indefinite" nodeType="mainSeq">
-                <p:childTnLst>
-                  <p:par>
-                    <p:cTn id="3" fill="hold">
-                      <p:stCondLst>
-                        <p:cond delay="indefinite"/>
-                      </p:stCondLst>
-                      <p:childTnLst>
-                        <p:par>
-                          <p:cTn id="4" fill="hold">
-                            <p:stCondLst>
-                              <p:cond delay="0"/>
-                            </p:stCondLst>
-                            <p:childTnLst>
-                              <p:par>
-                                <p:cTn id="5" presetID="10" presetClass="entr" presetSubtype="0" fill="hold" grpId="0" nodeType="clickEffect">
-                                  <p:stCondLst>
-                                    <p:cond delay="0"/>
-                                  </p:stCondLst>
-                                  <p:childTnLst>
-                                    <p:set>
-                                      <p:cBhvr>
-                                        <p:cTn id="6" dur="1" fill="hold">
-                                          <p:stCondLst>
-                                            <p:cond delay="0"/>
-                                          </p:stCondLst>
-                                        </p:cTn>
-                                        <p:tgtEl>
-                                          <p:spTgt spid="47"/>
-                                        </p:tgtEl>
-                                        <p:attrNameLst>
-                                          <p:attrName>style.visibility</p:attrName>
-                                        </p:attrNameLst>
-                                      </p:cBhvr>
-                                      <p:to>
-                                        <p:strVal val="visible"/>
-                                      </p:to>
-                                    </p:set>
-                                    <p:animEffect transition="in" filter="fade">
-                                      <p:cBhvr>
-                                        <p:cTn id="7" dur="500"/>
-                                        <p:tgtEl>
-                                          <p:spTgt spid="47"/>
-                                        </p:tgtEl>
-                                      </p:cBhvr>
-                                    </p:animEffect>
-                                  </p:childTnLst>
-                                </p:cTn>
-                              </p:par>
-                            </p:childTnLst>
-                          </p:cTn>
-                        </p:par>
-                      </p:childTnLst>
-                    </p:cTn>
-                  </p:par>
-                  <p:par>
-                    <p:cTn id="8" fill="hold">
-                      <p:stCondLst>
-                        <p:cond delay="indefinite"/>
-                      </p:stCondLst>
-                      <p:childTnLst>
-                        <p:par>
-                          <p:cTn id="9" fill="hold">
-                            <p:stCondLst>
-                              <p:cond delay="0"/>
-                            </p:stCondLst>
-                            <p:childTnLst>
-                              <p:par>
-                                <p:cTn id="10" presetID="47" presetClass="entr" presetSubtype="0" fill="hold" grpId="0" nodeType="clickEffect">
-                                  <p:stCondLst>
-                                    <p:cond delay="0"/>
-                                  </p:stCondLst>
-                                  <p:childTnLst>
-                                    <p:set>
-                                      <p:cBhvr>
-                                        <p:cTn id="11" dur="1" fill="hold">
-                                          <p:stCondLst>
-                                            <p:cond delay="0"/>
-                                          </p:stCondLst>
-                                        </p:cTn>
-                                        <p:tgtEl>
-                                          <p:spTgt spid="10"/>
-                                        </p:tgtEl>
-                                        <p:attrNameLst>
-                                          <p:attrName>style.visibility</p:attrName>
-                                        </p:attrNameLst>
-                                      </p:cBhvr>
-                                      <p:to>
-                                        <p:strVal val="visible"/>
-                                      </p:to>
-                                    </p:set>
-                                    <p:animEffect transition="in" filter="fade">
-                                      <p:cBhvr>
-                                        <p:cTn id="12" dur="1000"/>
-                                        <p:tgtEl>
-                                          <p:spTgt spid="10"/>
-                                        </p:tgtEl>
-                                      </p:cBhvr>
-                                    </p:animEffect>
-                                    <p:anim calcmode="lin" valueType="num">
-                                      <p:cBhvr>
-                                        <p:cTn id="13" dur="1000" fill="hold"/>
-                                        <p:tgtEl>
-                                          <p:spTgt spid="10"/>
-                                        </p:tgtEl>
-                                        <p:attrNameLst>
-                                          <p:attrName>ppt_x</p:attrName>
-                                        </p:attrNameLst>
-                                      </p:cBhvr>
-                                      <p:tavLst>
-                                        <p:tav tm="0">
-                                          <p:val>
-                                            <p:strVal val="#ppt_x"/>
-                                          </p:val>
-                                        </p:tav>
-                                        <p:tav tm="100000">
-                                          <p:val>
-                                            <p:strVal val="#ppt_x"/>
-                                          </p:val>
-                                        </p:tav>
-                                      </p:tavLst>
-                                    </p:anim>
-                                    <p:anim calcmode="lin" valueType="num">
-                                      <p:cBhvr>
-                                        <p:cTn id="14" dur="1000" fill="hold"/>
-                                        <p:tgtEl>
-                                          <p:spTgt spid="10"/>
-                                        </p:tgtEl>
-                                        <p:attrNameLst>
-                                          <p:attrName>ppt_y</p:attrName>
-                                        </p:attrNameLst>
-                                      </p:cBhvr>
-                                      <p:tavLst>
-                                        <p:tav tm="0">
-                                          <p:val>
-                                            <p:strVal val="#ppt_y-.1"/>
-                                          </p:val>
-                                        </p:tav>
-                                        <p:tav tm="100000">
-                                          <p:val>
-                                            <p:strVal val="#ppt_y"/>
-                                          </p:val>
-                                        </p:tav>
-                                      </p:tavLst>
-                                    </p:anim>
-                                  </p:childTnLst>
-                                </p:cTn>
-                              </p:par>
-                            </p:childTnLst>
-                          </p:cTn>
-                        </p:par>
-                      </p:childTnLst>
-                    </p:cTn>
-                  </p:par>
-                </p:childTnLst>
-              </p:cTn>
-              <p:prevCondLst>
-                <p:cond evt="onPrev" delay="0">
-                  <p:tgtEl>
-                    <p:sldTgt/>
-                  </p:tgtEl>
-                </p:cond>
-              </p:prevCondLst>
-              <p:nextCondLst>
-                <p:cond evt="onNext" delay="0">
-                  <p:tgtEl>
-                    <p:sldTgt/>
-                  </p:tgtEl>
-                </p:cond>
-              </p:nextCondLst>
-            </p:seq>
-          </p:childTnLst>
-        </p:cTn>
+        <p:cTn id="1" dur="indefinite" restart="never" nodeType="tmRoot"/>
       </p:par>
     </p:tnLst>
-    <p:bldLst>
-      <p:bldP spid="47" grpId="0" animBg="1"/>
-      <p:bldP spid="10" grpId="0"/>
-    </p:bldLst>
   </p:timing>
 </p:sld>
 </file>
@@ -11237,188 +11471,9 @@
   <p:timing>
     <p:tnLst>
       <p:par>
-        <p:cTn id="1" dur="indefinite" restart="never" nodeType="tmRoot">
-          <p:childTnLst>
-            <p:seq concurrent="1" nextAc="seek">
-              <p:cTn id="2" dur="indefinite" nodeType="mainSeq">
-                <p:childTnLst>
-                  <p:par>
-                    <p:cTn id="3" fill="hold">
-                      <p:stCondLst>
-                        <p:cond delay="indefinite"/>
-                      </p:stCondLst>
-                      <p:childTnLst>
-                        <p:par>
-                          <p:cTn id="4" fill="hold">
-                            <p:stCondLst>
-                              <p:cond delay="0"/>
-                            </p:stCondLst>
-                            <p:childTnLst>
-                              <p:par>
-                                <p:cTn id="5" presetID="10" presetClass="entr" presetSubtype="0" fill="hold" grpId="0" nodeType="clickEffect">
-                                  <p:stCondLst>
-                                    <p:cond delay="0"/>
-                                  </p:stCondLst>
-                                  <p:childTnLst>
-                                    <p:set>
-                                      <p:cBhvr>
-                                        <p:cTn id="6" dur="1" fill="hold">
-                                          <p:stCondLst>
-                                            <p:cond delay="0"/>
-                                          </p:stCondLst>
-                                        </p:cTn>
-                                        <p:tgtEl>
-                                          <p:spTgt spid="47"/>
-                                        </p:tgtEl>
-                                        <p:attrNameLst>
-                                          <p:attrName>style.visibility</p:attrName>
-                                        </p:attrNameLst>
-                                      </p:cBhvr>
-                                      <p:to>
-                                        <p:strVal val="visible"/>
-                                      </p:to>
-                                    </p:set>
-                                    <p:animEffect transition="in" filter="fade">
-                                      <p:cBhvr>
-                                        <p:cTn id="7" dur="500"/>
-                                        <p:tgtEl>
-                                          <p:spTgt spid="47"/>
-                                        </p:tgtEl>
-                                      </p:cBhvr>
-                                    </p:animEffect>
-                                  </p:childTnLst>
-                                </p:cTn>
-                              </p:par>
-                            </p:childTnLst>
-                          </p:cTn>
-                        </p:par>
-                      </p:childTnLst>
-                    </p:cTn>
-                  </p:par>
-                  <p:par>
-                    <p:cTn id="8" fill="hold">
-                      <p:stCondLst>
-                        <p:cond delay="indefinite"/>
-                      </p:stCondLst>
-                      <p:childTnLst>
-                        <p:par>
-                          <p:cTn id="9" fill="hold">
-                            <p:stCondLst>
-                              <p:cond delay="0"/>
-                            </p:stCondLst>
-                            <p:childTnLst>
-                              <p:par>
-                                <p:cTn id="10" presetID="47" presetClass="entr" presetSubtype="0" fill="hold" grpId="0" nodeType="clickEffect">
-                                  <p:stCondLst>
-                                    <p:cond delay="0"/>
-                                  </p:stCondLst>
-                                  <p:childTnLst>
-                                    <p:set>
-                                      <p:cBhvr>
-                                        <p:cTn id="11" dur="1" fill="hold">
-                                          <p:stCondLst>
-                                            <p:cond delay="0"/>
-                                          </p:stCondLst>
-                                        </p:cTn>
-                                        <p:tgtEl>
-                                          <p:spTgt spid="9"/>
-                                        </p:tgtEl>
-                                        <p:attrNameLst>
-                                          <p:attrName>style.visibility</p:attrName>
-                                        </p:attrNameLst>
-                                      </p:cBhvr>
-                                      <p:to>
-                                        <p:strVal val="visible"/>
-                                      </p:to>
-                                    </p:set>
-                                    <p:animEffect transition="in" filter="fade">
-                                      <p:cBhvr>
-                                        <p:cTn id="12" dur="1000"/>
-                                        <p:tgtEl>
-                                          <p:spTgt spid="9"/>
-                                        </p:tgtEl>
-                                      </p:cBhvr>
-                                    </p:animEffect>
-                                    <p:anim calcmode="lin" valueType="num">
-                                      <p:cBhvr>
-                                        <p:cTn id="13" dur="1000" fill="hold"/>
-                                        <p:tgtEl>
-                                          <p:spTgt spid="9"/>
-                                        </p:tgtEl>
-                                        <p:attrNameLst>
-                                          <p:attrName>ppt_x</p:attrName>
-                                        </p:attrNameLst>
-                                      </p:cBhvr>
-                                      <p:tavLst>
-                                        <p:tav tm="0">
-                                          <p:val>
-                                            <p:strVal val="#ppt_x"/>
-                                          </p:val>
-                                        </p:tav>
-                                        <p:tav tm="100000">
-                                          <p:val>
-                                            <p:strVal val="#ppt_x"/>
-                                          </p:val>
-                                        </p:tav>
-                                      </p:tavLst>
-                                    </p:anim>
-                                    <p:anim calcmode="lin" valueType="num">
-                                      <p:cBhvr>
-                                        <p:cTn id="14" dur="1000" fill="hold"/>
-                                        <p:tgtEl>
-                                          <p:spTgt spid="9"/>
-                                        </p:tgtEl>
-                                        <p:attrNameLst>
-                                          <p:attrName>ppt_y</p:attrName>
-                                        </p:attrNameLst>
-                                      </p:cBhvr>
-                                      <p:tavLst>
-                                        <p:tav tm="0">
-                                          <p:val>
-                                            <p:strVal val="#ppt_y-.1"/>
-                                          </p:val>
-                                        </p:tav>
-                                        <p:tav tm="100000">
-                                          <p:val>
-                                            <p:strVal val="#ppt_y"/>
-                                          </p:val>
-                                        </p:tav>
-                                      </p:tavLst>
-                                    </p:anim>
-                                  </p:childTnLst>
-                                </p:cTn>
-                              </p:par>
-                            </p:childTnLst>
-                          </p:cTn>
-                        </p:par>
-                      </p:childTnLst>
-                    </p:cTn>
-                  </p:par>
-                </p:childTnLst>
-              </p:cTn>
-              <p:prevCondLst>
-                <p:cond evt="onPrev" delay="0">
-                  <p:tgtEl>
-                    <p:sldTgt/>
-                  </p:tgtEl>
-                </p:cond>
-              </p:prevCondLst>
-              <p:nextCondLst>
-                <p:cond evt="onNext" delay="0">
-                  <p:tgtEl>
-                    <p:sldTgt/>
-                  </p:tgtEl>
-                </p:cond>
-              </p:nextCondLst>
-            </p:seq>
-          </p:childTnLst>
-        </p:cTn>
+        <p:cTn id="1" dur="indefinite" restart="never" nodeType="tmRoot"/>
       </p:par>
     </p:tnLst>
-    <p:bldLst>
-      <p:bldP spid="47" grpId="0" animBg="1"/>
-      <p:bldP spid="9" grpId="0"/>
-    </p:bldLst>
   </p:timing>
 </p:sld>
 </file>
@@ -11802,88 +11857,9 @@
   <p:timing>
     <p:tnLst>
       <p:par>
-        <p:cTn id="1" dur="indefinite" restart="never" nodeType="tmRoot">
-          <p:childTnLst>
-            <p:seq concurrent="1" nextAc="seek">
-              <p:cTn id="2" dur="indefinite" nodeType="mainSeq">
-                <p:childTnLst>
-                  <p:par>
-                    <p:cTn id="3" fill="hold">
-                      <p:stCondLst>
-                        <p:cond delay="indefinite"/>
-                      </p:stCondLst>
-                      <p:childTnLst>
-                        <p:par>
-                          <p:cTn id="4" fill="hold">
-                            <p:stCondLst>
-                              <p:cond delay="0"/>
-                            </p:stCondLst>
-                            <p:childTnLst>
-                              <p:par>
-                                <p:cTn id="5" presetID="10" presetClass="entr" presetSubtype="0" fill="hold" grpId="0" nodeType="clickEffect">
-                                  <p:stCondLst>
-                                    <p:cond delay="0"/>
-                                  </p:stCondLst>
-                                  <p:childTnLst>
-                                    <p:set>
-                                      <p:cBhvr>
-                                        <p:cTn id="6" dur="1" fill="hold">
-                                          <p:stCondLst>
-                                            <p:cond delay="0"/>
-                                          </p:stCondLst>
-                                        </p:cTn>
-                                        <p:tgtEl>
-                                          <p:spTgt spid="47"/>
-                                        </p:tgtEl>
-                                        <p:attrNameLst>
-                                          <p:attrName>style.visibility</p:attrName>
-                                        </p:attrNameLst>
-                                      </p:cBhvr>
-                                      <p:to>
-                                        <p:strVal val="visible"/>
-                                      </p:to>
-                                    </p:set>
-                                    <p:animEffect transition="in" filter="fade">
-                                      <p:cBhvr>
-                                        <p:cTn id="7" dur="500"/>
-                                        <p:tgtEl>
-                                          <p:spTgt spid="47"/>
-                                        </p:tgtEl>
-                                      </p:cBhvr>
-                                    </p:animEffect>
-                                  </p:childTnLst>
-                                </p:cTn>
-                              </p:par>
-                            </p:childTnLst>
-                          </p:cTn>
-                        </p:par>
-                      </p:childTnLst>
-                    </p:cTn>
-                  </p:par>
-                </p:childTnLst>
-              </p:cTn>
-              <p:prevCondLst>
-                <p:cond evt="onPrev" delay="0">
-                  <p:tgtEl>
-                    <p:sldTgt/>
-                  </p:tgtEl>
-                </p:cond>
-              </p:prevCondLst>
-              <p:nextCondLst>
-                <p:cond evt="onNext" delay="0">
-                  <p:tgtEl>
-                    <p:sldTgt/>
-                  </p:tgtEl>
-                </p:cond>
-              </p:nextCondLst>
-            </p:seq>
-          </p:childTnLst>
-        </p:cTn>
+        <p:cTn id="1" dur="indefinite" restart="never" nodeType="tmRoot"/>
       </p:par>
     </p:tnLst>
-    <p:bldLst>
-      <p:bldP spid="47" grpId="0" animBg="1"/>
-    </p:bldLst>
   </p:timing>
 </p:sld>
 </file>
@@ -12632,188 +12608,9 @@
   <p:timing>
     <p:tnLst>
       <p:par>
-        <p:cTn id="1" dur="indefinite" restart="never" nodeType="tmRoot">
-          <p:childTnLst>
-            <p:seq concurrent="1" nextAc="seek">
-              <p:cTn id="2" dur="indefinite" nodeType="mainSeq">
-                <p:childTnLst>
-                  <p:par>
-                    <p:cTn id="3" fill="hold">
-                      <p:stCondLst>
-                        <p:cond delay="indefinite"/>
-                      </p:stCondLst>
-                      <p:childTnLst>
-                        <p:par>
-                          <p:cTn id="4" fill="hold">
-                            <p:stCondLst>
-                              <p:cond delay="0"/>
-                            </p:stCondLst>
-                            <p:childTnLst>
-                              <p:par>
-                                <p:cTn id="5" presetID="10" presetClass="entr" presetSubtype="0" fill="hold" grpId="0" nodeType="clickEffect">
-                                  <p:stCondLst>
-                                    <p:cond delay="0"/>
-                                  </p:stCondLst>
-                                  <p:childTnLst>
-                                    <p:set>
-                                      <p:cBhvr>
-                                        <p:cTn id="6" dur="1" fill="hold">
-                                          <p:stCondLst>
-                                            <p:cond delay="0"/>
-                                          </p:stCondLst>
-                                        </p:cTn>
-                                        <p:tgtEl>
-                                          <p:spTgt spid="47"/>
-                                        </p:tgtEl>
-                                        <p:attrNameLst>
-                                          <p:attrName>style.visibility</p:attrName>
-                                        </p:attrNameLst>
-                                      </p:cBhvr>
-                                      <p:to>
-                                        <p:strVal val="visible"/>
-                                      </p:to>
-                                    </p:set>
-                                    <p:animEffect transition="in" filter="fade">
-                                      <p:cBhvr>
-                                        <p:cTn id="7" dur="500"/>
-                                        <p:tgtEl>
-                                          <p:spTgt spid="47"/>
-                                        </p:tgtEl>
-                                      </p:cBhvr>
-                                    </p:animEffect>
-                                  </p:childTnLst>
-                                </p:cTn>
-                              </p:par>
-                            </p:childTnLst>
-                          </p:cTn>
-                        </p:par>
-                      </p:childTnLst>
-                    </p:cTn>
-                  </p:par>
-                  <p:par>
-                    <p:cTn id="8" fill="hold">
-                      <p:stCondLst>
-                        <p:cond delay="indefinite"/>
-                      </p:stCondLst>
-                      <p:childTnLst>
-                        <p:par>
-                          <p:cTn id="9" fill="hold">
-                            <p:stCondLst>
-                              <p:cond delay="0"/>
-                            </p:stCondLst>
-                            <p:childTnLst>
-                              <p:par>
-                                <p:cTn id="10" presetID="47" presetClass="entr" presetSubtype="0" fill="hold" grpId="0" nodeType="clickEffect">
-                                  <p:stCondLst>
-                                    <p:cond delay="0"/>
-                                  </p:stCondLst>
-                                  <p:childTnLst>
-                                    <p:set>
-                                      <p:cBhvr>
-                                        <p:cTn id="11" dur="1" fill="hold">
-                                          <p:stCondLst>
-                                            <p:cond delay="0"/>
-                                          </p:stCondLst>
-                                        </p:cTn>
-                                        <p:tgtEl>
-                                          <p:spTgt spid="9"/>
-                                        </p:tgtEl>
-                                        <p:attrNameLst>
-                                          <p:attrName>style.visibility</p:attrName>
-                                        </p:attrNameLst>
-                                      </p:cBhvr>
-                                      <p:to>
-                                        <p:strVal val="visible"/>
-                                      </p:to>
-                                    </p:set>
-                                    <p:animEffect transition="in" filter="fade">
-                                      <p:cBhvr>
-                                        <p:cTn id="12" dur="1000"/>
-                                        <p:tgtEl>
-                                          <p:spTgt spid="9"/>
-                                        </p:tgtEl>
-                                      </p:cBhvr>
-                                    </p:animEffect>
-                                    <p:anim calcmode="lin" valueType="num">
-                                      <p:cBhvr>
-                                        <p:cTn id="13" dur="1000" fill="hold"/>
-                                        <p:tgtEl>
-                                          <p:spTgt spid="9"/>
-                                        </p:tgtEl>
-                                        <p:attrNameLst>
-                                          <p:attrName>ppt_x</p:attrName>
-                                        </p:attrNameLst>
-                                      </p:cBhvr>
-                                      <p:tavLst>
-                                        <p:tav tm="0">
-                                          <p:val>
-                                            <p:strVal val="#ppt_x"/>
-                                          </p:val>
-                                        </p:tav>
-                                        <p:tav tm="100000">
-                                          <p:val>
-                                            <p:strVal val="#ppt_x"/>
-                                          </p:val>
-                                        </p:tav>
-                                      </p:tavLst>
-                                    </p:anim>
-                                    <p:anim calcmode="lin" valueType="num">
-                                      <p:cBhvr>
-                                        <p:cTn id="14" dur="1000" fill="hold"/>
-                                        <p:tgtEl>
-                                          <p:spTgt spid="9"/>
-                                        </p:tgtEl>
-                                        <p:attrNameLst>
-                                          <p:attrName>ppt_y</p:attrName>
-                                        </p:attrNameLst>
-                                      </p:cBhvr>
-                                      <p:tavLst>
-                                        <p:tav tm="0">
-                                          <p:val>
-                                            <p:strVal val="#ppt_y-.1"/>
-                                          </p:val>
-                                        </p:tav>
-                                        <p:tav tm="100000">
-                                          <p:val>
-                                            <p:strVal val="#ppt_y"/>
-                                          </p:val>
-                                        </p:tav>
-                                      </p:tavLst>
-                                    </p:anim>
-                                  </p:childTnLst>
-                                </p:cTn>
-                              </p:par>
-                            </p:childTnLst>
-                          </p:cTn>
-                        </p:par>
-                      </p:childTnLst>
-                    </p:cTn>
-                  </p:par>
-                </p:childTnLst>
-              </p:cTn>
-              <p:prevCondLst>
-                <p:cond evt="onPrev" delay="0">
-                  <p:tgtEl>
-                    <p:sldTgt/>
-                  </p:tgtEl>
-                </p:cond>
-              </p:prevCondLst>
-              <p:nextCondLst>
-                <p:cond evt="onNext" delay="0">
-                  <p:tgtEl>
-                    <p:sldTgt/>
-                  </p:tgtEl>
-                </p:cond>
-              </p:nextCondLst>
-            </p:seq>
-          </p:childTnLst>
-        </p:cTn>
+        <p:cTn id="1" dur="indefinite" restart="never" nodeType="tmRoot"/>
       </p:par>
     </p:tnLst>
-    <p:bldLst>
-      <p:bldP spid="47" grpId="0" animBg="1"/>
-      <p:bldP spid="9" grpId="0"/>
-    </p:bldLst>
   </p:timing>
 </p:sld>
 </file>
@@ -13197,88 +12994,9 @@
   <p:timing>
     <p:tnLst>
       <p:par>
-        <p:cTn id="1" dur="indefinite" restart="never" nodeType="tmRoot">
-          <p:childTnLst>
-            <p:seq concurrent="1" nextAc="seek">
-              <p:cTn id="2" dur="indefinite" nodeType="mainSeq">
-                <p:childTnLst>
-                  <p:par>
-                    <p:cTn id="3" fill="hold">
-                      <p:stCondLst>
-                        <p:cond delay="indefinite"/>
-                      </p:stCondLst>
-                      <p:childTnLst>
-                        <p:par>
-                          <p:cTn id="4" fill="hold">
-                            <p:stCondLst>
-                              <p:cond delay="0"/>
-                            </p:stCondLst>
-                            <p:childTnLst>
-                              <p:par>
-                                <p:cTn id="5" presetID="10" presetClass="entr" presetSubtype="0" fill="hold" grpId="0" nodeType="clickEffect">
-                                  <p:stCondLst>
-                                    <p:cond delay="0"/>
-                                  </p:stCondLst>
-                                  <p:childTnLst>
-                                    <p:set>
-                                      <p:cBhvr>
-                                        <p:cTn id="6" dur="1" fill="hold">
-                                          <p:stCondLst>
-                                            <p:cond delay="0"/>
-                                          </p:stCondLst>
-                                        </p:cTn>
-                                        <p:tgtEl>
-                                          <p:spTgt spid="47"/>
-                                        </p:tgtEl>
-                                        <p:attrNameLst>
-                                          <p:attrName>style.visibility</p:attrName>
-                                        </p:attrNameLst>
-                                      </p:cBhvr>
-                                      <p:to>
-                                        <p:strVal val="visible"/>
-                                      </p:to>
-                                    </p:set>
-                                    <p:animEffect transition="in" filter="fade">
-                                      <p:cBhvr>
-                                        <p:cTn id="7" dur="500"/>
-                                        <p:tgtEl>
-                                          <p:spTgt spid="47"/>
-                                        </p:tgtEl>
-                                      </p:cBhvr>
-                                    </p:animEffect>
-                                  </p:childTnLst>
-                                </p:cTn>
-                              </p:par>
-                            </p:childTnLst>
-                          </p:cTn>
-                        </p:par>
-                      </p:childTnLst>
-                    </p:cTn>
-                  </p:par>
-                </p:childTnLst>
-              </p:cTn>
-              <p:prevCondLst>
-                <p:cond evt="onPrev" delay="0">
-                  <p:tgtEl>
-                    <p:sldTgt/>
-                  </p:tgtEl>
-                </p:cond>
-              </p:prevCondLst>
-              <p:nextCondLst>
-                <p:cond evt="onNext" delay="0">
-                  <p:tgtEl>
-                    <p:sldTgt/>
-                  </p:tgtEl>
-                </p:cond>
-              </p:nextCondLst>
-            </p:seq>
-          </p:childTnLst>
-        </p:cTn>
+        <p:cTn id="1" dur="indefinite" restart="never" nodeType="tmRoot"/>
       </p:par>
     </p:tnLst>
-    <p:bldLst>
-      <p:bldP spid="47" grpId="0" animBg="1"/>
-    </p:bldLst>
   </p:timing>
 </p:sld>
 </file>
@@ -13630,7 +13348,7 @@
         <p:spPr>
           <a:xfrm>
             <a:off x="323528" y="1358811"/>
-            <a:ext cx="8496944" cy="2031325"/>
+            <a:ext cx="8496944" cy="3323987"/>
           </a:xfrm>
           <a:prstGeom prst="rect">
             <a:avLst/>
@@ -13698,9 +13416,12 @@
             </a:r>
             <a:r>
               <a:rPr lang="en-US" sz="1400" dirty="0" smtClean="0"/>
-              <a:t> control)</a:t>
-            </a:r>
-            <a:endParaRPr lang="en-US" sz="1400" dirty="0"/>
+              <a:t> control), </a:t>
+            </a:r>
+            <a:r>
+              <a:rPr lang="bg-BG" sz="1400" dirty="0" smtClean="0"/>
+              <a:t>която позволява разпределение на задачите между програмистите; Всеки от тях има свое копие на проекта;</a:t>
+            </a:r>
           </a:p>
           <a:p>
             <a:pPr marL="285750" indent="-285750">
@@ -13708,58 +13429,9 @@
               <a:buChar char="•"/>
             </a:pPr>
             <a:r>
-              <a:rPr lang="ru-RU" sz="1400" dirty="0" smtClean="0"/>
-              <a:t>Позволява </a:t>
-            </a:r>
-            <a:r>
-              <a:rPr lang="ru-RU" sz="1400" dirty="0"/>
-              <a:t>централизирано съхраняване на проектите (</a:t>
-            </a:r>
-            <a:r>
-              <a:rPr lang="ru-RU" sz="1400" dirty="0" smtClean="0"/>
-              <a:t>remote</a:t>
-            </a:r>
-            <a:r>
-              <a:rPr lang="en-US" sz="1400" dirty="0" smtClean="0"/>
-              <a:t> origin)</a:t>
-            </a:r>
-            <a:r>
               <a:rPr lang="bg-BG" sz="1400" dirty="0" smtClean="0"/>
-              <a:t> – мястото където се съхранява централното </a:t>
-            </a:r>
-            <a:r>
-              <a:rPr lang="en-US" sz="1400" dirty="0" smtClean="0"/>
-              <a:t>repository (</a:t>
-            </a:r>
-            <a:r>
-              <a:rPr lang="bg-BG" sz="1400" dirty="0" smtClean="0"/>
-              <a:t>хранилище</a:t>
-            </a:r>
-            <a:r>
-              <a:rPr lang="en-US" sz="1400" dirty="0" smtClean="0"/>
-              <a:t>)</a:t>
-            </a:r>
-            <a:r>
-              <a:rPr lang="bg-BG" sz="1400" dirty="0" smtClean="0"/>
-              <a:t>; </a:t>
-            </a:r>
-            <a:r>
-              <a:rPr lang="en-US" sz="1400" dirty="0" smtClean="0"/>
-              <a:t>remote – </a:t>
-            </a:r>
-            <a:r>
-              <a:rPr lang="bg-BG" sz="1400" dirty="0" smtClean="0"/>
-              <a:t>отдалечени, т.е. </a:t>
-            </a:r>
-            <a:r>
-              <a:rPr lang="bg-BG" sz="1400" dirty="0"/>
-              <a:t>н</a:t>
-            </a:r>
-            <a:r>
-              <a:rPr lang="bg-BG" sz="1400" dirty="0" smtClean="0"/>
-              <a:t>е при нас локално а  качено някъде на сървър</a:t>
-            </a:r>
-            <a:endParaRPr lang="en-US" sz="1400" dirty="0"/>
+              <a:t>Всяко копие съдържа пълна история на промените, които са правени;</a:t>
+            </a:r>
           </a:p>
           <a:p>
             <a:pPr marL="285750" indent="-285750">
@@ -13767,57 +13439,121 @@
               <a:buChar char="•"/>
             </a:pPr>
             <a:r>
-              <a:rPr lang="ru-RU" sz="1400" dirty="0" smtClean="0"/>
-              <a:t>Позволява </a:t>
-            </a:r>
-            <a:r>
-              <a:rPr lang="ru-RU" sz="1400" dirty="0"/>
-              <a:t>големи групи от софтуерни разработчици да </a:t>
-            </a:r>
-            <a:r>
-              <a:rPr lang="ru-RU" sz="1400" dirty="0" smtClean="0"/>
-              <a:t>работят</a:t>
-            </a:r>
+              <a:rPr lang="bg-BG" sz="1400" dirty="0" smtClean="0"/>
+              <a:t>Нелинеен* процес на работа;</a:t>
+            </a:r>
+          </a:p>
+          <a:p>
+            <a:pPr marL="285750" indent="-285750">
+              <a:buFont typeface="Arial" panose="020B0604020202020204" pitchFamily="34" charset="0"/>
+              <a:buChar char="•"/>
+            </a:pPr>
+            <a:r>
+              <a:rPr lang="en-US" sz="1400" dirty="0" smtClean="0"/>
+              <a:t>Branching,</a:t>
+            </a:r>
+            <a:r>
+              <a:rPr lang="bg-BG" sz="1400" dirty="0" smtClean="0"/>
+              <a:t> създаване на клонове*</a:t>
+            </a:r>
+            <a:r>
+              <a:rPr lang="en-US" sz="1400" dirty="0" smtClean="0"/>
+              <a:t>, </a:t>
+            </a:r>
+            <a:r>
+              <a:rPr lang="bg-BG" sz="1400" dirty="0" smtClean="0"/>
+              <a:t>всеки програмист може да работи в свой </a:t>
+            </a:r>
+            <a:r>
+              <a:rPr lang="en-US" sz="1400" dirty="0" smtClean="0"/>
+              <a:t>branch, </a:t>
+            </a:r>
+            <a:r>
+              <a:rPr lang="bg-BG" sz="1400" dirty="0" smtClean="0"/>
+              <a:t>така че да не пречи на останалите, като същевременно следи за версиите на кода си</a:t>
+            </a:r>
+          </a:p>
+          <a:p>
+            <a:pPr marL="285750" indent="-285750">
+              <a:buFont typeface="Arial" panose="020B0604020202020204" pitchFamily="34" charset="0"/>
+              <a:buChar char="•"/>
+            </a:pPr>
+            <a:r>
+              <a:rPr lang="en-US" sz="1400" dirty="0" smtClean="0"/>
+              <a:t>Lightweight</a:t>
+            </a:r>
+            <a:r>
+              <a:rPr lang="bg-BG" sz="1400" dirty="0" smtClean="0"/>
+              <a:t> – използва техники за компресиране на </a:t>
+            </a:r>
+            <a:r>
+              <a:rPr lang="en-US" sz="1400" dirty="0" smtClean="0"/>
+              <a:t>data-ta </a:t>
+            </a:r>
+            <a:r>
+              <a:rPr lang="bg-BG" sz="1400" dirty="0" smtClean="0"/>
+              <a:t>още при клиента</a:t>
+            </a:r>
+            <a:endParaRPr lang="en-US" sz="1400" dirty="0" smtClean="0"/>
+          </a:p>
+          <a:p>
+            <a:pPr marL="285750" indent="-285750">
+              <a:buFont typeface="Arial" panose="020B0604020202020204" pitchFamily="34" charset="0"/>
+              <a:buChar char="•"/>
+            </a:pPr>
+            <a:r>
+              <a:rPr lang="bg-BG" sz="1400" dirty="0" smtClean="0"/>
+              <a:t>Бързина – използва „локалното хранилище“ </a:t>
+            </a:r>
+            <a:r>
+              <a:rPr lang="en-US" sz="1400" dirty="0" smtClean="0"/>
+              <a:t>local repository</a:t>
+            </a:r>
+          </a:p>
+          <a:p>
+            <a:pPr marL="285750" indent="-285750">
+              <a:buFont typeface="Arial" panose="020B0604020202020204" pitchFamily="34" charset="0"/>
+              <a:buChar char="•"/>
+            </a:pPr>
             <a:r>
               <a:rPr lang="en-US" sz="1400" dirty="0" smtClean="0"/>
               <a:t> </a:t>
             </a:r>
             <a:r>
-              <a:rPr lang="ru-RU" sz="1400" dirty="0" smtClean="0"/>
-              <a:t>едновременно </a:t>
-            </a:r>
-            <a:r>
-              <a:rPr lang="ru-RU" sz="1400" dirty="0"/>
-              <a:t>върху споделени проекти (</a:t>
-            </a:r>
-            <a:r>
-              <a:rPr lang="ru-RU" sz="1400" dirty="0" smtClean="0"/>
-              <a:t>distributed</a:t>
+              <a:rPr lang="bg-BG" sz="1400" dirty="0" smtClean="0"/>
+              <a:t>О</a:t>
             </a:r>
             <a:r>
               <a:rPr lang="en-US" sz="1400" dirty="0" smtClean="0"/>
-              <a:t> development)</a:t>
-            </a:r>
-            <a:r>
-              <a:rPr lang="bg-BG" sz="1400" dirty="0" smtClean="0"/>
-              <a:t> –</a:t>
-            </a:r>
-            <a:r>
-              <a:rPr lang="en-US" sz="1400" dirty="0" smtClean="0"/>
-              <a:t> </a:t>
-            </a:r>
-            <a:r>
-              <a:rPr lang="bg-BG" sz="1400" dirty="0" smtClean="0"/>
-              <a:t>всеки програмист разполага със </a:t>
-            </a:r>
-            <a:r>
-              <a:rPr lang="bg-BG" sz="1400" i="1" dirty="0" smtClean="0"/>
-              <a:t>свое </a:t>
-            </a:r>
-            <a:r>
-              <a:rPr lang="bg-BG" sz="1400" dirty="0" smtClean="0"/>
-              <a:t> копие на проекта, което може да ъпдейтва.</a:t>
-            </a:r>
+              <a:t>pen Source*</a:t>
+            </a:r>
+          </a:p>
+          <a:p>
+            <a:pPr marL="285750" indent="-285750">
+              <a:buFont typeface="Arial" panose="020B0604020202020204" pitchFamily="34" charset="0"/>
+              <a:buChar char="•"/>
+            </a:pPr>
+            <a:endParaRPr lang="bg-BG" sz="1400" dirty="0" smtClean="0"/>
+          </a:p>
+          <a:p>
+            <a:pPr marL="285750" indent="-285750">
+              <a:buFont typeface="Arial" panose="020B0604020202020204" pitchFamily="34" charset="0"/>
+              <a:buChar char="•"/>
+            </a:pPr>
+            <a:endParaRPr lang="bg-BG" sz="1400" dirty="0" smtClean="0"/>
+          </a:p>
+          <a:p>
+            <a:pPr marL="285750" indent="-285750">
+              <a:buFont typeface="Arial" panose="020B0604020202020204" pitchFamily="34" charset="0"/>
+              <a:buChar char="•"/>
+            </a:pPr>
+            <a:endParaRPr lang="bg-BG" sz="1400" dirty="0" smtClean="0"/>
+          </a:p>
+          <a:p>
+            <a:pPr marL="285750" indent="-285750">
+              <a:buFont typeface="Arial" panose="020B0604020202020204" pitchFamily="34" charset="0"/>
+              <a:buChar char="•"/>
+            </a:pPr>
             <a:endParaRPr lang="en-US" sz="1400" dirty="0" smtClean="0">
               <a:solidFill>
                 <a:schemeClr val="bg2">
@@ -13828,6 +13564,388 @@
           </a:p>
         </p:txBody>
       </p:sp>
+    </p:spTree>
+    <p:extLst>
+      <p:ext uri="{BB962C8B-B14F-4D97-AF65-F5344CB8AC3E}">
+        <p14:creationId xmlns:p14="http://schemas.microsoft.com/office/powerpoint/2010/main" val="1871638691"/>
+      </p:ext>
+    </p:extLst>
+  </p:cSld>
+  <p:clrMapOvr>
+    <a:masterClrMapping/>
+  </p:clrMapOvr>
+  <p:timing>
+    <p:tnLst>
+      <p:par>
+        <p:cTn id="1" dur="indefinite" restart="never" nodeType="tmRoot"/>
+      </p:par>
+    </p:tnLst>
+  </p:timing>
+</p:sld>
+</file>
+
+<file path=ppt/slides/slide9.xml><?xml version="1.0" encoding="utf-8"?>
+<p:sld xmlns:a="http://schemas.openxmlformats.org/drawingml/2006/main" xmlns:r="http://schemas.openxmlformats.org/officeDocument/2006/relationships" xmlns:p="http://schemas.openxmlformats.org/presentationml/2006/main">
+  <p:cSld>
+    <p:bg>
+      <p:bgPr>
+        <a:blipFill dpi="0" rotWithShape="1">
+          <a:blip r:embed="rId3">
+            <a:lum/>
+          </a:blip>
+          <a:srcRect/>
+          <a:stretch>
+            <a:fillRect/>
+          </a:stretch>
+        </a:blipFill>
+        <a:effectLst/>
+      </p:bgPr>
+    </p:bg>
+    <p:spTree>
+      <p:nvGrpSpPr>
+        <p:cNvPr id="1" name=""/>
+        <p:cNvGrpSpPr/>
+        <p:nvPr/>
+      </p:nvGrpSpPr>
+      <p:grpSpPr>
+        <a:xfrm>
+          <a:off x="0" y="0"/>
+          <a:ext cx="0" cy="0"/>
+          <a:chOff x="0" y="0"/>
+          <a:chExt cx="0" cy="0"/>
+        </a:xfrm>
+      </p:grpSpPr>
+      <p:sp>
+        <p:nvSpPr>
+          <p:cNvPr id="39" name="Rectangle 38">
+            <a:extLst>
+              <a:ext uri="{FF2B5EF4-FFF2-40B4-BE49-F238E27FC236}">
+                <a16:creationId xmlns:a16="http://schemas.microsoft.com/office/drawing/2014/main" xmlns="" id="{C1C163D1-85A2-4643-BA3C-22035ECBF6E9}"/>
+              </a:ext>
+            </a:extLst>
+          </p:cNvPr>
+          <p:cNvSpPr/>
+          <p:nvPr/>
+        </p:nvSpPr>
+        <p:spPr>
+          <a:xfrm>
+            <a:off x="7210970" y="0"/>
+            <a:ext cx="1933031" cy="356965"/>
+          </a:xfrm>
+          <a:prstGeom prst="rect">
+            <a:avLst/>
+          </a:prstGeom>
+          <a:solidFill>
+            <a:srgbClr val="0F7792">
+              <a:alpha val="50196"/>
+            </a:srgbClr>
+          </a:solidFill>
+          <a:ln>
+            <a:noFill/>
+          </a:ln>
+        </p:spPr>
+        <p:style>
+          <a:lnRef idx="2">
+            <a:schemeClr val="accent1">
+              <a:shade val="50000"/>
+            </a:schemeClr>
+          </a:lnRef>
+          <a:fillRef idx="1">
+            <a:schemeClr val="accent1"/>
+          </a:fillRef>
+          <a:effectRef idx="0">
+            <a:schemeClr val="accent1"/>
+          </a:effectRef>
+          <a:fontRef idx="minor">
+            <a:schemeClr val="lt1"/>
+          </a:fontRef>
+        </p:style>
+        <p:txBody>
+          <a:bodyPr rtlCol="0" anchor="ctr"/>
+          <a:lstStyle/>
+          <a:p>
+            <a:pPr algn="ctr"/>
+            <a:endParaRPr lang="en-US"/>
+          </a:p>
+        </p:txBody>
+      </p:sp>
+      <p:sp>
+        <p:nvSpPr>
+          <p:cNvPr id="5" name="Rectangle 4">
+            <a:extLst>
+              <a:ext uri="{FF2B5EF4-FFF2-40B4-BE49-F238E27FC236}">
+                <a16:creationId xmlns:a16="http://schemas.microsoft.com/office/drawing/2014/main" xmlns="" id="{12131ED0-4950-475C-B7DC-450FBBF3C54A}"/>
+              </a:ext>
+            </a:extLst>
+          </p:cNvPr>
+          <p:cNvSpPr/>
+          <p:nvPr/>
+        </p:nvSpPr>
+        <p:spPr>
+          <a:xfrm>
+            <a:off x="0" y="0"/>
+            <a:ext cx="4283968" cy="356965"/>
+          </a:xfrm>
+          <a:prstGeom prst="rect">
+            <a:avLst/>
+          </a:prstGeom>
+          <a:solidFill>
+            <a:srgbClr val="0F7792"/>
+          </a:solidFill>
+          <a:ln>
+            <a:noFill/>
+          </a:ln>
+        </p:spPr>
+        <p:style>
+          <a:lnRef idx="2">
+            <a:schemeClr val="accent1">
+              <a:shade val="50000"/>
+            </a:schemeClr>
+          </a:lnRef>
+          <a:fillRef idx="1">
+            <a:schemeClr val="accent1"/>
+          </a:fillRef>
+          <a:effectRef idx="0">
+            <a:schemeClr val="accent1"/>
+          </a:effectRef>
+          <a:fontRef idx="minor">
+            <a:schemeClr val="lt1"/>
+          </a:fontRef>
+        </p:style>
+        <p:txBody>
+          <a:bodyPr rtlCol="0" anchor="ctr"/>
+          <a:lstStyle/>
+          <a:p>
+            <a:pPr algn="ctr"/>
+            <a:endParaRPr lang="en-US"/>
+          </a:p>
+        </p:txBody>
+      </p:sp>
+      <p:sp>
+        <p:nvSpPr>
+          <p:cNvPr id="4" name="TextBox 3">
+            <a:extLst>
+              <a:ext uri="{FF2B5EF4-FFF2-40B4-BE49-F238E27FC236}">
+                <a16:creationId xmlns:a16="http://schemas.microsoft.com/office/drawing/2014/main" xmlns="" id="{DB2A6D78-D3DF-4739-BCDE-EE78ED59B04D}"/>
+              </a:ext>
+            </a:extLst>
+          </p:cNvPr>
+          <p:cNvSpPr txBox="1"/>
+          <p:nvPr/>
+        </p:nvSpPr>
+        <p:spPr>
+          <a:xfrm>
+            <a:off x="89756" y="24634"/>
+            <a:ext cx="4122204" cy="276999"/>
+          </a:xfrm>
+          <a:prstGeom prst="rect">
+            <a:avLst/>
+          </a:prstGeom>
+          <a:noFill/>
+        </p:spPr>
+        <p:txBody>
+          <a:bodyPr wrap="square" rtlCol="0">
+            <a:spAutoFit/>
+          </a:bodyPr>
+          <a:lstStyle/>
+          <a:p>
+            <a:r>
+              <a:rPr lang="bg-BG" sz="1200" b="1" dirty="0" smtClean="0">
+                <a:solidFill>
+                  <a:schemeClr val="bg1"/>
+                </a:solidFill>
+                <a:latin typeface="Verdana" panose="020B0604030504040204" pitchFamily="34" charset="0"/>
+                <a:ea typeface="Verdana" panose="020B0604030504040204" pitchFamily="34" charset="0"/>
+                <a:cs typeface="Verdana" panose="020B0604030504040204" pitchFamily="34" charset="0"/>
+              </a:rPr>
+              <a:t>5. </a:t>
+            </a:r>
+            <a:r>
+              <a:rPr lang="bg-BG" sz="1200" b="1" dirty="0" smtClean="0">
+                <a:solidFill>
+                  <a:schemeClr val="bg1"/>
+                </a:solidFill>
+                <a:latin typeface="Verdana" panose="020B0604030504040204" pitchFamily="34" charset="0"/>
+                <a:ea typeface="Verdana" panose="020B0604030504040204" pitchFamily="34" charset="0"/>
+                <a:cs typeface="Verdana" panose="020B0604030504040204" pitchFamily="34" charset="0"/>
+              </a:rPr>
+              <a:t>Въведение в </a:t>
+            </a:r>
+            <a:r>
+              <a:rPr lang="en-US" sz="1200" b="1" dirty="0" smtClean="0">
+                <a:solidFill>
+                  <a:schemeClr val="bg1"/>
+                </a:solidFill>
+                <a:latin typeface="Verdana" panose="020B0604030504040204" pitchFamily="34" charset="0"/>
+                <a:ea typeface="Verdana" panose="020B0604030504040204" pitchFamily="34" charset="0"/>
+                <a:cs typeface="Verdana" panose="020B0604030504040204" pitchFamily="34" charset="0"/>
+              </a:rPr>
+              <a:t>SVN &amp; GIT</a:t>
+            </a:r>
+            <a:endParaRPr lang="bg-BG" sz="1200" dirty="0">
+              <a:solidFill>
+                <a:schemeClr val="bg1"/>
+              </a:solidFill>
+              <a:latin typeface="Verdana" panose="020B0604030504040204" pitchFamily="34" charset="0"/>
+              <a:ea typeface="Verdana" panose="020B0604030504040204" pitchFamily="34" charset="0"/>
+              <a:cs typeface="Verdana" panose="020B0604030504040204" pitchFamily="34" charset="0"/>
+            </a:endParaRPr>
+          </a:p>
+        </p:txBody>
+      </p:sp>
+      <p:sp>
+        <p:nvSpPr>
+          <p:cNvPr id="8" name="TextBox 7">
+            <a:extLst>
+              <a:ext uri="{FF2B5EF4-FFF2-40B4-BE49-F238E27FC236}">
+                <a16:creationId xmlns:a16="http://schemas.microsoft.com/office/drawing/2014/main" xmlns="" id="{2374E9AE-8D65-4C85-A4AC-BBB9AA519202}"/>
+              </a:ext>
+            </a:extLst>
+          </p:cNvPr>
+          <p:cNvSpPr txBox="1"/>
+          <p:nvPr/>
+        </p:nvSpPr>
+        <p:spPr>
+          <a:xfrm>
+            <a:off x="8130840" y="43105"/>
+            <a:ext cx="1013161" cy="646331"/>
+          </a:xfrm>
+          <a:prstGeom prst="rect">
+            <a:avLst/>
+          </a:prstGeom>
+          <a:noFill/>
+        </p:spPr>
+        <p:txBody>
+          <a:bodyPr wrap="none" rtlCol="0">
+            <a:spAutoFit/>
+          </a:bodyPr>
+          <a:lstStyle/>
+          <a:p>
+            <a:pPr algn="r"/>
+            <a:r>
+              <a:rPr lang="bg-BG" sz="1200" dirty="0" smtClean="0">
+                <a:solidFill>
+                  <a:schemeClr val="bg1">
+                    <a:lumMod val="95000"/>
+                  </a:schemeClr>
+                </a:solidFill>
+              </a:rPr>
+              <a:t>Съдържание</a:t>
+            </a:r>
+          </a:p>
+          <a:p>
+            <a:pPr algn="r"/>
+            <a:endParaRPr lang="en-US" sz="1200" dirty="0">
+              <a:solidFill>
+                <a:schemeClr val="bg1">
+                  <a:lumMod val="95000"/>
+                </a:schemeClr>
+              </a:solidFill>
+            </a:endParaRPr>
+          </a:p>
+          <a:p>
+            <a:pPr algn="r"/>
+            <a:endParaRPr lang="en-US" sz="1200" b="1" dirty="0">
+              <a:solidFill>
+                <a:schemeClr val="bg1"/>
+              </a:solidFill>
+            </a:endParaRPr>
+          </a:p>
+        </p:txBody>
+      </p:sp>
+      <p:sp>
+        <p:nvSpPr>
+          <p:cNvPr id="47" name="Rectangle: Rounded Corners 5">
+            <a:extLst>
+              <a:ext uri="{FF2B5EF4-FFF2-40B4-BE49-F238E27FC236}">
+                <a16:creationId xmlns:a16="http://schemas.microsoft.com/office/drawing/2014/main" xmlns="" id="{682EAE92-D6DF-494B-9CC1-FF2B7145CC2C}"/>
+              </a:ext>
+            </a:extLst>
+          </p:cNvPr>
+          <p:cNvSpPr/>
+          <p:nvPr/>
+        </p:nvSpPr>
+        <p:spPr>
+          <a:xfrm>
+            <a:off x="323528" y="605860"/>
+            <a:ext cx="8496944" cy="504056"/>
+          </a:xfrm>
+          <a:prstGeom prst="roundRect">
+            <a:avLst/>
+          </a:prstGeom>
+          <a:solidFill>
+            <a:srgbClr val="127994"/>
+          </a:solidFill>
+          <a:ln>
+            <a:noFill/>
+          </a:ln>
+          <a:effectLst>
+            <a:outerShdw blurRad="50800" dist="38100" dir="5400000" algn="t" rotWithShape="0">
+              <a:prstClr val="black">
+                <a:alpha val="40000"/>
+              </a:prstClr>
+            </a:outerShdw>
+          </a:effectLst>
+        </p:spPr>
+        <p:style>
+          <a:lnRef idx="2">
+            <a:schemeClr val="accent1">
+              <a:shade val="50000"/>
+            </a:schemeClr>
+          </a:lnRef>
+          <a:fillRef idx="1">
+            <a:schemeClr val="accent1"/>
+          </a:fillRef>
+          <a:effectRef idx="0">
+            <a:schemeClr val="accent1"/>
+          </a:effectRef>
+          <a:fontRef idx="minor">
+            <a:schemeClr val="lt1"/>
+          </a:fontRef>
+        </p:style>
+        <p:txBody>
+          <a:bodyPr rtlCol="0" anchor="ctr"/>
+          <a:lstStyle/>
+          <a:p>
+            <a:pPr algn="ctr"/>
+            <a:r>
+              <a:rPr lang="en-US" dirty="0" smtClean="0"/>
+              <a:t>Branches</a:t>
+            </a:r>
+            <a:endParaRPr lang="en-US" dirty="0"/>
+          </a:p>
+        </p:txBody>
+      </p:sp>
+      <p:pic>
+        <p:nvPicPr>
+          <p:cNvPr id="2" name="Picture 1"/>
+          <p:cNvPicPr>
+            <a:picLocks noChangeAspect="1"/>
+          </p:cNvPicPr>
+          <p:nvPr/>
+        </p:nvPicPr>
+        <p:blipFill>
+          <a:blip r:embed="rId4">
+            <a:extLst>
+              <a:ext uri="{28A0092B-C50C-407E-A947-70E740481C1C}">
+                <a14:useLocalDpi xmlns:a14="http://schemas.microsoft.com/office/drawing/2010/main" val="0"/>
+              </a:ext>
+            </a:extLst>
+          </a:blip>
+          <a:stretch>
+            <a:fillRect/>
+          </a:stretch>
+        </p:blipFill>
+        <p:spPr>
+          <a:xfrm>
+            <a:off x="1382845" y="1357449"/>
+            <a:ext cx="6378309" cy="3324200"/>
+          </a:xfrm>
+          <a:prstGeom prst="rect">
+            <a:avLst/>
+          </a:prstGeom>
+        </p:spPr>
+      </p:pic>
     </p:spTree>
     <p:extLst>
       <p:ext uri="{BB962C8B-B14F-4D97-AF65-F5344CB8AC3E}">
@@ -13841,188 +13959,9 @@
   <p:timing>
     <p:tnLst>
       <p:par>
-        <p:cTn id="1" dur="indefinite" restart="never" nodeType="tmRoot">
-          <p:childTnLst>
-            <p:seq concurrent="1" nextAc="seek">
-              <p:cTn id="2" dur="indefinite" nodeType="mainSeq">
-                <p:childTnLst>
-                  <p:par>
-                    <p:cTn id="3" fill="hold">
-                      <p:stCondLst>
-                        <p:cond delay="indefinite"/>
-                      </p:stCondLst>
-                      <p:childTnLst>
-                        <p:par>
-                          <p:cTn id="4" fill="hold">
-                            <p:stCondLst>
-                              <p:cond delay="0"/>
-                            </p:stCondLst>
-                            <p:childTnLst>
-                              <p:par>
-                                <p:cTn id="5" presetID="10" presetClass="entr" presetSubtype="0" fill="hold" grpId="0" nodeType="clickEffect">
-                                  <p:stCondLst>
-                                    <p:cond delay="0"/>
-                                  </p:stCondLst>
-                                  <p:childTnLst>
-                                    <p:set>
-                                      <p:cBhvr>
-                                        <p:cTn id="6" dur="1" fill="hold">
-                                          <p:stCondLst>
-                                            <p:cond delay="0"/>
-                                          </p:stCondLst>
-                                        </p:cTn>
-                                        <p:tgtEl>
-                                          <p:spTgt spid="47"/>
-                                        </p:tgtEl>
-                                        <p:attrNameLst>
-                                          <p:attrName>style.visibility</p:attrName>
-                                        </p:attrNameLst>
-                                      </p:cBhvr>
-                                      <p:to>
-                                        <p:strVal val="visible"/>
-                                      </p:to>
-                                    </p:set>
-                                    <p:animEffect transition="in" filter="fade">
-                                      <p:cBhvr>
-                                        <p:cTn id="7" dur="500"/>
-                                        <p:tgtEl>
-                                          <p:spTgt spid="47"/>
-                                        </p:tgtEl>
-                                      </p:cBhvr>
-                                    </p:animEffect>
-                                  </p:childTnLst>
-                                </p:cTn>
-                              </p:par>
-                            </p:childTnLst>
-                          </p:cTn>
-                        </p:par>
-                      </p:childTnLst>
-                    </p:cTn>
-                  </p:par>
-                  <p:par>
-                    <p:cTn id="8" fill="hold">
-                      <p:stCondLst>
-                        <p:cond delay="indefinite"/>
-                      </p:stCondLst>
-                      <p:childTnLst>
-                        <p:par>
-                          <p:cTn id="9" fill="hold">
-                            <p:stCondLst>
-                              <p:cond delay="0"/>
-                            </p:stCondLst>
-                            <p:childTnLst>
-                              <p:par>
-                                <p:cTn id="10" presetID="47" presetClass="entr" presetSubtype="0" fill="hold" grpId="0" nodeType="clickEffect">
-                                  <p:stCondLst>
-                                    <p:cond delay="0"/>
-                                  </p:stCondLst>
-                                  <p:childTnLst>
-                                    <p:set>
-                                      <p:cBhvr>
-                                        <p:cTn id="11" dur="1" fill="hold">
-                                          <p:stCondLst>
-                                            <p:cond delay="0"/>
-                                          </p:stCondLst>
-                                        </p:cTn>
-                                        <p:tgtEl>
-                                          <p:spTgt spid="9"/>
-                                        </p:tgtEl>
-                                        <p:attrNameLst>
-                                          <p:attrName>style.visibility</p:attrName>
-                                        </p:attrNameLst>
-                                      </p:cBhvr>
-                                      <p:to>
-                                        <p:strVal val="visible"/>
-                                      </p:to>
-                                    </p:set>
-                                    <p:animEffect transition="in" filter="fade">
-                                      <p:cBhvr>
-                                        <p:cTn id="12" dur="1000"/>
-                                        <p:tgtEl>
-                                          <p:spTgt spid="9"/>
-                                        </p:tgtEl>
-                                      </p:cBhvr>
-                                    </p:animEffect>
-                                    <p:anim calcmode="lin" valueType="num">
-                                      <p:cBhvr>
-                                        <p:cTn id="13" dur="1000" fill="hold"/>
-                                        <p:tgtEl>
-                                          <p:spTgt spid="9"/>
-                                        </p:tgtEl>
-                                        <p:attrNameLst>
-                                          <p:attrName>ppt_x</p:attrName>
-                                        </p:attrNameLst>
-                                      </p:cBhvr>
-                                      <p:tavLst>
-                                        <p:tav tm="0">
-                                          <p:val>
-                                            <p:strVal val="#ppt_x"/>
-                                          </p:val>
-                                        </p:tav>
-                                        <p:tav tm="100000">
-                                          <p:val>
-                                            <p:strVal val="#ppt_x"/>
-                                          </p:val>
-                                        </p:tav>
-                                      </p:tavLst>
-                                    </p:anim>
-                                    <p:anim calcmode="lin" valueType="num">
-                                      <p:cBhvr>
-                                        <p:cTn id="14" dur="1000" fill="hold"/>
-                                        <p:tgtEl>
-                                          <p:spTgt spid="9"/>
-                                        </p:tgtEl>
-                                        <p:attrNameLst>
-                                          <p:attrName>ppt_y</p:attrName>
-                                        </p:attrNameLst>
-                                      </p:cBhvr>
-                                      <p:tavLst>
-                                        <p:tav tm="0">
-                                          <p:val>
-                                            <p:strVal val="#ppt_y-.1"/>
-                                          </p:val>
-                                        </p:tav>
-                                        <p:tav tm="100000">
-                                          <p:val>
-                                            <p:strVal val="#ppt_y"/>
-                                          </p:val>
-                                        </p:tav>
-                                      </p:tavLst>
-                                    </p:anim>
-                                  </p:childTnLst>
-                                </p:cTn>
-                              </p:par>
-                            </p:childTnLst>
-                          </p:cTn>
-                        </p:par>
-                      </p:childTnLst>
-                    </p:cTn>
-                  </p:par>
-                </p:childTnLst>
-              </p:cTn>
-              <p:prevCondLst>
-                <p:cond evt="onPrev" delay="0">
-                  <p:tgtEl>
-                    <p:sldTgt/>
-                  </p:tgtEl>
-                </p:cond>
-              </p:prevCondLst>
-              <p:nextCondLst>
-                <p:cond evt="onNext" delay="0">
-                  <p:tgtEl>
-                    <p:sldTgt/>
-                  </p:tgtEl>
-                </p:cond>
-              </p:nextCondLst>
-            </p:seq>
-          </p:childTnLst>
-        </p:cTn>
+        <p:cTn id="1" dur="indefinite" restart="never" nodeType="tmRoot"/>
       </p:par>
     </p:tnLst>
-    <p:bldLst>
-      <p:bldP spid="47" grpId="0" animBg="1"/>
-      <p:bldP spid="9" grpId="0"/>
-    </p:bldLst>
   </p:timing>
 </p:sld>
 </file>

--- a/L4/FE-L4-May-08.pptx
+++ b/L4/FE-L4-May-08.pptx
@@ -5,7 +5,7 @@
     <p:sldMasterId id="2147483660" r:id="rId1"/>
   </p:sldMasterIdLst>
   <p:notesMasterIdLst>
-    <p:notesMasterId r:id="rId12"/>
+    <p:notesMasterId r:id="rId14"/>
   </p:notesMasterIdLst>
   <p:sldIdLst>
     <p:sldId id="256" r:id="rId2"/>
@@ -17,7 +17,9 @@
     <p:sldId id="314" r:id="rId8"/>
     <p:sldId id="317" r:id="rId9"/>
     <p:sldId id="315" r:id="rId10"/>
-    <p:sldId id="319" r:id="rId11"/>
+    <p:sldId id="320" r:id="rId11"/>
+    <p:sldId id="321" r:id="rId12"/>
+    <p:sldId id="319" r:id="rId13"/>
   </p:sldIdLst>
   <p:sldSz cx="9144000" cy="5715000" type="screen16x10"/>
   <p:notesSz cx="6858000" cy="9144000"/>
@@ -3897,7 +3899,7 @@
           <a:p>
             <a:fld id="{F6D8C1CC-B947-4082-943C-2B15D0562C1D}" type="datetimeFigureOut">
               <a:rPr lang="en-US" smtClean="0"/>
-              <a:t>07-May-18</a:t>
+              <a:t>08-May-18</a:t>
             </a:fld>
             <a:endParaRPr lang="en-US"/>
           </a:p>
@@ -4265,6 +4267,212 @@
 </p:notes>
 </file>
 
+<file path=ppt/notesSlides/notesSlide10.xml><?xml version="1.0" encoding="utf-8"?>
+<p:notes xmlns:a="http://schemas.openxmlformats.org/drawingml/2006/main" xmlns:r="http://schemas.openxmlformats.org/officeDocument/2006/relationships" xmlns:p="http://schemas.openxmlformats.org/presentationml/2006/main">
+  <p:cSld>
+    <p:spTree>
+      <p:nvGrpSpPr>
+        <p:cNvPr id="1" name=""/>
+        <p:cNvGrpSpPr/>
+        <p:nvPr/>
+      </p:nvGrpSpPr>
+      <p:grpSpPr>
+        <a:xfrm>
+          <a:off x="0" y="0"/>
+          <a:ext cx="0" cy="0"/>
+          <a:chOff x="0" y="0"/>
+          <a:chExt cx="0" cy="0"/>
+        </a:xfrm>
+      </p:grpSpPr>
+      <p:sp>
+        <p:nvSpPr>
+          <p:cNvPr id="2" name="Slide Image Placeholder 1"/>
+          <p:cNvSpPr>
+            <a:spLocks noGrp="1" noRot="1" noChangeAspect="1"/>
+          </p:cNvSpPr>
+          <p:nvPr>
+            <p:ph type="sldImg"/>
+          </p:nvPr>
+        </p:nvSpPr>
+        <p:spPr/>
+      </p:sp>
+      <p:sp>
+        <p:nvSpPr>
+          <p:cNvPr id="3" name="Notes Placeholder 2"/>
+          <p:cNvSpPr>
+            <a:spLocks noGrp="1"/>
+          </p:cNvSpPr>
+          <p:nvPr>
+            <p:ph type="body" idx="1"/>
+          </p:nvPr>
+        </p:nvSpPr>
+        <p:spPr/>
+        <p:txBody>
+          <a:bodyPr/>
+          <a:lstStyle/>
+          <a:p>
+            <a:pPr marL="0" marR="0" indent="0" algn="l" defTabSz="914400" rtl="0" eaLnBrk="1" fontAlgn="auto" latinLnBrk="0" hangingPunct="1">
+              <a:lnSpc>
+                <a:spcPct val="100000"/>
+              </a:lnSpc>
+              <a:spcBef>
+                <a:spcPts val="0"/>
+              </a:spcBef>
+              <a:spcAft>
+                <a:spcPts val="0"/>
+              </a:spcAft>
+              <a:buClrTx/>
+              <a:buSzTx/>
+              <a:buFontTx/>
+              <a:buNone/>
+              <a:tabLst/>
+              <a:defRPr/>
+            </a:pPr>
+            <a:endParaRPr lang="en-US" b="0" baseline="0" dirty="0" smtClean="0"/>
+          </a:p>
+        </p:txBody>
+      </p:sp>
+      <p:sp>
+        <p:nvSpPr>
+          <p:cNvPr id="4" name="Slide Number Placeholder 3"/>
+          <p:cNvSpPr>
+            <a:spLocks noGrp="1"/>
+          </p:cNvSpPr>
+          <p:nvPr>
+            <p:ph type="sldNum" sz="quarter" idx="10"/>
+          </p:nvPr>
+        </p:nvSpPr>
+        <p:spPr/>
+        <p:txBody>
+          <a:bodyPr/>
+          <a:lstStyle/>
+          <a:p>
+            <a:fld id="{8C65C300-19CC-4360-A650-4F04F63F7B82}" type="slidenum">
+              <a:rPr lang="en-US" smtClean="0"/>
+              <a:t>11</a:t>
+            </a:fld>
+            <a:endParaRPr lang="en-US"/>
+          </a:p>
+        </p:txBody>
+      </p:sp>
+    </p:spTree>
+    <p:extLst>
+      <p:ext uri="{BB962C8B-B14F-4D97-AF65-F5344CB8AC3E}">
+        <p14:creationId xmlns:p14="http://schemas.microsoft.com/office/powerpoint/2010/main" val="3750118017"/>
+      </p:ext>
+    </p:extLst>
+  </p:cSld>
+  <p:clrMapOvr>
+    <a:masterClrMapping/>
+  </p:clrMapOvr>
+</p:notes>
+</file>
+
+<file path=ppt/notesSlides/notesSlide11.xml><?xml version="1.0" encoding="utf-8"?>
+<p:notes xmlns:a="http://schemas.openxmlformats.org/drawingml/2006/main" xmlns:r="http://schemas.openxmlformats.org/officeDocument/2006/relationships" xmlns:p="http://schemas.openxmlformats.org/presentationml/2006/main">
+  <p:cSld>
+    <p:spTree>
+      <p:nvGrpSpPr>
+        <p:cNvPr id="1" name=""/>
+        <p:cNvGrpSpPr/>
+        <p:nvPr/>
+      </p:nvGrpSpPr>
+      <p:grpSpPr>
+        <a:xfrm>
+          <a:off x="0" y="0"/>
+          <a:ext cx="0" cy="0"/>
+          <a:chOff x="0" y="0"/>
+          <a:chExt cx="0" cy="0"/>
+        </a:xfrm>
+      </p:grpSpPr>
+      <p:sp>
+        <p:nvSpPr>
+          <p:cNvPr id="2" name="Slide Image Placeholder 1"/>
+          <p:cNvSpPr>
+            <a:spLocks noGrp="1" noRot="1" noChangeAspect="1"/>
+          </p:cNvSpPr>
+          <p:nvPr>
+            <p:ph type="sldImg"/>
+          </p:nvPr>
+        </p:nvSpPr>
+        <p:spPr/>
+      </p:sp>
+      <p:sp>
+        <p:nvSpPr>
+          <p:cNvPr id="3" name="Notes Placeholder 2"/>
+          <p:cNvSpPr>
+            <a:spLocks noGrp="1"/>
+          </p:cNvSpPr>
+          <p:nvPr>
+            <p:ph type="body" idx="1"/>
+          </p:nvPr>
+        </p:nvSpPr>
+        <p:spPr/>
+        <p:txBody>
+          <a:bodyPr/>
+          <a:lstStyle/>
+          <a:p>
+            <a:pPr marL="0" marR="0" indent="0" algn="l" defTabSz="914400" rtl="0" eaLnBrk="1" fontAlgn="auto" latinLnBrk="0" hangingPunct="1">
+              <a:lnSpc>
+                <a:spcPct val="100000"/>
+              </a:lnSpc>
+              <a:spcBef>
+                <a:spcPts val="0"/>
+              </a:spcBef>
+              <a:spcAft>
+                <a:spcPts val="0"/>
+              </a:spcAft>
+              <a:buClrTx/>
+              <a:buSzTx/>
+              <a:buFontTx/>
+              <a:buNone/>
+              <a:tabLst/>
+              <a:defRPr/>
+            </a:pPr>
+            <a:r>
+              <a:rPr lang="en-US" b="0" baseline="0" smtClean="0"/>
+              <a:t>https://education.github.com/git-cheat-sheet-education.pdf</a:t>
+            </a:r>
+            <a:endParaRPr lang="en-US" b="0" baseline="0" dirty="0" smtClean="0"/>
+          </a:p>
+        </p:txBody>
+      </p:sp>
+      <p:sp>
+        <p:nvSpPr>
+          <p:cNvPr id="4" name="Slide Number Placeholder 3"/>
+          <p:cNvSpPr>
+            <a:spLocks noGrp="1"/>
+          </p:cNvSpPr>
+          <p:nvPr>
+            <p:ph type="sldNum" sz="quarter" idx="10"/>
+          </p:nvPr>
+        </p:nvSpPr>
+        <p:spPr/>
+        <p:txBody>
+          <a:bodyPr/>
+          <a:lstStyle/>
+          <a:p>
+            <a:fld id="{8C65C300-19CC-4360-A650-4F04F63F7B82}" type="slidenum">
+              <a:rPr lang="en-US" smtClean="0"/>
+              <a:t>12</a:t>
+            </a:fld>
+            <a:endParaRPr lang="en-US"/>
+          </a:p>
+        </p:txBody>
+      </p:sp>
+    </p:spTree>
+    <p:extLst>
+      <p:ext uri="{BB962C8B-B14F-4D97-AF65-F5344CB8AC3E}">
+        <p14:creationId xmlns:p14="http://schemas.microsoft.com/office/powerpoint/2010/main" val="2902426492"/>
+      </p:ext>
+    </p:extLst>
+  </p:cSld>
+  <p:clrMapOvr>
+    <a:masterClrMapping/>
+  </p:clrMapOvr>
+</p:notes>
+</file>
+
 <file path=ppt/notesSlides/notesSlide2.xml><?xml version="1.0" encoding="utf-8"?>
 <p:notes xmlns:a="http://schemas.openxmlformats.org/drawingml/2006/main" xmlns:r="http://schemas.openxmlformats.org/officeDocument/2006/relationships" xmlns:p="http://schemas.openxmlformats.org/presentationml/2006/main">
   <p:cSld>
@@ -4928,7 +5136,6 @@
               <a:rPr lang="en-US" b="0" baseline="0" dirty="0" smtClean="0"/>
               <a:t> clone, </a:t>
             </a:r>
-            <a:endParaRPr lang="en-US" b="0" baseline="0" dirty="0" smtClean="0"/>
           </a:p>
         </p:txBody>
       </p:sp>
@@ -5536,10 +5743,6 @@
               <a:tabLst/>
               <a:defRPr/>
             </a:pPr>
-            <a:r>
-              <a:rPr lang="bg-BG" b="0" baseline="0" dirty="0" smtClean="0"/>
-              <a:t>Разлика между репо и бранч?!</a:t>
-            </a:r>
             <a:endParaRPr lang="en-US" b="0" baseline="0" dirty="0" smtClean="0"/>
           </a:p>
         </p:txBody>
@@ -5570,7 +5773,7 @@
     </p:spTree>
     <p:extLst>
       <p:ext uri="{BB962C8B-B14F-4D97-AF65-F5344CB8AC3E}">
-        <p14:creationId xmlns:p14="http://schemas.microsoft.com/office/powerpoint/2010/main" val="2902426492"/>
+        <p14:creationId xmlns:p14="http://schemas.microsoft.com/office/powerpoint/2010/main" val="64447178"/>
       </p:ext>
     </p:extLst>
   </p:cSld>
@@ -5727,7 +5930,7 @@
           <a:p>
             <a:fld id="{C3092D70-B9B3-42E8-972A-1A494C668E52}" type="datetimeFigureOut">
               <a:rPr lang="bg-BG" smtClean="0"/>
-              <a:t>7.5.2018 г.</a:t>
+              <a:t>8.5.2018 г.</a:t>
             </a:fld>
             <a:endParaRPr lang="bg-BG"/>
           </a:p>
@@ -5925,7 +6128,7 @@
           <a:p>
             <a:fld id="{C3092D70-B9B3-42E8-972A-1A494C668E52}" type="datetimeFigureOut">
               <a:rPr lang="bg-BG" smtClean="0"/>
-              <a:t>7.5.2018 г.</a:t>
+              <a:t>8.5.2018 г.</a:t>
             </a:fld>
             <a:endParaRPr lang="bg-BG"/>
           </a:p>
@@ -6133,7 +6336,7 @@
           <a:p>
             <a:fld id="{C3092D70-B9B3-42E8-972A-1A494C668E52}" type="datetimeFigureOut">
               <a:rPr lang="bg-BG" smtClean="0"/>
-              <a:t>7.5.2018 г.</a:t>
+              <a:t>8.5.2018 г.</a:t>
             </a:fld>
             <a:endParaRPr lang="bg-BG"/>
           </a:p>
@@ -6331,7 +6534,7 @@
           <a:p>
             <a:fld id="{C3092D70-B9B3-42E8-972A-1A494C668E52}" type="datetimeFigureOut">
               <a:rPr lang="bg-BG" smtClean="0"/>
-              <a:t>7.5.2018 г.</a:t>
+              <a:t>8.5.2018 г.</a:t>
             </a:fld>
             <a:endParaRPr lang="bg-BG"/>
           </a:p>
@@ -6606,7 +6809,7 @@
           <a:p>
             <a:fld id="{C3092D70-B9B3-42E8-972A-1A494C668E52}" type="datetimeFigureOut">
               <a:rPr lang="bg-BG" smtClean="0"/>
-              <a:t>7.5.2018 г.</a:t>
+              <a:t>8.5.2018 г.</a:t>
             </a:fld>
             <a:endParaRPr lang="bg-BG"/>
           </a:p>
@@ -6871,7 +7074,7 @@
           <a:p>
             <a:fld id="{C3092D70-B9B3-42E8-972A-1A494C668E52}" type="datetimeFigureOut">
               <a:rPr lang="bg-BG" smtClean="0"/>
-              <a:t>7.5.2018 г.</a:t>
+              <a:t>8.5.2018 г.</a:t>
             </a:fld>
             <a:endParaRPr lang="bg-BG"/>
           </a:p>
@@ -7283,7 +7486,7 @@
           <a:p>
             <a:fld id="{C3092D70-B9B3-42E8-972A-1A494C668E52}" type="datetimeFigureOut">
               <a:rPr lang="bg-BG" smtClean="0"/>
-              <a:t>7.5.2018 г.</a:t>
+              <a:t>8.5.2018 г.</a:t>
             </a:fld>
             <a:endParaRPr lang="bg-BG"/>
           </a:p>
@@ -7424,7 +7627,7 @@
           <a:p>
             <a:fld id="{C3092D70-B9B3-42E8-972A-1A494C668E52}" type="datetimeFigureOut">
               <a:rPr lang="bg-BG" smtClean="0"/>
-              <a:t>7.5.2018 г.</a:t>
+              <a:t>8.5.2018 г.</a:t>
             </a:fld>
             <a:endParaRPr lang="bg-BG"/>
           </a:p>
@@ -7537,7 +7740,7 @@
           <a:p>
             <a:fld id="{C3092D70-B9B3-42E8-972A-1A494C668E52}" type="datetimeFigureOut">
               <a:rPr lang="bg-BG" smtClean="0"/>
-              <a:t>7.5.2018 г.</a:t>
+              <a:t>8.5.2018 г.</a:t>
             </a:fld>
             <a:endParaRPr lang="bg-BG"/>
           </a:p>
@@ -7848,7 +8051,7 @@
           <a:p>
             <a:fld id="{C3092D70-B9B3-42E8-972A-1A494C668E52}" type="datetimeFigureOut">
               <a:rPr lang="bg-BG" smtClean="0"/>
-              <a:t>7.5.2018 г.</a:t>
+              <a:t>8.5.2018 г.</a:t>
             </a:fld>
             <a:endParaRPr lang="bg-BG"/>
           </a:p>
@@ -8136,7 +8339,7 @@
           <a:p>
             <a:fld id="{C3092D70-B9B3-42E8-972A-1A494C668E52}" type="datetimeFigureOut">
               <a:rPr lang="bg-BG" smtClean="0"/>
-              <a:t>7.5.2018 г.</a:t>
+              <a:t>8.5.2018 г.</a:t>
             </a:fld>
             <a:endParaRPr lang="bg-BG"/>
           </a:p>
@@ -8377,7 +8580,7 @@
           <a:p>
             <a:fld id="{C3092D70-B9B3-42E8-972A-1A494C668E52}" type="datetimeFigureOut">
               <a:rPr lang="bg-BG" smtClean="0"/>
-              <a:t>7.5.2018 г.</a:t>
+              <a:t>8.5.2018 г.</a:t>
             </a:fld>
             <a:endParaRPr lang="bg-BG"/>
           </a:p>
@@ -9002,18 +9205,7 @@
                 <a:ea typeface="Verdana" panose="020B0604030504040204" pitchFamily="34" charset="0"/>
                 <a:cs typeface="Verdana" panose="020B0604030504040204" pitchFamily="34" charset="0"/>
               </a:rPr>
-              <a:t>5. </a:t>
-            </a:r>
-            <a:r>
-              <a:rPr lang="bg-BG" sz="1200" b="1" dirty="0" smtClean="0">
-                <a:solidFill>
-                  <a:schemeClr val="bg1"/>
-                </a:solidFill>
-                <a:latin typeface="Verdana" panose="020B0604030504040204" pitchFamily="34" charset="0"/>
-                <a:ea typeface="Verdana" panose="020B0604030504040204" pitchFamily="34" charset="0"/>
-                <a:cs typeface="Verdana" panose="020B0604030504040204" pitchFamily="34" charset="0"/>
-              </a:rPr>
-              <a:t>Въведение в </a:t>
+              <a:t>5. Въведение в </a:t>
             </a:r>
             <a:r>
               <a:rPr lang="en-US" sz="1200" b="1" dirty="0" smtClean="0">
@@ -9153,12 +9345,8 @@
           <a:p>
             <a:pPr algn="ctr"/>
             <a:r>
-              <a:rPr lang="en-US" dirty="0" err="1" smtClean="0"/>
-              <a:t>Git</a:t>
-            </a:r>
-            <a:r>
               <a:rPr lang="en-US" dirty="0" smtClean="0"/>
-              <a:t> operations and commands</a:t>
+              <a:t>Branches</a:t>
             </a:r>
             <a:endParaRPr lang="en-US" dirty="0"/>
           </a:p>
@@ -9173,21 +9361,1556 @@
           <p:nvPr/>
         </p:nvPicPr>
         <p:blipFill>
-          <a:blip r:embed="rId4"/>
+          <a:blip r:embed="rId4">
+            <a:extLst>
+              <a:ext uri="{28A0092B-C50C-407E-A947-70E740481C1C}">
+                <a14:useLocalDpi xmlns:a14="http://schemas.microsoft.com/office/drawing/2010/main" val="0"/>
+              </a:ext>
+            </a:extLst>
+          </a:blip>
           <a:stretch>
             <a:fillRect/>
           </a:stretch>
         </p:blipFill>
         <p:spPr>
           <a:xfrm>
-            <a:off x="840709" y="1659147"/>
-            <a:ext cx="7462582" cy="2848890"/>
+            <a:off x="1382845" y="1357449"/>
+            <a:ext cx="6378309" cy="3324200"/>
           </a:xfrm>
           <a:prstGeom prst="rect">
             <a:avLst/>
           </a:prstGeom>
         </p:spPr>
       </p:pic>
+    </p:spTree>
+    <p:extLst>
+      <p:ext uri="{BB962C8B-B14F-4D97-AF65-F5344CB8AC3E}">
+        <p14:creationId xmlns:p14="http://schemas.microsoft.com/office/powerpoint/2010/main" val="886561358"/>
+      </p:ext>
+    </p:extLst>
+  </p:cSld>
+  <p:clrMapOvr>
+    <a:masterClrMapping/>
+  </p:clrMapOvr>
+  <p:timing>
+    <p:tnLst>
+      <p:par>
+        <p:cTn id="1" dur="indefinite" restart="never" nodeType="tmRoot"/>
+      </p:par>
+    </p:tnLst>
+  </p:timing>
+</p:sld>
+</file>
+
+<file path=ppt/slides/slide11.xml><?xml version="1.0" encoding="utf-8"?>
+<p:sld xmlns:a="http://schemas.openxmlformats.org/drawingml/2006/main" xmlns:r="http://schemas.openxmlformats.org/officeDocument/2006/relationships" xmlns:p="http://schemas.openxmlformats.org/presentationml/2006/main">
+  <p:cSld>
+    <p:bg>
+      <p:bgPr>
+        <a:blipFill dpi="0" rotWithShape="1">
+          <a:blip r:embed="rId3">
+            <a:lum/>
+          </a:blip>
+          <a:srcRect/>
+          <a:stretch>
+            <a:fillRect/>
+          </a:stretch>
+        </a:blipFill>
+        <a:effectLst/>
+      </p:bgPr>
+    </p:bg>
+    <p:spTree>
+      <p:nvGrpSpPr>
+        <p:cNvPr id="1" name=""/>
+        <p:cNvGrpSpPr/>
+        <p:nvPr/>
+      </p:nvGrpSpPr>
+      <p:grpSpPr>
+        <a:xfrm>
+          <a:off x="0" y="0"/>
+          <a:ext cx="0" cy="0"/>
+          <a:chOff x="0" y="0"/>
+          <a:chExt cx="0" cy="0"/>
+        </a:xfrm>
+      </p:grpSpPr>
+      <p:sp>
+        <p:nvSpPr>
+          <p:cNvPr id="39" name="Rectangle 38">
+            <a:extLst>
+              <a:ext uri="{FF2B5EF4-FFF2-40B4-BE49-F238E27FC236}">
+                <a16:creationId xmlns:a16="http://schemas.microsoft.com/office/drawing/2014/main" xmlns="" id="{C1C163D1-85A2-4643-BA3C-22035ECBF6E9}"/>
+              </a:ext>
+            </a:extLst>
+          </p:cNvPr>
+          <p:cNvSpPr/>
+          <p:nvPr/>
+        </p:nvSpPr>
+        <p:spPr>
+          <a:xfrm>
+            <a:off x="7210970" y="0"/>
+            <a:ext cx="1933031" cy="356965"/>
+          </a:xfrm>
+          <a:prstGeom prst="rect">
+            <a:avLst/>
+          </a:prstGeom>
+          <a:solidFill>
+            <a:srgbClr val="0F7792">
+              <a:alpha val="50196"/>
+            </a:srgbClr>
+          </a:solidFill>
+          <a:ln>
+            <a:noFill/>
+          </a:ln>
+        </p:spPr>
+        <p:style>
+          <a:lnRef idx="2">
+            <a:schemeClr val="accent1">
+              <a:shade val="50000"/>
+            </a:schemeClr>
+          </a:lnRef>
+          <a:fillRef idx="1">
+            <a:schemeClr val="accent1"/>
+          </a:fillRef>
+          <a:effectRef idx="0">
+            <a:schemeClr val="accent1"/>
+          </a:effectRef>
+          <a:fontRef idx="minor">
+            <a:schemeClr val="lt1"/>
+          </a:fontRef>
+        </p:style>
+        <p:txBody>
+          <a:bodyPr rtlCol="0" anchor="ctr"/>
+          <a:lstStyle/>
+          <a:p>
+            <a:pPr algn="ctr"/>
+            <a:endParaRPr lang="en-US"/>
+          </a:p>
+        </p:txBody>
+      </p:sp>
+      <p:sp>
+        <p:nvSpPr>
+          <p:cNvPr id="5" name="Rectangle 4">
+            <a:extLst>
+              <a:ext uri="{FF2B5EF4-FFF2-40B4-BE49-F238E27FC236}">
+                <a16:creationId xmlns:a16="http://schemas.microsoft.com/office/drawing/2014/main" xmlns="" id="{12131ED0-4950-475C-B7DC-450FBBF3C54A}"/>
+              </a:ext>
+            </a:extLst>
+          </p:cNvPr>
+          <p:cNvSpPr/>
+          <p:nvPr/>
+        </p:nvSpPr>
+        <p:spPr>
+          <a:xfrm>
+            <a:off x="0" y="0"/>
+            <a:ext cx="4283968" cy="356965"/>
+          </a:xfrm>
+          <a:prstGeom prst="rect">
+            <a:avLst/>
+          </a:prstGeom>
+          <a:solidFill>
+            <a:srgbClr val="0F7792"/>
+          </a:solidFill>
+          <a:ln>
+            <a:noFill/>
+          </a:ln>
+        </p:spPr>
+        <p:style>
+          <a:lnRef idx="2">
+            <a:schemeClr val="accent1">
+              <a:shade val="50000"/>
+            </a:schemeClr>
+          </a:lnRef>
+          <a:fillRef idx="1">
+            <a:schemeClr val="accent1"/>
+          </a:fillRef>
+          <a:effectRef idx="0">
+            <a:schemeClr val="accent1"/>
+          </a:effectRef>
+          <a:fontRef idx="minor">
+            <a:schemeClr val="lt1"/>
+          </a:fontRef>
+        </p:style>
+        <p:txBody>
+          <a:bodyPr rtlCol="0" anchor="ctr"/>
+          <a:lstStyle/>
+          <a:p>
+            <a:pPr algn="ctr"/>
+            <a:endParaRPr lang="en-US"/>
+          </a:p>
+        </p:txBody>
+      </p:sp>
+      <p:sp>
+        <p:nvSpPr>
+          <p:cNvPr id="4" name="TextBox 3">
+            <a:extLst>
+              <a:ext uri="{FF2B5EF4-FFF2-40B4-BE49-F238E27FC236}">
+                <a16:creationId xmlns:a16="http://schemas.microsoft.com/office/drawing/2014/main" xmlns="" id="{DB2A6D78-D3DF-4739-BCDE-EE78ED59B04D}"/>
+              </a:ext>
+            </a:extLst>
+          </p:cNvPr>
+          <p:cNvSpPr txBox="1"/>
+          <p:nvPr/>
+        </p:nvSpPr>
+        <p:spPr>
+          <a:xfrm>
+            <a:off x="89756" y="24634"/>
+            <a:ext cx="4122204" cy="276999"/>
+          </a:xfrm>
+          <a:prstGeom prst="rect">
+            <a:avLst/>
+          </a:prstGeom>
+          <a:noFill/>
+        </p:spPr>
+        <p:txBody>
+          <a:bodyPr wrap="square" rtlCol="0">
+            <a:spAutoFit/>
+          </a:bodyPr>
+          <a:lstStyle/>
+          <a:p>
+            <a:r>
+              <a:rPr lang="bg-BG" sz="1200" b="1" dirty="0" smtClean="0">
+                <a:solidFill>
+                  <a:schemeClr val="bg1"/>
+                </a:solidFill>
+                <a:latin typeface="Verdana" panose="020B0604030504040204" pitchFamily="34" charset="0"/>
+                <a:ea typeface="Verdana" panose="020B0604030504040204" pitchFamily="34" charset="0"/>
+                <a:cs typeface="Verdana" panose="020B0604030504040204" pitchFamily="34" charset="0"/>
+              </a:rPr>
+              <a:t>5. Въведение в </a:t>
+            </a:r>
+            <a:r>
+              <a:rPr lang="en-US" sz="1200" b="1" dirty="0" smtClean="0">
+                <a:solidFill>
+                  <a:schemeClr val="bg1"/>
+                </a:solidFill>
+                <a:latin typeface="Verdana" panose="020B0604030504040204" pitchFamily="34" charset="0"/>
+                <a:ea typeface="Verdana" panose="020B0604030504040204" pitchFamily="34" charset="0"/>
+                <a:cs typeface="Verdana" panose="020B0604030504040204" pitchFamily="34" charset="0"/>
+              </a:rPr>
+              <a:t>SVN &amp; GIT</a:t>
+            </a:r>
+            <a:endParaRPr lang="bg-BG" sz="1200" dirty="0">
+              <a:solidFill>
+                <a:schemeClr val="bg1"/>
+              </a:solidFill>
+              <a:latin typeface="Verdana" panose="020B0604030504040204" pitchFamily="34" charset="0"/>
+              <a:ea typeface="Verdana" panose="020B0604030504040204" pitchFamily="34" charset="0"/>
+              <a:cs typeface="Verdana" panose="020B0604030504040204" pitchFamily="34" charset="0"/>
+            </a:endParaRPr>
+          </a:p>
+        </p:txBody>
+      </p:sp>
+      <p:sp>
+        <p:nvSpPr>
+          <p:cNvPr id="8" name="TextBox 7">
+            <a:extLst>
+              <a:ext uri="{FF2B5EF4-FFF2-40B4-BE49-F238E27FC236}">
+                <a16:creationId xmlns:a16="http://schemas.microsoft.com/office/drawing/2014/main" xmlns="" id="{2374E9AE-8D65-4C85-A4AC-BBB9AA519202}"/>
+              </a:ext>
+            </a:extLst>
+          </p:cNvPr>
+          <p:cNvSpPr txBox="1"/>
+          <p:nvPr/>
+        </p:nvSpPr>
+        <p:spPr>
+          <a:xfrm>
+            <a:off x="8130840" y="43105"/>
+            <a:ext cx="1013161" cy="646331"/>
+          </a:xfrm>
+          <a:prstGeom prst="rect">
+            <a:avLst/>
+          </a:prstGeom>
+          <a:noFill/>
+        </p:spPr>
+        <p:txBody>
+          <a:bodyPr wrap="none" rtlCol="0">
+            <a:spAutoFit/>
+          </a:bodyPr>
+          <a:lstStyle/>
+          <a:p>
+            <a:pPr algn="r"/>
+            <a:r>
+              <a:rPr lang="bg-BG" sz="1200" dirty="0" smtClean="0">
+                <a:solidFill>
+                  <a:schemeClr val="bg1">
+                    <a:lumMod val="95000"/>
+                  </a:schemeClr>
+                </a:solidFill>
+              </a:rPr>
+              <a:t>Съдържание</a:t>
+            </a:r>
+          </a:p>
+          <a:p>
+            <a:pPr algn="r"/>
+            <a:endParaRPr lang="en-US" sz="1200" dirty="0">
+              <a:solidFill>
+                <a:schemeClr val="bg1">
+                  <a:lumMod val="95000"/>
+                </a:schemeClr>
+              </a:solidFill>
+            </a:endParaRPr>
+          </a:p>
+          <a:p>
+            <a:pPr algn="r"/>
+            <a:endParaRPr lang="en-US" sz="1200" b="1" dirty="0">
+              <a:solidFill>
+                <a:schemeClr val="bg1"/>
+              </a:solidFill>
+            </a:endParaRPr>
+          </a:p>
+        </p:txBody>
+      </p:sp>
+      <p:sp>
+        <p:nvSpPr>
+          <p:cNvPr id="47" name="Rectangle: Rounded Corners 5">
+            <a:extLst>
+              <a:ext uri="{FF2B5EF4-FFF2-40B4-BE49-F238E27FC236}">
+                <a16:creationId xmlns:a16="http://schemas.microsoft.com/office/drawing/2014/main" xmlns="" id="{682EAE92-D6DF-494B-9CC1-FF2B7145CC2C}"/>
+              </a:ext>
+            </a:extLst>
+          </p:cNvPr>
+          <p:cNvSpPr/>
+          <p:nvPr/>
+        </p:nvSpPr>
+        <p:spPr>
+          <a:xfrm>
+            <a:off x="323528" y="605860"/>
+            <a:ext cx="8496944" cy="504056"/>
+          </a:xfrm>
+          <a:prstGeom prst="roundRect">
+            <a:avLst/>
+          </a:prstGeom>
+          <a:solidFill>
+            <a:srgbClr val="127994"/>
+          </a:solidFill>
+          <a:ln>
+            <a:noFill/>
+          </a:ln>
+          <a:effectLst>
+            <a:outerShdw blurRad="50800" dist="38100" dir="5400000" algn="t" rotWithShape="0">
+              <a:prstClr val="black">
+                <a:alpha val="40000"/>
+              </a:prstClr>
+            </a:outerShdw>
+          </a:effectLst>
+        </p:spPr>
+        <p:style>
+          <a:lnRef idx="2">
+            <a:schemeClr val="accent1">
+              <a:shade val="50000"/>
+            </a:schemeClr>
+          </a:lnRef>
+          <a:fillRef idx="1">
+            <a:schemeClr val="accent1"/>
+          </a:fillRef>
+          <a:effectRef idx="0">
+            <a:schemeClr val="accent1"/>
+          </a:effectRef>
+          <a:fontRef idx="minor">
+            <a:schemeClr val="lt1"/>
+          </a:fontRef>
+        </p:style>
+        <p:txBody>
+          <a:bodyPr rtlCol="0" anchor="ctr"/>
+          <a:lstStyle/>
+          <a:p>
+            <a:pPr algn="ctr"/>
+            <a:r>
+              <a:rPr lang="en-US" dirty="0" err="1" smtClean="0"/>
+              <a:t>Git</a:t>
+            </a:r>
+            <a:r>
+              <a:rPr lang="en-US" dirty="0" smtClean="0"/>
+              <a:t>  Commands</a:t>
+            </a:r>
+            <a:endParaRPr lang="en-US" dirty="0"/>
+          </a:p>
+        </p:txBody>
+      </p:sp>
+      <p:pic>
+        <p:nvPicPr>
+          <p:cNvPr id="3" name="Picture 2"/>
+          <p:cNvPicPr>
+            <a:picLocks noChangeAspect="1"/>
+          </p:cNvPicPr>
+          <p:nvPr/>
+        </p:nvPicPr>
+        <p:blipFill>
+          <a:blip r:embed="rId4" cstate="print">
+            <a:extLst>
+              <a:ext uri="{28A0092B-C50C-407E-A947-70E740481C1C}">
+                <a14:useLocalDpi xmlns:a14="http://schemas.microsoft.com/office/drawing/2010/main" val="0"/>
+              </a:ext>
+            </a:extLst>
+          </a:blip>
+          <a:stretch>
+            <a:fillRect/>
+          </a:stretch>
+        </p:blipFill>
+        <p:spPr>
+          <a:xfrm>
+            <a:off x="1403648" y="1326278"/>
+            <a:ext cx="6336704" cy="3564396"/>
+          </a:xfrm>
+          <a:prstGeom prst="rect">
+            <a:avLst/>
+          </a:prstGeom>
+        </p:spPr>
+      </p:pic>
+    </p:spTree>
+    <p:extLst>
+      <p:ext uri="{BB962C8B-B14F-4D97-AF65-F5344CB8AC3E}">
+        <p14:creationId xmlns:p14="http://schemas.microsoft.com/office/powerpoint/2010/main" val="1585678559"/>
+      </p:ext>
+    </p:extLst>
+  </p:cSld>
+  <p:clrMapOvr>
+    <a:masterClrMapping/>
+  </p:clrMapOvr>
+  <p:timing>
+    <p:tnLst>
+      <p:par>
+        <p:cTn id="1" dur="indefinite" restart="never" nodeType="tmRoot"/>
+      </p:par>
+    </p:tnLst>
+  </p:timing>
+</p:sld>
+</file>
+
+<file path=ppt/slides/slide12.xml><?xml version="1.0" encoding="utf-8"?>
+<p:sld xmlns:a="http://schemas.openxmlformats.org/drawingml/2006/main" xmlns:r="http://schemas.openxmlformats.org/officeDocument/2006/relationships" xmlns:p="http://schemas.openxmlformats.org/presentationml/2006/main">
+  <p:cSld>
+    <p:bg>
+      <p:bgPr>
+        <a:blipFill dpi="0" rotWithShape="1">
+          <a:blip r:embed="rId3">
+            <a:lum/>
+          </a:blip>
+          <a:srcRect/>
+          <a:stretch>
+            <a:fillRect/>
+          </a:stretch>
+        </a:blipFill>
+        <a:effectLst/>
+      </p:bgPr>
+    </p:bg>
+    <p:spTree>
+      <p:nvGrpSpPr>
+        <p:cNvPr id="1" name=""/>
+        <p:cNvGrpSpPr/>
+        <p:nvPr/>
+      </p:nvGrpSpPr>
+      <p:grpSpPr>
+        <a:xfrm>
+          <a:off x="0" y="0"/>
+          <a:ext cx="0" cy="0"/>
+          <a:chOff x="0" y="0"/>
+          <a:chExt cx="0" cy="0"/>
+        </a:xfrm>
+      </p:grpSpPr>
+      <p:sp>
+        <p:nvSpPr>
+          <p:cNvPr id="39" name="Rectangle 38">
+            <a:extLst>
+              <a:ext uri="{FF2B5EF4-FFF2-40B4-BE49-F238E27FC236}">
+                <a16:creationId xmlns:a16="http://schemas.microsoft.com/office/drawing/2014/main" xmlns="" id="{C1C163D1-85A2-4643-BA3C-22035ECBF6E9}"/>
+              </a:ext>
+            </a:extLst>
+          </p:cNvPr>
+          <p:cNvSpPr/>
+          <p:nvPr/>
+        </p:nvSpPr>
+        <p:spPr>
+          <a:xfrm>
+            <a:off x="7210970" y="0"/>
+            <a:ext cx="1933031" cy="356965"/>
+          </a:xfrm>
+          <a:prstGeom prst="rect">
+            <a:avLst/>
+          </a:prstGeom>
+          <a:solidFill>
+            <a:srgbClr val="0F7792">
+              <a:alpha val="50196"/>
+            </a:srgbClr>
+          </a:solidFill>
+          <a:ln>
+            <a:noFill/>
+          </a:ln>
+        </p:spPr>
+        <p:style>
+          <a:lnRef idx="2">
+            <a:schemeClr val="accent1">
+              <a:shade val="50000"/>
+            </a:schemeClr>
+          </a:lnRef>
+          <a:fillRef idx="1">
+            <a:schemeClr val="accent1"/>
+          </a:fillRef>
+          <a:effectRef idx="0">
+            <a:schemeClr val="accent1"/>
+          </a:effectRef>
+          <a:fontRef idx="minor">
+            <a:schemeClr val="lt1"/>
+          </a:fontRef>
+        </p:style>
+        <p:txBody>
+          <a:bodyPr rtlCol="0" anchor="ctr"/>
+          <a:lstStyle/>
+          <a:p>
+            <a:pPr algn="ctr"/>
+            <a:endParaRPr lang="en-US"/>
+          </a:p>
+        </p:txBody>
+      </p:sp>
+      <p:sp>
+        <p:nvSpPr>
+          <p:cNvPr id="5" name="Rectangle 4">
+            <a:extLst>
+              <a:ext uri="{FF2B5EF4-FFF2-40B4-BE49-F238E27FC236}">
+                <a16:creationId xmlns:a16="http://schemas.microsoft.com/office/drawing/2014/main" xmlns="" id="{12131ED0-4950-475C-B7DC-450FBBF3C54A}"/>
+              </a:ext>
+            </a:extLst>
+          </p:cNvPr>
+          <p:cNvSpPr/>
+          <p:nvPr/>
+        </p:nvSpPr>
+        <p:spPr>
+          <a:xfrm>
+            <a:off x="0" y="0"/>
+            <a:ext cx="4283968" cy="356965"/>
+          </a:xfrm>
+          <a:prstGeom prst="rect">
+            <a:avLst/>
+          </a:prstGeom>
+          <a:solidFill>
+            <a:srgbClr val="0F7792"/>
+          </a:solidFill>
+          <a:ln>
+            <a:noFill/>
+          </a:ln>
+        </p:spPr>
+        <p:style>
+          <a:lnRef idx="2">
+            <a:schemeClr val="accent1">
+              <a:shade val="50000"/>
+            </a:schemeClr>
+          </a:lnRef>
+          <a:fillRef idx="1">
+            <a:schemeClr val="accent1"/>
+          </a:fillRef>
+          <a:effectRef idx="0">
+            <a:schemeClr val="accent1"/>
+          </a:effectRef>
+          <a:fontRef idx="minor">
+            <a:schemeClr val="lt1"/>
+          </a:fontRef>
+        </p:style>
+        <p:txBody>
+          <a:bodyPr rtlCol="0" anchor="ctr"/>
+          <a:lstStyle/>
+          <a:p>
+            <a:pPr algn="ctr"/>
+            <a:endParaRPr lang="en-US"/>
+          </a:p>
+        </p:txBody>
+      </p:sp>
+      <p:sp>
+        <p:nvSpPr>
+          <p:cNvPr id="4" name="TextBox 3">
+            <a:extLst>
+              <a:ext uri="{FF2B5EF4-FFF2-40B4-BE49-F238E27FC236}">
+                <a16:creationId xmlns:a16="http://schemas.microsoft.com/office/drawing/2014/main" xmlns="" id="{DB2A6D78-D3DF-4739-BCDE-EE78ED59B04D}"/>
+              </a:ext>
+            </a:extLst>
+          </p:cNvPr>
+          <p:cNvSpPr txBox="1"/>
+          <p:nvPr/>
+        </p:nvSpPr>
+        <p:spPr>
+          <a:xfrm>
+            <a:off x="89756" y="24634"/>
+            <a:ext cx="4122204" cy="276999"/>
+          </a:xfrm>
+          <a:prstGeom prst="rect">
+            <a:avLst/>
+          </a:prstGeom>
+          <a:noFill/>
+        </p:spPr>
+        <p:txBody>
+          <a:bodyPr wrap="square" rtlCol="0">
+            <a:spAutoFit/>
+          </a:bodyPr>
+          <a:lstStyle/>
+          <a:p>
+            <a:r>
+              <a:rPr lang="bg-BG" sz="1200" b="1" dirty="0" smtClean="0">
+                <a:solidFill>
+                  <a:schemeClr val="bg1"/>
+                </a:solidFill>
+                <a:latin typeface="Verdana" panose="020B0604030504040204" pitchFamily="34" charset="0"/>
+                <a:ea typeface="Verdana" panose="020B0604030504040204" pitchFamily="34" charset="0"/>
+                <a:cs typeface="Verdana" panose="020B0604030504040204" pitchFamily="34" charset="0"/>
+              </a:rPr>
+              <a:t>5. Въведение в </a:t>
+            </a:r>
+            <a:r>
+              <a:rPr lang="en-US" sz="1200" b="1" dirty="0" smtClean="0">
+                <a:solidFill>
+                  <a:schemeClr val="bg1"/>
+                </a:solidFill>
+                <a:latin typeface="Verdana" panose="020B0604030504040204" pitchFamily="34" charset="0"/>
+                <a:ea typeface="Verdana" panose="020B0604030504040204" pitchFamily="34" charset="0"/>
+                <a:cs typeface="Verdana" panose="020B0604030504040204" pitchFamily="34" charset="0"/>
+              </a:rPr>
+              <a:t>SVN &amp; GIT</a:t>
+            </a:r>
+            <a:endParaRPr lang="bg-BG" sz="1200" dirty="0">
+              <a:solidFill>
+                <a:schemeClr val="bg1"/>
+              </a:solidFill>
+              <a:latin typeface="Verdana" panose="020B0604030504040204" pitchFamily="34" charset="0"/>
+              <a:ea typeface="Verdana" panose="020B0604030504040204" pitchFamily="34" charset="0"/>
+              <a:cs typeface="Verdana" panose="020B0604030504040204" pitchFamily="34" charset="0"/>
+            </a:endParaRPr>
+          </a:p>
+        </p:txBody>
+      </p:sp>
+      <p:sp>
+        <p:nvSpPr>
+          <p:cNvPr id="8" name="TextBox 7">
+            <a:extLst>
+              <a:ext uri="{FF2B5EF4-FFF2-40B4-BE49-F238E27FC236}">
+                <a16:creationId xmlns:a16="http://schemas.microsoft.com/office/drawing/2014/main" xmlns="" id="{2374E9AE-8D65-4C85-A4AC-BBB9AA519202}"/>
+              </a:ext>
+            </a:extLst>
+          </p:cNvPr>
+          <p:cNvSpPr txBox="1"/>
+          <p:nvPr/>
+        </p:nvSpPr>
+        <p:spPr>
+          <a:xfrm>
+            <a:off x="8130840" y="43105"/>
+            <a:ext cx="1013161" cy="646331"/>
+          </a:xfrm>
+          <a:prstGeom prst="rect">
+            <a:avLst/>
+          </a:prstGeom>
+          <a:noFill/>
+        </p:spPr>
+        <p:txBody>
+          <a:bodyPr wrap="none" rtlCol="0">
+            <a:spAutoFit/>
+          </a:bodyPr>
+          <a:lstStyle/>
+          <a:p>
+            <a:pPr algn="r"/>
+            <a:r>
+              <a:rPr lang="bg-BG" sz="1200" dirty="0" smtClean="0">
+                <a:solidFill>
+                  <a:schemeClr val="bg1">
+                    <a:lumMod val="95000"/>
+                  </a:schemeClr>
+                </a:solidFill>
+              </a:rPr>
+              <a:t>Съдържание</a:t>
+            </a:r>
+          </a:p>
+          <a:p>
+            <a:pPr algn="r"/>
+            <a:endParaRPr lang="en-US" sz="1200" dirty="0">
+              <a:solidFill>
+                <a:schemeClr val="bg1">
+                  <a:lumMod val="95000"/>
+                </a:schemeClr>
+              </a:solidFill>
+            </a:endParaRPr>
+          </a:p>
+          <a:p>
+            <a:pPr algn="r"/>
+            <a:endParaRPr lang="en-US" sz="1200" b="1" dirty="0">
+              <a:solidFill>
+                <a:schemeClr val="bg1"/>
+              </a:solidFill>
+            </a:endParaRPr>
+          </a:p>
+        </p:txBody>
+      </p:sp>
+      <p:sp>
+        <p:nvSpPr>
+          <p:cNvPr id="47" name="Rectangle: Rounded Corners 5">
+            <a:extLst>
+              <a:ext uri="{FF2B5EF4-FFF2-40B4-BE49-F238E27FC236}">
+                <a16:creationId xmlns:a16="http://schemas.microsoft.com/office/drawing/2014/main" xmlns="" id="{682EAE92-D6DF-494B-9CC1-FF2B7145CC2C}"/>
+              </a:ext>
+            </a:extLst>
+          </p:cNvPr>
+          <p:cNvSpPr/>
+          <p:nvPr/>
+        </p:nvSpPr>
+        <p:spPr>
+          <a:xfrm>
+            <a:off x="323528" y="605860"/>
+            <a:ext cx="8496944" cy="504056"/>
+          </a:xfrm>
+          <a:prstGeom prst="roundRect">
+            <a:avLst/>
+          </a:prstGeom>
+          <a:solidFill>
+            <a:srgbClr val="127994"/>
+          </a:solidFill>
+          <a:ln>
+            <a:noFill/>
+          </a:ln>
+          <a:effectLst>
+            <a:outerShdw blurRad="50800" dist="38100" dir="5400000" algn="t" rotWithShape="0">
+              <a:prstClr val="black">
+                <a:alpha val="40000"/>
+              </a:prstClr>
+            </a:outerShdw>
+          </a:effectLst>
+        </p:spPr>
+        <p:style>
+          <a:lnRef idx="2">
+            <a:schemeClr val="accent1">
+              <a:shade val="50000"/>
+            </a:schemeClr>
+          </a:lnRef>
+          <a:fillRef idx="1">
+            <a:schemeClr val="accent1"/>
+          </a:fillRef>
+          <a:effectRef idx="0">
+            <a:schemeClr val="accent1"/>
+          </a:effectRef>
+          <a:fontRef idx="minor">
+            <a:schemeClr val="lt1"/>
+          </a:fontRef>
+        </p:style>
+        <p:txBody>
+          <a:bodyPr rtlCol="0" anchor="ctr"/>
+          <a:lstStyle/>
+          <a:p>
+            <a:pPr algn="ctr"/>
+            <a:r>
+              <a:rPr lang="en-US" dirty="0" err="1" smtClean="0"/>
+              <a:t>Git</a:t>
+            </a:r>
+            <a:r>
+              <a:rPr lang="en-US" dirty="0" smtClean="0"/>
+              <a:t> operations and commands</a:t>
+            </a:r>
+            <a:endParaRPr lang="en-US" dirty="0"/>
+          </a:p>
+        </p:txBody>
+      </p:sp>
+      <p:sp>
+        <p:nvSpPr>
+          <p:cNvPr id="9" name="TextBox 8">
+            <a:extLst>
+              <a:ext uri="{FF2B5EF4-FFF2-40B4-BE49-F238E27FC236}">
+                <a16:creationId xmlns:a16="http://schemas.microsoft.com/office/drawing/2014/main" xmlns="" id="{F38846AF-7D3F-4EFC-9B28-06B44CBD57C3}"/>
+              </a:ext>
+            </a:extLst>
+          </p:cNvPr>
+          <p:cNvSpPr txBox="1"/>
+          <p:nvPr/>
+        </p:nvSpPr>
+        <p:spPr>
+          <a:xfrm>
+            <a:off x="323528" y="1358811"/>
+            <a:ext cx="8496944" cy="4832092"/>
+          </a:xfrm>
+          <a:prstGeom prst="rect">
+            <a:avLst/>
+          </a:prstGeom>
+          <a:noFill/>
+        </p:spPr>
+        <p:txBody>
+          <a:bodyPr wrap="square" rtlCol="0">
+            <a:spAutoFit/>
+          </a:bodyPr>
+          <a:lstStyle/>
+          <a:p>
+            <a:r>
+              <a:rPr lang="en-US" sz="1400" b="1" dirty="0" err="1" smtClean="0">
+                <a:solidFill>
+                  <a:schemeClr val="bg2">
+                    <a:lumMod val="25000"/>
+                  </a:schemeClr>
+                </a:solidFill>
+              </a:rPr>
+              <a:t>git</a:t>
+            </a:r>
+            <a:r>
+              <a:rPr lang="en-US" sz="1400" b="1" dirty="0" smtClean="0">
+                <a:solidFill>
+                  <a:schemeClr val="bg2">
+                    <a:lumMod val="25000"/>
+                  </a:schemeClr>
+                </a:solidFill>
+              </a:rPr>
+              <a:t> </a:t>
+            </a:r>
+            <a:r>
+              <a:rPr lang="en-US" sz="1400" b="1" dirty="0" err="1" smtClean="0">
+                <a:solidFill>
+                  <a:schemeClr val="bg2">
+                    <a:lumMod val="25000"/>
+                  </a:schemeClr>
+                </a:solidFill>
+              </a:rPr>
+              <a:t>init</a:t>
+            </a:r>
+            <a:r>
+              <a:rPr lang="en-US" sz="1400" b="1" dirty="0" smtClean="0">
+                <a:solidFill>
+                  <a:schemeClr val="bg2">
+                    <a:lumMod val="25000"/>
+                  </a:schemeClr>
+                </a:solidFill>
+              </a:rPr>
+              <a:t> </a:t>
+            </a:r>
+            <a:r>
+              <a:rPr lang="en-US" sz="1400" dirty="0" smtClean="0">
+                <a:solidFill>
+                  <a:schemeClr val="bg2">
+                    <a:lumMod val="25000"/>
+                  </a:schemeClr>
+                </a:solidFill>
+              </a:rPr>
+              <a:t>– </a:t>
+            </a:r>
+            <a:r>
+              <a:rPr lang="bg-BG" sz="1400" dirty="0" smtClean="0">
+                <a:solidFill>
+                  <a:schemeClr val="bg2">
+                    <a:lumMod val="25000"/>
+                  </a:schemeClr>
+                </a:solidFill>
+              </a:rPr>
+              <a:t>Създаване на ново хранилище </a:t>
+            </a:r>
+            <a:r>
+              <a:rPr lang="en-US" sz="1400" b="1" dirty="0" smtClean="0">
+                <a:solidFill>
+                  <a:schemeClr val="bg2">
+                    <a:lumMod val="25000"/>
+                  </a:schemeClr>
+                </a:solidFill>
+              </a:rPr>
+              <a:t>repository;</a:t>
+            </a:r>
+          </a:p>
+          <a:p>
+            <a:endParaRPr lang="en-US" sz="1400" b="1" dirty="0">
+              <a:solidFill>
+                <a:schemeClr val="bg2">
+                  <a:lumMod val="25000"/>
+                </a:schemeClr>
+              </a:solidFill>
+            </a:endParaRPr>
+          </a:p>
+          <a:p>
+            <a:r>
+              <a:rPr lang="en-US" sz="1400" b="1" dirty="0" err="1" smtClean="0">
+                <a:solidFill>
+                  <a:schemeClr val="bg2">
+                    <a:lumMod val="25000"/>
+                  </a:schemeClr>
+                </a:solidFill>
+              </a:rPr>
+              <a:t>git</a:t>
+            </a:r>
+            <a:r>
+              <a:rPr lang="en-US" sz="1400" b="1" dirty="0" smtClean="0">
+                <a:solidFill>
+                  <a:schemeClr val="bg2">
+                    <a:lumMod val="25000"/>
+                  </a:schemeClr>
+                </a:solidFill>
+              </a:rPr>
+              <a:t> clone </a:t>
+            </a:r>
+            <a:r>
+              <a:rPr lang="en-US" sz="1400" dirty="0" smtClean="0">
+                <a:solidFill>
+                  <a:schemeClr val="bg2">
+                    <a:lumMod val="25000"/>
+                  </a:schemeClr>
+                </a:solidFill>
+              </a:rPr>
+              <a:t>– </a:t>
+            </a:r>
+            <a:r>
+              <a:rPr lang="bg-BG" sz="1400" dirty="0" smtClean="0">
+                <a:solidFill>
+                  <a:schemeClr val="bg2">
+                    <a:lumMod val="25000"/>
+                  </a:schemeClr>
+                </a:solidFill>
+              </a:rPr>
+              <a:t>Създаване на копие от ЛОКАЛНО </a:t>
+            </a:r>
+            <a:r>
+              <a:rPr lang="en-US" sz="1400" dirty="0" smtClean="0">
+                <a:solidFill>
+                  <a:schemeClr val="bg2">
+                    <a:lumMod val="25000"/>
+                  </a:schemeClr>
+                </a:solidFill>
+              </a:rPr>
+              <a:t>repository</a:t>
+            </a:r>
+          </a:p>
+          <a:p>
+            <a:endParaRPr lang="en-US" sz="1400" dirty="0">
+              <a:solidFill>
+                <a:schemeClr val="bg2">
+                  <a:lumMod val="25000"/>
+                </a:schemeClr>
+              </a:solidFill>
+            </a:endParaRPr>
+          </a:p>
+          <a:p>
+            <a:r>
+              <a:rPr lang="en-US" sz="1400" b="1" dirty="0" err="1" smtClean="0">
+                <a:solidFill>
+                  <a:schemeClr val="bg2">
+                    <a:lumMod val="25000"/>
+                  </a:schemeClr>
+                </a:solidFill>
+              </a:rPr>
+              <a:t>git</a:t>
+            </a:r>
+            <a:r>
+              <a:rPr lang="en-US" sz="1400" b="1" dirty="0" smtClean="0">
+                <a:solidFill>
+                  <a:schemeClr val="bg2">
+                    <a:lumMod val="25000"/>
+                  </a:schemeClr>
+                </a:solidFill>
+              </a:rPr>
+              <a:t> clone</a:t>
+            </a:r>
+            <a:r>
+              <a:rPr lang="en-US" sz="1400" dirty="0" smtClean="0">
+                <a:solidFill>
+                  <a:schemeClr val="bg2">
+                    <a:lumMod val="25000"/>
+                  </a:schemeClr>
+                </a:solidFill>
+              </a:rPr>
+              <a:t> </a:t>
+            </a:r>
+            <a:r>
+              <a:rPr lang="en-US" sz="1400" b="1" i="1" dirty="0" err="1" smtClean="0">
+                <a:solidFill>
+                  <a:schemeClr val="bg2">
+                    <a:lumMod val="25000"/>
+                  </a:schemeClr>
+                </a:solidFill>
+              </a:rPr>
+              <a:t>username@host</a:t>
+            </a:r>
+            <a:r>
+              <a:rPr lang="en-US" sz="1400" b="1" i="1" dirty="0" smtClean="0">
+                <a:solidFill>
+                  <a:schemeClr val="bg2">
+                    <a:lumMod val="25000"/>
+                  </a:schemeClr>
+                </a:solidFill>
+              </a:rPr>
+              <a:t>:/path/to/repository </a:t>
+            </a:r>
+            <a:r>
+              <a:rPr lang="en-US" sz="1400" dirty="0" smtClean="0">
+                <a:solidFill>
+                  <a:schemeClr val="bg2">
+                    <a:lumMod val="25000"/>
+                  </a:schemeClr>
+                </a:solidFill>
+              </a:rPr>
+              <a:t>- </a:t>
+            </a:r>
+            <a:r>
+              <a:rPr lang="bg-BG" sz="1400" dirty="0" smtClean="0">
+                <a:solidFill>
+                  <a:schemeClr val="bg2">
+                    <a:lumMod val="25000"/>
+                  </a:schemeClr>
+                </a:solidFill>
+              </a:rPr>
+              <a:t>Създаване на копие от </a:t>
+            </a:r>
+            <a:r>
+              <a:rPr lang="en-US" sz="1400" dirty="0" smtClean="0">
+                <a:solidFill>
+                  <a:schemeClr val="bg2">
+                    <a:lumMod val="25000"/>
+                  </a:schemeClr>
+                </a:solidFill>
+              </a:rPr>
+              <a:t>remote server</a:t>
+            </a:r>
+          </a:p>
+          <a:p>
+            <a:endParaRPr lang="bg-BG" sz="1400" dirty="0">
+              <a:solidFill>
+                <a:schemeClr val="bg2">
+                  <a:lumMod val="25000"/>
+                </a:schemeClr>
+              </a:solidFill>
+            </a:endParaRPr>
+          </a:p>
+          <a:p>
+            <a:r>
+              <a:rPr lang="en-US" sz="1400" b="1" dirty="0" err="1" smtClean="0">
+                <a:solidFill>
+                  <a:schemeClr val="bg2">
+                    <a:lumMod val="25000"/>
+                  </a:schemeClr>
+                </a:solidFill>
+              </a:rPr>
+              <a:t>git</a:t>
+            </a:r>
+            <a:r>
+              <a:rPr lang="en-US" sz="1400" b="1" dirty="0" smtClean="0">
+                <a:solidFill>
+                  <a:schemeClr val="bg2">
+                    <a:lumMod val="25000"/>
+                  </a:schemeClr>
+                </a:solidFill>
+              </a:rPr>
+              <a:t> commit –m</a:t>
+            </a:r>
+            <a:r>
+              <a:rPr lang="en-US" sz="1400" dirty="0" smtClean="0">
+                <a:solidFill>
+                  <a:schemeClr val="bg2">
+                    <a:lumMod val="25000"/>
+                  </a:schemeClr>
+                </a:solidFill>
+              </a:rPr>
+              <a:t> –</a:t>
+            </a:r>
+            <a:r>
+              <a:rPr lang="bg-BG" sz="1400" dirty="0" smtClean="0">
+                <a:solidFill>
+                  <a:schemeClr val="bg2">
+                    <a:lumMod val="25000"/>
+                  </a:schemeClr>
+                </a:solidFill>
+              </a:rPr>
+              <a:t> добавяне на промените ви към </a:t>
+            </a:r>
+            <a:r>
+              <a:rPr lang="en-US" sz="1400" dirty="0" smtClean="0">
+                <a:solidFill>
+                  <a:schemeClr val="bg2">
+                    <a:lumMod val="25000"/>
+                  </a:schemeClr>
+                </a:solidFill>
+              </a:rPr>
+              <a:t>head, </a:t>
+            </a:r>
+            <a:r>
+              <a:rPr lang="bg-BG" sz="1400" b="1" dirty="0" smtClean="0">
+                <a:solidFill>
+                  <a:schemeClr val="bg2">
+                    <a:lumMod val="25000"/>
+                  </a:schemeClr>
+                </a:solidFill>
+              </a:rPr>
+              <a:t>но не към </a:t>
+            </a:r>
+            <a:r>
+              <a:rPr lang="en-US" sz="1400" b="1" dirty="0" smtClean="0">
+                <a:solidFill>
+                  <a:schemeClr val="bg2">
+                    <a:lumMod val="25000"/>
+                  </a:schemeClr>
+                </a:solidFill>
+              </a:rPr>
+              <a:t>remote repository</a:t>
+            </a:r>
+            <a:r>
+              <a:rPr lang="bg-BG" sz="1400" b="1" dirty="0" smtClean="0">
+                <a:solidFill>
+                  <a:schemeClr val="bg2">
+                    <a:lumMod val="25000"/>
+                  </a:schemeClr>
+                </a:solidFill>
+              </a:rPr>
+              <a:t>!</a:t>
+            </a:r>
+          </a:p>
+          <a:p>
+            <a:endParaRPr lang="bg-BG" sz="1400" b="1" dirty="0">
+              <a:solidFill>
+                <a:schemeClr val="bg2">
+                  <a:lumMod val="25000"/>
+                </a:schemeClr>
+              </a:solidFill>
+            </a:endParaRPr>
+          </a:p>
+          <a:p>
+            <a:r>
+              <a:rPr lang="en-US" sz="1400" b="1" dirty="0" err="1" smtClean="0">
+                <a:solidFill>
+                  <a:schemeClr val="bg2">
+                    <a:lumMod val="25000"/>
+                  </a:schemeClr>
+                </a:solidFill>
+              </a:rPr>
+              <a:t>git</a:t>
+            </a:r>
+            <a:r>
+              <a:rPr lang="en-US" sz="1400" b="1" dirty="0" smtClean="0">
+                <a:solidFill>
+                  <a:schemeClr val="bg2">
+                    <a:lumMod val="25000"/>
+                  </a:schemeClr>
+                </a:solidFill>
+              </a:rPr>
+              <a:t> push – </a:t>
+            </a:r>
+            <a:r>
+              <a:rPr lang="bg-BG" sz="1400" dirty="0" smtClean="0">
+                <a:solidFill>
+                  <a:schemeClr val="bg2">
+                    <a:lumMod val="25000"/>
+                  </a:schemeClr>
+                </a:solidFill>
+              </a:rPr>
+              <a:t>изпращане на промените към</a:t>
+            </a:r>
+            <a:r>
+              <a:rPr lang="en-US" sz="1400" dirty="0" smtClean="0">
+                <a:solidFill>
+                  <a:schemeClr val="bg2">
+                    <a:lumMod val="25000"/>
+                  </a:schemeClr>
+                </a:solidFill>
+              </a:rPr>
+              <a:t> </a:t>
+            </a:r>
+            <a:r>
+              <a:rPr lang="en-US" sz="1400" b="1" dirty="0" smtClean="0">
+                <a:solidFill>
+                  <a:schemeClr val="bg2">
+                    <a:lumMod val="25000"/>
+                  </a:schemeClr>
+                </a:solidFill>
+              </a:rPr>
+              <a:t>remote repository</a:t>
+            </a:r>
+          </a:p>
+          <a:p>
+            <a:endParaRPr lang="en-US" sz="1400" b="1" dirty="0">
+              <a:solidFill>
+                <a:schemeClr val="bg2">
+                  <a:lumMod val="25000"/>
+                </a:schemeClr>
+              </a:solidFill>
+            </a:endParaRPr>
+          </a:p>
+          <a:p>
+            <a:r>
+              <a:rPr lang="en-US" sz="1400" b="1" dirty="0" err="1" smtClean="0">
+                <a:solidFill>
+                  <a:schemeClr val="bg2">
+                    <a:lumMod val="25000"/>
+                  </a:schemeClr>
+                </a:solidFill>
+              </a:rPr>
+              <a:t>git</a:t>
+            </a:r>
+            <a:r>
+              <a:rPr lang="en-US" sz="1400" b="1" dirty="0" smtClean="0">
+                <a:solidFill>
+                  <a:schemeClr val="bg2">
+                    <a:lumMod val="25000"/>
+                  </a:schemeClr>
+                </a:solidFill>
+              </a:rPr>
+              <a:t> checkout –b </a:t>
+            </a:r>
+            <a:r>
+              <a:rPr lang="en-US" sz="1400" b="1" i="1" dirty="0" smtClean="0">
+                <a:solidFill>
+                  <a:schemeClr val="bg2">
+                    <a:lumMod val="25000"/>
+                  </a:schemeClr>
+                </a:solidFill>
+              </a:rPr>
+              <a:t>&lt;</a:t>
+            </a:r>
+            <a:r>
+              <a:rPr lang="en-US" sz="1400" b="1" i="1" dirty="0" err="1" smtClean="0">
+                <a:solidFill>
+                  <a:schemeClr val="bg2">
+                    <a:lumMod val="25000"/>
+                  </a:schemeClr>
+                </a:solidFill>
+              </a:rPr>
+              <a:t>branchname</a:t>
+            </a:r>
+            <a:r>
+              <a:rPr lang="en-US" sz="1400" b="1" i="1" dirty="0" smtClean="0">
+                <a:solidFill>
+                  <a:schemeClr val="bg2">
+                    <a:lumMod val="25000"/>
+                  </a:schemeClr>
+                </a:solidFill>
+              </a:rPr>
+              <a:t>&gt; -</a:t>
+            </a:r>
+            <a:r>
+              <a:rPr lang="bg-BG" sz="1400" b="1" i="1" dirty="0" smtClean="0">
+                <a:solidFill>
+                  <a:schemeClr val="bg2">
+                    <a:lumMod val="25000"/>
+                  </a:schemeClr>
+                </a:solidFill>
+              </a:rPr>
+              <a:t> </a:t>
+            </a:r>
+            <a:r>
+              <a:rPr lang="bg-BG" sz="1400" dirty="0" smtClean="0">
+                <a:solidFill>
+                  <a:schemeClr val="bg2">
+                    <a:lumMod val="25000"/>
+                  </a:schemeClr>
+                </a:solidFill>
+              </a:rPr>
+              <a:t>създаване на нов бранч и прехвърляне към него</a:t>
+            </a:r>
+            <a:endParaRPr lang="en-US" sz="1400" dirty="0" smtClean="0">
+              <a:solidFill>
+                <a:schemeClr val="bg2">
+                  <a:lumMod val="25000"/>
+                </a:schemeClr>
+              </a:solidFill>
+            </a:endParaRPr>
+          </a:p>
+          <a:p>
+            <a:r>
+              <a:rPr lang="en-US" sz="1400" b="1" dirty="0" err="1">
+                <a:solidFill>
+                  <a:schemeClr val="bg2">
+                    <a:lumMod val="25000"/>
+                  </a:schemeClr>
+                </a:solidFill>
+              </a:rPr>
+              <a:t>git</a:t>
+            </a:r>
+            <a:r>
+              <a:rPr lang="en-US" sz="1400" b="1" dirty="0">
+                <a:solidFill>
+                  <a:schemeClr val="bg2">
+                    <a:lumMod val="25000"/>
+                  </a:schemeClr>
+                </a:solidFill>
+              </a:rPr>
+              <a:t> checkout </a:t>
+            </a:r>
+            <a:r>
+              <a:rPr lang="en-US" sz="1400" b="1" i="1" dirty="0" smtClean="0">
+                <a:solidFill>
+                  <a:schemeClr val="bg2">
+                    <a:lumMod val="25000"/>
+                  </a:schemeClr>
+                </a:solidFill>
+              </a:rPr>
+              <a:t>&lt;</a:t>
+            </a:r>
+            <a:r>
+              <a:rPr lang="en-US" sz="1400" b="1" i="1" dirty="0" err="1">
+                <a:solidFill>
+                  <a:schemeClr val="bg2">
+                    <a:lumMod val="25000"/>
+                  </a:schemeClr>
+                </a:solidFill>
+              </a:rPr>
+              <a:t>branchname</a:t>
+            </a:r>
+            <a:r>
+              <a:rPr lang="en-US" sz="1400" b="1" i="1" dirty="0">
+                <a:solidFill>
+                  <a:schemeClr val="bg2">
+                    <a:lumMod val="25000"/>
+                  </a:schemeClr>
+                </a:solidFill>
+              </a:rPr>
+              <a:t>&gt; -</a:t>
+            </a:r>
+            <a:r>
+              <a:rPr lang="bg-BG" sz="1400" b="1" i="1" dirty="0">
+                <a:solidFill>
+                  <a:schemeClr val="bg2">
+                    <a:lumMod val="25000"/>
+                  </a:schemeClr>
+                </a:solidFill>
+              </a:rPr>
+              <a:t> </a:t>
+            </a:r>
+            <a:r>
+              <a:rPr lang="bg-BG" sz="1400" dirty="0" smtClean="0">
+                <a:solidFill>
+                  <a:schemeClr val="bg2">
+                    <a:lumMod val="25000"/>
+                  </a:schemeClr>
+                </a:solidFill>
+              </a:rPr>
+              <a:t>прехвърляне </a:t>
+            </a:r>
+            <a:r>
+              <a:rPr lang="bg-BG" sz="1400" dirty="0">
+                <a:solidFill>
+                  <a:schemeClr val="bg2">
+                    <a:lumMod val="25000"/>
+                  </a:schemeClr>
+                </a:solidFill>
+              </a:rPr>
+              <a:t>към </a:t>
+            </a:r>
+            <a:r>
+              <a:rPr lang="bg-BG" sz="1400" dirty="0" smtClean="0">
+                <a:solidFill>
+                  <a:schemeClr val="bg2">
+                    <a:lumMod val="25000"/>
+                  </a:schemeClr>
+                </a:solidFill>
+              </a:rPr>
+              <a:t>съответния бранч</a:t>
+            </a:r>
+          </a:p>
+          <a:p>
+            <a:endParaRPr lang="bg-BG" sz="1400" dirty="0">
+              <a:solidFill>
+                <a:schemeClr val="bg2">
+                  <a:lumMod val="25000"/>
+                </a:schemeClr>
+              </a:solidFill>
+            </a:endParaRPr>
+          </a:p>
+          <a:p>
+            <a:r>
+              <a:rPr lang="en-US" sz="1400" b="1" dirty="0" err="1">
+                <a:solidFill>
+                  <a:schemeClr val="bg2">
+                    <a:lumMod val="25000"/>
+                  </a:schemeClr>
+                </a:solidFill>
+              </a:rPr>
+              <a:t>git</a:t>
+            </a:r>
+            <a:r>
+              <a:rPr lang="en-US" sz="1400" b="1" dirty="0">
+                <a:solidFill>
+                  <a:schemeClr val="bg2">
+                    <a:lumMod val="25000"/>
+                  </a:schemeClr>
+                </a:solidFill>
+              </a:rPr>
+              <a:t> </a:t>
+            </a:r>
+            <a:r>
+              <a:rPr lang="en-US" sz="1400" b="1" dirty="0" smtClean="0">
+                <a:solidFill>
+                  <a:schemeClr val="bg2">
+                    <a:lumMod val="25000"/>
+                  </a:schemeClr>
+                </a:solidFill>
+              </a:rPr>
+              <a:t>pull– </a:t>
+            </a:r>
+            <a:r>
+              <a:rPr lang="bg-BG" sz="1400" dirty="0" smtClean="0">
+                <a:solidFill>
+                  <a:schemeClr val="bg2">
+                    <a:lumMod val="25000"/>
+                  </a:schemeClr>
+                </a:solidFill>
+              </a:rPr>
+              <a:t>прихващане и добавяне на промени ОТ </a:t>
+            </a:r>
+            <a:r>
+              <a:rPr lang="en-US" sz="1400" dirty="0" smtClean="0">
+                <a:solidFill>
+                  <a:schemeClr val="bg2">
+                    <a:lumMod val="25000"/>
+                  </a:schemeClr>
+                </a:solidFill>
+              </a:rPr>
+              <a:t>remote server-a </a:t>
+            </a:r>
+            <a:r>
+              <a:rPr lang="bg-BG" sz="1400" dirty="0" smtClean="0">
+                <a:solidFill>
+                  <a:schemeClr val="bg2">
+                    <a:lumMod val="25000"/>
+                  </a:schemeClr>
+                </a:solidFill>
+              </a:rPr>
+              <a:t>КЪМ нашето работно копие</a:t>
+            </a:r>
+          </a:p>
+          <a:p>
+            <a:endParaRPr lang="en-US" sz="1400" b="1" dirty="0" smtClean="0">
+              <a:solidFill>
+                <a:schemeClr val="bg2">
+                  <a:lumMod val="25000"/>
+                </a:schemeClr>
+              </a:solidFill>
+            </a:endParaRPr>
+          </a:p>
+          <a:p>
+            <a:r>
+              <a:rPr lang="en-US" sz="1400" b="1" dirty="0" err="1" smtClean="0">
+                <a:solidFill>
+                  <a:schemeClr val="bg2">
+                    <a:lumMod val="25000"/>
+                  </a:schemeClr>
+                </a:solidFill>
+              </a:rPr>
+              <a:t>git</a:t>
+            </a:r>
+            <a:r>
+              <a:rPr lang="en-US" sz="1400" b="1" dirty="0" smtClean="0">
+                <a:solidFill>
+                  <a:schemeClr val="bg2">
+                    <a:lumMod val="25000"/>
+                  </a:schemeClr>
+                </a:solidFill>
+              </a:rPr>
+              <a:t> merge </a:t>
+            </a:r>
+            <a:r>
+              <a:rPr lang="bg-BG" sz="1400" b="1" i="1" dirty="0" smtClean="0">
+                <a:solidFill>
+                  <a:schemeClr val="bg2">
+                    <a:lumMod val="25000"/>
+                  </a:schemeClr>
+                </a:solidFill>
+              </a:rPr>
+              <a:t>&lt;</a:t>
+            </a:r>
+            <a:r>
+              <a:rPr lang="en-US" sz="1400" b="1" i="1" dirty="0" err="1" smtClean="0">
+                <a:solidFill>
+                  <a:schemeClr val="bg2">
+                    <a:lumMod val="25000"/>
+                  </a:schemeClr>
+                </a:solidFill>
+              </a:rPr>
+              <a:t>branchname</a:t>
+            </a:r>
+            <a:r>
+              <a:rPr lang="bg-BG" sz="1400" b="1" i="1" dirty="0" smtClean="0">
+                <a:solidFill>
+                  <a:schemeClr val="bg2">
+                    <a:lumMod val="25000"/>
+                  </a:schemeClr>
+                </a:solidFill>
+              </a:rPr>
+              <a:t>&gt;</a:t>
+            </a:r>
+            <a:r>
+              <a:rPr lang="en-US" sz="1400" b="1" i="1" dirty="0" smtClean="0">
+                <a:solidFill>
+                  <a:schemeClr val="bg2">
+                    <a:lumMod val="25000"/>
+                  </a:schemeClr>
+                </a:solidFill>
+              </a:rPr>
+              <a:t> </a:t>
+            </a:r>
+            <a:r>
+              <a:rPr lang="en-US" sz="1400" b="1" dirty="0" smtClean="0">
+                <a:solidFill>
+                  <a:schemeClr val="bg2">
+                    <a:lumMod val="25000"/>
+                  </a:schemeClr>
+                </a:solidFill>
+              </a:rPr>
+              <a:t>-</a:t>
+            </a:r>
+            <a:r>
+              <a:rPr lang="bg-BG" sz="1400" b="1" dirty="0" smtClean="0">
+                <a:solidFill>
+                  <a:schemeClr val="bg2">
+                    <a:lumMod val="25000"/>
+                  </a:schemeClr>
+                </a:solidFill>
+              </a:rPr>
+              <a:t> </a:t>
+            </a:r>
+            <a:r>
+              <a:rPr lang="bg-BG" sz="1400" dirty="0" smtClean="0">
+                <a:solidFill>
+                  <a:schemeClr val="bg2">
+                    <a:lumMod val="25000"/>
+                  </a:schemeClr>
+                </a:solidFill>
+              </a:rPr>
+              <a:t>прихващане и добавяне на промени към нашия активен бранч от друг, който е посочен</a:t>
+            </a:r>
+            <a:endParaRPr lang="bg-BG" sz="1400" b="1" dirty="0">
+              <a:solidFill>
+                <a:schemeClr val="bg2">
+                  <a:lumMod val="25000"/>
+                </a:schemeClr>
+              </a:solidFill>
+            </a:endParaRPr>
+          </a:p>
+          <a:p>
+            <a:endParaRPr lang="en-US" sz="1400" b="1" dirty="0">
+              <a:solidFill>
+                <a:schemeClr val="bg2">
+                  <a:lumMod val="25000"/>
+                </a:schemeClr>
+              </a:solidFill>
+            </a:endParaRPr>
+          </a:p>
+          <a:p>
+            <a:endParaRPr lang="bg-BG" sz="1400" dirty="0">
+              <a:solidFill>
+                <a:schemeClr val="bg2">
+                  <a:lumMod val="25000"/>
+                </a:schemeClr>
+              </a:solidFill>
+            </a:endParaRPr>
+          </a:p>
+          <a:p>
+            <a:endParaRPr lang="en-US" sz="1400" i="1" dirty="0">
+              <a:solidFill>
+                <a:schemeClr val="bg2">
+                  <a:lumMod val="25000"/>
+                </a:schemeClr>
+              </a:solidFill>
+            </a:endParaRPr>
+          </a:p>
+          <a:p>
+            <a:endParaRPr lang="bg-BG" sz="1400" dirty="0" smtClean="0">
+              <a:solidFill>
+                <a:schemeClr val="bg2">
+                  <a:lumMod val="25000"/>
+                </a:schemeClr>
+              </a:solidFill>
+            </a:endParaRPr>
+          </a:p>
+          <a:p>
+            <a:endParaRPr lang="en-US" sz="1400" i="1" dirty="0" smtClean="0">
+              <a:solidFill>
+                <a:schemeClr val="bg2">
+                  <a:lumMod val="25000"/>
+                </a:schemeClr>
+              </a:solidFill>
+            </a:endParaRPr>
+          </a:p>
+        </p:txBody>
+      </p:sp>
     </p:spTree>
     <p:extLst>
       <p:ext uri="{BB962C8B-B14F-4D97-AF65-F5344CB8AC3E}">
@@ -9382,18 +11105,7 @@
                 <a:ea typeface="Verdana" panose="020B0604030504040204" pitchFamily="34" charset="0"/>
                 <a:cs typeface="Verdana" panose="020B0604030504040204" pitchFamily="34" charset="0"/>
               </a:rPr>
-              <a:t>5. </a:t>
-            </a:r>
-            <a:r>
-              <a:rPr lang="bg-BG" sz="1200" b="1" dirty="0" smtClean="0">
-                <a:solidFill>
-                  <a:schemeClr val="bg1"/>
-                </a:solidFill>
-                <a:latin typeface="Verdana" panose="020B0604030504040204" pitchFamily="34" charset="0"/>
-                <a:ea typeface="Verdana" panose="020B0604030504040204" pitchFamily="34" charset="0"/>
-                <a:cs typeface="Verdana" panose="020B0604030504040204" pitchFamily="34" charset="0"/>
-              </a:rPr>
-              <a:t>Въведение в </a:t>
+              <a:t>5. Въведение в </a:t>
             </a:r>
             <a:r>
               <a:rPr lang="en-US" sz="1200" b="1" dirty="0" smtClean="0">
@@ -10048,18 +11760,7 @@
                 <a:ea typeface="Verdana" panose="020B0604030504040204" pitchFamily="34" charset="0"/>
                 <a:cs typeface="Verdana" panose="020B0604030504040204" pitchFamily="34" charset="0"/>
               </a:rPr>
-              <a:t>5. </a:t>
-            </a:r>
-            <a:r>
-              <a:rPr lang="bg-BG" sz="1200" b="1" dirty="0" smtClean="0">
-                <a:solidFill>
-                  <a:schemeClr val="bg1"/>
-                </a:solidFill>
-                <a:latin typeface="Verdana" panose="020B0604030504040204" pitchFamily="34" charset="0"/>
-                <a:ea typeface="Verdana" panose="020B0604030504040204" pitchFamily="34" charset="0"/>
-                <a:cs typeface="Verdana" panose="020B0604030504040204" pitchFamily="34" charset="0"/>
-              </a:rPr>
-              <a:t>Въведение в </a:t>
+              <a:t>5. Въведение в </a:t>
             </a:r>
             <a:r>
               <a:rPr lang="en-US" sz="1200" b="1" dirty="0" smtClean="0">
@@ -10638,18 +12339,7 @@
                 <a:ea typeface="Verdana" panose="020B0604030504040204" pitchFamily="34" charset="0"/>
                 <a:cs typeface="Verdana" panose="020B0604030504040204" pitchFamily="34" charset="0"/>
               </a:rPr>
-              <a:t>5. </a:t>
-            </a:r>
-            <a:r>
-              <a:rPr lang="bg-BG" sz="1200" b="1" dirty="0" smtClean="0">
-                <a:solidFill>
-                  <a:schemeClr val="bg1"/>
-                </a:solidFill>
-                <a:latin typeface="Verdana" panose="020B0604030504040204" pitchFamily="34" charset="0"/>
-                <a:ea typeface="Verdana" panose="020B0604030504040204" pitchFamily="34" charset="0"/>
-                <a:cs typeface="Verdana" panose="020B0604030504040204" pitchFamily="34" charset="0"/>
-              </a:rPr>
-              <a:t>Въведение в </a:t>
+              <a:t>5. Въведение в </a:t>
             </a:r>
             <a:r>
               <a:rPr lang="en-US" sz="1200" b="1" dirty="0" smtClean="0">
@@ -11652,18 +13342,7 @@
                 <a:ea typeface="Verdana" panose="020B0604030504040204" pitchFamily="34" charset="0"/>
                 <a:cs typeface="Verdana" panose="020B0604030504040204" pitchFamily="34" charset="0"/>
               </a:rPr>
-              <a:t>5. </a:t>
-            </a:r>
-            <a:r>
-              <a:rPr lang="bg-BG" sz="1200" b="1" dirty="0" smtClean="0">
-                <a:solidFill>
-                  <a:schemeClr val="bg1"/>
-                </a:solidFill>
-                <a:latin typeface="Verdana" panose="020B0604030504040204" pitchFamily="34" charset="0"/>
-                <a:ea typeface="Verdana" panose="020B0604030504040204" pitchFamily="34" charset="0"/>
-                <a:cs typeface="Verdana" panose="020B0604030504040204" pitchFamily="34" charset="0"/>
-              </a:rPr>
-              <a:t>Въведение в </a:t>
+              <a:t>5. Въведение в </a:t>
             </a:r>
             <a:r>
               <a:rPr lang="en-US" sz="1200" b="1" dirty="0" smtClean="0">
@@ -12038,18 +13717,7 @@
                 <a:ea typeface="Verdana" panose="020B0604030504040204" pitchFamily="34" charset="0"/>
                 <a:cs typeface="Verdana" panose="020B0604030504040204" pitchFamily="34" charset="0"/>
               </a:rPr>
-              <a:t>5. </a:t>
-            </a:r>
-            <a:r>
-              <a:rPr lang="bg-BG" sz="1200" b="1" dirty="0" smtClean="0">
-                <a:solidFill>
-                  <a:schemeClr val="bg1"/>
-                </a:solidFill>
-                <a:latin typeface="Verdana" panose="020B0604030504040204" pitchFamily="34" charset="0"/>
-                <a:ea typeface="Verdana" panose="020B0604030504040204" pitchFamily="34" charset="0"/>
-                <a:cs typeface="Verdana" panose="020B0604030504040204" pitchFamily="34" charset="0"/>
-              </a:rPr>
-              <a:t>Въведение в </a:t>
+              <a:t>5. Въведение в </a:t>
             </a:r>
             <a:r>
               <a:rPr lang="en-US" sz="1200" b="1" dirty="0" smtClean="0">
@@ -12789,18 +14457,7 @@
                 <a:ea typeface="Verdana" panose="020B0604030504040204" pitchFamily="34" charset="0"/>
                 <a:cs typeface="Verdana" panose="020B0604030504040204" pitchFamily="34" charset="0"/>
               </a:rPr>
-              <a:t>5. </a:t>
-            </a:r>
-            <a:r>
-              <a:rPr lang="bg-BG" sz="1200" b="1" dirty="0" smtClean="0">
-                <a:solidFill>
-                  <a:schemeClr val="bg1"/>
-                </a:solidFill>
-                <a:latin typeface="Verdana" panose="020B0604030504040204" pitchFamily="34" charset="0"/>
-                <a:ea typeface="Verdana" panose="020B0604030504040204" pitchFamily="34" charset="0"/>
-                <a:cs typeface="Verdana" panose="020B0604030504040204" pitchFamily="34" charset="0"/>
-              </a:rPr>
-              <a:t>Въведение в </a:t>
+              <a:t>5. Въведение в </a:t>
             </a:r>
             <a:r>
               <a:rPr lang="en-US" sz="1200" b="1" dirty="0" smtClean="0">
@@ -13175,18 +14832,7 @@
                 <a:ea typeface="Verdana" panose="020B0604030504040204" pitchFamily="34" charset="0"/>
                 <a:cs typeface="Verdana" panose="020B0604030504040204" pitchFamily="34" charset="0"/>
               </a:rPr>
-              <a:t>5. </a:t>
-            </a:r>
-            <a:r>
-              <a:rPr lang="bg-BG" sz="1200" b="1" dirty="0" smtClean="0">
-                <a:solidFill>
-                  <a:schemeClr val="bg1"/>
-                </a:solidFill>
-                <a:latin typeface="Verdana" panose="020B0604030504040204" pitchFamily="34" charset="0"/>
-                <a:ea typeface="Verdana" panose="020B0604030504040204" pitchFamily="34" charset="0"/>
-                <a:cs typeface="Verdana" panose="020B0604030504040204" pitchFamily="34" charset="0"/>
-              </a:rPr>
-              <a:t>Въведение в </a:t>
+              <a:t>5. Въведение в </a:t>
             </a:r>
             <a:r>
               <a:rPr lang="en-US" sz="1200" b="1" dirty="0" smtClean="0">
@@ -13758,18 +15404,7 @@
                 <a:ea typeface="Verdana" panose="020B0604030504040204" pitchFamily="34" charset="0"/>
                 <a:cs typeface="Verdana" panose="020B0604030504040204" pitchFamily="34" charset="0"/>
               </a:rPr>
-              <a:t>5. </a:t>
-            </a:r>
-            <a:r>
-              <a:rPr lang="bg-BG" sz="1200" b="1" dirty="0" smtClean="0">
-                <a:solidFill>
-                  <a:schemeClr val="bg1"/>
-                </a:solidFill>
-                <a:latin typeface="Verdana" panose="020B0604030504040204" pitchFamily="34" charset="0"/>
-                <a:ea typeface="Verdana" panose="020B0604030504040204" pitchFamily="34" charset="0"/>
-                <a:cs typeface="Verdana" panose="020B0604030504040204" pitchFamily="34" charset="0"/>
-              </a:rPr>
-              <a:t>Въведение в </a:t>
+              <a:t>5. Въведение в </a:t>
             </a:r>
             <a:r>
               <a:rPr lang="en-US" sz="1200" b="1" dirty="0" smtClean="0">
@@ -13910,7 +15545,7 @@
             <a:pPr algn="ctr"/>
             <a:r>
               <a:rPr lang="en-US" dirty="0" smtClean="0"/>
-              <a:t>Branches</a:t>
+              <a:t>Basic Workflow</a:t>
             </a:r>
             <a:endParaRPr lang="en-US" dirty="0"/>
           </a:p>
@@ -13918,7 +15553,7 @@
       </p:sp>
       <p:pic>
         <p:nvPicPr>
-          <p:cNvPr id="2" name="Picture 1"/>
+          <p:cNvPr id="3" name="Picture 2"/>
           <p:cNvPicPr>
             <a:picLocks noChangeAspect="1"/>
           </p:cNvPicPr>
@@ -13938,8 +15573,8 @@
         </p:blipFill>
         <p:spPr>
           <a:xfrm>
-            <a:off x="1382845" y="1357449"/>
-            <a:ext cx="6378309" cy="3324200"/>
+            <a:off x="1534592" y="1379828"/>
+            <a:ext cx="6569338" cy="3419392"/>
           </a:xfrm>
           <a:prstGeom prst="rect">
             <a:avLst/>

--- a/L4/FE-L4-May-08.pptx
+++ b/L4/FE-L4-May-08.pptx
@@ -5,7 +5,7 @@
     <p:sldMasterId id="2147483660" r:id="rId1"/>
   </p:sldMasterIdLst>
   <p:notesMasterIdLst>
-    <p:notesMasterId r:id="rId14"/>
+    <p:notesMasterId r:id="rId12"/>
   </p:notesMasterIdLst>
   <p:sldIdLst>
     <p:sldId id="256" r:id="rId2"/>
@@ -17,9 +17,7 @@
     <p:sldId id="314" r:id="rId8"/>
     <p:sldId id="317" r:id="rId9"/>
     <p:sldId id="315" r:id="rId10"/>
-    <p:sldId id="320" r:id="rId11"/>
-    <p:sldId id="321" r:id="rId12"/>
-    <p:sldId id="319" r:id="rId13"/>
+    <p:sldId id="319" r:id="rId11"/>
   </p:sldIdLst>
   <p:sldSz cx="9144000" cy="5715000" type="screen16x10"/>
   <p:notesSz cx="6858000" cy="9144000"/>
@@ -3899,7 +3897,7 @@
           <a:p>
             <a:fld id="{F6D8C1CC-B947-4082-943C-2B15D0562C1D}" type="datetimeFigureOut">
               <a:rPr lang="en-US" smtClean="0"/>
-              <a:t>08-May-18</a:t>
+              <a:t>07-May-18</a:t>
             </a:fld>
             <a:endParaRPr lang="en-US"/>
           </a:p>
@@ -4267,212 +4265,6 @@
 </p:notes>
 </file>
 
-<file path=ppt/notesSlides/notesSlide10.xml><?xml version="1.0" encoding="utf-8"?>
-<p:notes xmlns:a="http://schemas.openxmlformats.org/drawingml/2006/main" xmlns:r="http://schemas.openxmlformats.org/officeDocument/2006/relationships" xmlns:p="http://schemas.openxmlformats.org/presentationml/2006/main">
-  <p:cSld>
-    <p:spTree>
-      <p:nvGrpSpPr>
-        <p:cNvPr id="1" name=""/>
-        <p:cNvGrpSpPr/>
-        <p:nvPr/>
-      </p:nvGrpSpPr>
-      <p:grpSpPr>
-        <a:xfrm>
-          <a:off x="0" y="0"/>
-          <a:ext cx="0" cy="0"/>
-          <a:chOff x="0" y="0"/>
-          <a:chExt cx="0" cy="0"/>
-        </a:xfrm>
-      </p:grpSpPr>
-      <p:sp>
-        <p:nvSpPr>
-          <p:cNvPr id="2" name="Slide Image Placeholder 1"/>
-          <p:cNvSpPr>
-            <a:spLocks noGrp="1" noRot="1" noChangeAspect="1"/>
-          </p:cNvSpPr>
-          <p:nvPr>
-            <p:ph type="sldImg"/>
-          </p:nvPr>
-        </p:nvSpPr>
-        <p:spPr/>
-      </p:sp>
-      <p:sp>
-        <p:nvSpPr>
-          <p:cNvPr id="3" name="Notes Placeholder 2"/>
-          <p:cNvSpPr>
-            <a:spLocks noGrp="1"/>
-          </p:cNvSpPr>
-          <p:nvPr>
-            <p:ph type="body" idx="1"/>
-          </p:nvPr>
-        </p:nvSpPr>
-        <p:spPr/>
-        <p:txBody>
-          <a:bodyPr/>
-          <a:lstStyle/>
-          <a:p>
-            <a:pPr marL="0" marR="0" indent="0" algn="l" defTabSz="914400" rtl="0" eaLnBrk="1" fontAlgn="auto" latinLnBrk="0" hangingPunct="1">
-              <a:lnSpc>
-                <a:spcPct val="100000"/>
-              </a:lnSpc>
-              <a:spcBef>
-                <a:spcPts val="0"/>
-              </a:spcBef>
-              <a:spcAft>
-                <a:spcPts val="0"/>
-              </a:spcAft>
-              <a:buClrTx/>
-              <a:buSzTx/>
-              <a:buFontTx/>
-              <a:buNone/>
-              <a:tabLst/>
-              <a:defRPr/>
-            </a:pPr>
-            <a:endParaRPr lang="en-US" b="0" baseline="0" dirty="0" smtClean="0"/>
-          </a:p>
-        </p:txBody>
-      </p:sp>
-      <p:sp>
-        <p:nvSpPr>
-          <p:cNvPr id="4" name="Slide Number Placeholder 3"/>
-          <p:cNvSpPr>
-            <a:spLocks noGrp="1"/>
-          </p:cNvSpPr>
-          <p:nvPr>
-            <p:ph type="sldNum" sz="quarter" idx="10"/>
-          </p:nvPr>
-        </p:nvSpPr>
-        <p:spPr/>
-        <p:txBody>
-          <a:bodyPr/>
-          <a:lstStyle/>
-          <a:p>
-            <a:fld id="{8C65C300-19CC-4360-A650-4F04F63F7B82}" type="slidenum">
-              <a:rPr lang="en-US" smtClean="0"/>
-              <a:t>11</a:t>
-            </a:fld>
-            <a:endParaRPr lang="en-US"/>
-          </a:p>
-        </p:txBody>
-      </p:sp>
-    </p:spTree>
-    <p:extLst>
-      <p:ext uri="{BB962C8B-B14F-4D97-AF65-F5344CB8AC3E}">
-        <p14:creationId xmlns:p14="http://schemas.microsoft.com/office/powerpoint/2010/main" val="3750118017"/>
-      </p:ext>
-    </p:extLst>
-  </p:cSld>
-  <p:clrMapOvr>
-    <a:masterClrMapping/>
-  </p:clrMapOvr>
-</p:notes>
-</file>
-
-<file path=ppt/notesSlides/notesSlide11.xml><?xml version="1.0" encoding="utf-8"?>
-<p:notes xmlns:a="http://schemas.openxmlformats.org/drawingml/2006/main" xmlns:r="http://schemas.openxmlformats.org/officeDocument/2006/relationships" xmlns:p="http://schemas.openxmlformats.org/presentationml/2006/main">
-  <p:cSld>
-    <p:spTree>
-      <p:nvGrpSpPr>
-        <p:cNvPr id="1" name=""/>
-        <p:cNvGrpSpPr/>
-        <p:nvPr/>
-      </p:nvGrpSpPr>
-      <p:grpSpPr>
-        <a:xfrm>
-          <a:off x="0" y="0"/>
-          <a:ext cx="0" cy="0"/>
-          <a:chOff x="0" y="0"/>
-          <a:chExt cx="0" cy="0"/>
-        </a:xfrm>
-      </p:grpSpPr>
-      <p:sp>
-        <p:nvSpPr>
-          <p:cNvPr id="2" name="Slide Image Placeholder 1"/>
-          <p:cNvSpPr>
-            <a:spLocks noGrp="1" noRot="1" noChangeAspect="1"/>
-          </p:cNvSpPr>
-          <p:nvPr>
-            <p:ph type="sldImg"/>
-          </p:nvPr>
-        </p:nvSpPr>
-        <p:spPr/>
-      </p:sp>
-      <p:sp>
-        <p:nvSpPr>
-          <p:cNvPr id="3" name="Notes Placeholder 2"/>
-          <p:cNvSpPr>
-            <a:spLocks noGrp="1"/>
-          </p:cNvSpPr>
-          <p:nvPr>
-            <p:ph type="body" idx="1"/>
-          </p:nvPr>
-        </p:nvSpPr>
-        <p:spPr/>
-        <p:txBody>
-          <a:bodyPr/>
-          <a:lstStyle/>
-          <a:p>
-            <a:pPr marL="0" marR="0" indent="0" algn="l" defTabSz="914400" rtl="0" eaLnBrk="1" fontAlgn="auto" latinLnBrk="0" hangingPunct="1">
-              <a:lnSpc>
-                <a:spcPct val="100000"/>
-              </a:lnSpc>
-              <a:spcBef>
-                <a:spcPts val="0"/>
-              </a:spcBef>
-              <a:spcAft>
-                <a:spcPts val="0"/>
-              </a:spcAft>
-              <a:buClrTx/>
-              <a:buSzTx/>
-              <a:buFontTx/>
-              <a:buNone/>
-              <a:tabLst/>
-              <a:defRPr/>
-            </a:pPr>
-            <a:r>
-              <a:rPr lang="en-US" b="0" baseline="0" smtClean="0"/>
-              <a:t>https://education.github.com/git-cheat-sheet-education.pdf</a:t>
-            </a:r>
-            <a:endParaRPr lang="en-US" b="0" baseline="0" dirty="0" smtClean="0"/>
-          </a:p>
-        </p:txBody>
-      </p:sp>
-      <p:sp>
-        <p:nvSpPr>
-          <p:cNvPr id="4" name="Slide Number Placeholder 3"/>
-          <p:cNvSpPr>
-            <a:spLocks noGrp="1"/>
-          </p:cNvSpPr>
-          <p:nvPr>
-            <p:ph type="sldNum" sz="quarter" idx="10"/>
-          </p:nvPr>
-        </p:nvSpPr>
-        <p:spPr/>
-        <p:txBody>
-          <a:bodyPr/>
-          <a:lstStyle/>
-          <a:p>
-            <a:fld id="{8C65C300-19CC-4360-A650-4F04F63F7B82}" type="slidenum">
-              <a:rPr lang="en-US" smtClean="0"/>
-              <a:t>12</a:t>
-            </a:fld>
-            <a:endParaRPr lang="en-US"/>
-          </a:p>
-        </p:txBody>
-      </p:sp>
-    </p:spTree>
-    <p:extLst>
-      <p:ext uri="{BB962C8B-B14F-4D97-AF65-F5344CB8AC3E}">
-        <p14:creationId xmlns:p14="http://schemas.microsoft.com/office/powerpoint/2010/main" val="2902426492"/>
-      </p:ext>
-    </p:extLst>
-  </p:cSld>
-  <p:clrMapOvr>
-    <a:masterClrMapping/>
-  </p:clrMapOvr>
-</p:notes>
-</file>
-
 <file path=ppt/notesSlides/notesSlide2.xml><?xml version="1.0" encoding="utf-8"?>
 <p:notes xmlns:a="http://schemas.openxmlformats.org/drawingml/2006/main" xmlns:r="http://schemas.openxmlformats.org/officeDocument/2006/relationships" xmlns:p="http://schemas.openxmlformats.org/presentationml/2006/main">
   <p:cSld>
@@ -5136,6 +4928,7 @@
               <a:rPr lang="en-US" b="0" baseline="0" dirty="0" smtClean="0"/>
               <a:t> clone, </a:t>
             </a:r>
+            <a:endParaRPr lang="en-US" b="0" baseline="0" dirty="0" smtClean="0"/>
           </a:p>
         </p:txBody>
       </p:sp>
@@ -5743,6 +5536,10 @@
               <a:tabLst/>
               <a:defRPr/>
             </a:pPr>
+            <a:r>
+              <a:rPr lang="bg-BG" b="0" baseline="0" dirty="0" smtClean="0"/>
+              <a:t>Разлика между репо и бранч?!</a:t>
+            </a:r>
             <a:endParaRPr lang="en-US" b="0" baseline="0" dirty="0" smtClean="0"/>
           </a:p>
         </p:txBody>
@@ -5773,7 +5570,7 @@
     </p:spTree>
     <p:extLst>
       <p:ext uri="{BB962C8B-B14F-4D97-AF65-F5344CB8AC3E}">
-        <p14:creationId xmlns:p14="http://schemas.microsoft.com/office/powerpoint/2010/main" val="64447178"/>
+        <p14:creationId xmlns:p14="http://schemas.microsoft.com/office/powerpoint/2010/main" val="2902426492"/>
       </p:ext>
     </p:extLst>
   </p:cSld>
@@ -5930,7 +5727,7 @@
           <a:p>
             <a:fld id="{C3092D70-B9B3-42E8-972A-1A494C668E52}" type="datetimeFigureOut">
               <a:rPr lang="bg-BG" smtClean="0"/>
-              <a:t>8.5.2018 г.</a:t>
+              <a:t>7.5.2018 г.</a:t>
             </a:fld>
             <a:endParaRPr lang="bg-BG"/>
           </a:p>
@@ -6128,7 +5925,7 @@
           <a:p>
             <a:fld id="{C3092D70-B9B3-42E8-972A-1A494C668E52}" type="datetimeFigureOut">
               <a:rPr lang="bg-BG" smtClean="0"/>
-              <a:t>8.5.2018 г.</a:t>
+              <a:t>7.5.2018 г.</a:t>
             </a:fld>
             <a:endParaRPr lang="bg-BG"/>
           </a:p>
@@ -6336,7 +6133,7 @@
           <a:p>
             <a:fld id="{C3092D70-B9B3-42E8-972A-1A494C668E52}" type="datetimeFigureOut">
               <a:rPr lang="bg-BG" smtClean="0"/>
-              <a:t>8.5.2018 г.</a:t>
+              <a:t>7.5.2018 г.</a:t>
             </a:fld>
             <a:endParaRPr lang="bg-BG"/>
           </a:p>
@@ -6534,7 +6331,7 @@
           <a:p>
             <a:fld id="{C3092D70-B9B3-42E8-972A-1A494C668E52}" type="datetimeFigureOut">
               <a:rPr lang="bg-BG" smtClean="0"/>
-              <a:t>8.5.2018 г.</a:t>
+              <a:t>7.5.2018 г.</a:t>
             </a:fld>
             <a:endParaRPr lang="bg-BG"/>
           </a:p>
@@ -6809,7 +6606,7 @@
           <a:p>
             <a:fld id="{C3092D70-B9B3-42E8-972A-1A494C668E52}" type="datetimeFigureOut">
               <a:rPr lang="bg-BG" smtClean="0"/>
-              <a:t>8.5.2018 г.</a:t>
+              <a:t>7.5.2018 г.</a:t>
             </a:fld>
             <a:endParaRPr lang="bg-BG"/>
           </a:p>
@@ -7074,7 +6871,7 @@
           <a:p>
             <a:fld id="{C3092D70-B9B3-42E8-972A-1A494C668E52}" type="datetimeFigureOut">
               <a:rPr lang="bg-BG" smtClean="0"/>
-              <a:t>8.5.2018 г.</a:t>
+              <a:t>7.5.2018 г.</a:t>
             </a:fld>
             <a:endParaRPr lang="bg-BG"/>
           </a:p>
@@ -7486,7 +7283,7 @@
           <a:p>
             <a:fld id="{C3092D70-B9B3-42E8-972A-1A494C668E52}" type="datetimeFigureOut">
               <a:rPr lang="bg-BG" smtClean="0"/>
-              <a:t>8.5.2018 г.</a:t>
+              <a:t>7.5.2018 г.</a:t>
             </a:fld>
             <a:endParaRPr lang="bg-BG"/>
           </a:p>
@@ -7627,7 +7424,7 @@
           <a:p>
             <a:fld id="{C3092D70-B9B3-42E8-972A-1A494C668E52}" type="datetimeFigureOut">
               <a:rPr lang="bg-BG" smtClean="0"/>
-              <a:t>8.5.2018 г.</a:t>
+              <a:t>7.5.2018 г.</a:t>
             </a:fld>
             <a:endParaRPr lang="bg-BG"/>
           </a:p>
@@ -7740,7 +7537,7 @@
           <a:p>
             <a:fld id="{C3092D70-B9B3-42E8-972A-1A494C668E52}" type="datetimeFigureOut">
               <a:rPr lang="bg-BG" smtClean="0"/>
-              <a:t>8.5.2018 г.</a:t>
+              <a:t>7.5.2018 г.</a:t>
             </a:fld>
             <a:endParaRPr lang="bg-BG"/>
           </a:p>
@@ -8051,7 +7848,7 @@
           <a:p>
             <a:fld id="{C3092D70-B9B3-42E8-972A-1A494C668E52}" type="datetimeFigureOut">
               <a:rPr lang="bg-BG" smtClean="0"/>
-              <a:t>8.5.2018 г.</a:t>
+              <a:t>7.5.2018 г.</a:t>
             </a:fld>
             <a:endParaRPr lang="bg-BG"/>
           </a:p>
@@ -8339,7 +8136,7 @@
           <a:p>
             <a:fld id="{C3092D70-B9B3-42E8-972A-1A494C668E52}" type="datetimeFigureOut">
               <a:rPr lang="bg-BG" smtClean="0"/>
-              <a:t>8.5.2018 г.</a:t>
+              <a:t>7.5.2018 г.</a:t>
             </a:fld>
             <a:endParaRPr lang="bg-BG"/>
           </a:p>
@@ -8580,7 +8377,7 @@
           <a:p>
             <a:fld id="{C3092D70-B9B3-42E8-972A-1A494C668E52}" type="datetimeFigureOut">
               <a:rPr lang="bg-BG" smtClean="0"/>
-              <a:t>8.5.2018 г.</a:t>
+              <a:t>7.5.2018 г.</a:t>
             </a:fld>
             <a:endParaRPr lang="bg-BG"/>
           </a:p>
@@ -9205,7 +9002,18 @@
                 <a:ea typeface="Verdana" panose="020B0604030504040204" pitchFamily="34" charset="0"/>
                 <a:cs typeface="Verdana" panose="020B0604030504040204" pitchFamily="34" charset="0"/>
               </a:rPr>
-              <a:t>5. Въведение в </a:t>
+              <a:t>5. </a:t>
+            </a:r>
+            <a:r>
+              <a:rPr lang="bg-BG" sz="1200" b="1" dirty="0" smtClean="0">
+                <a:solidFill>
+                  <a:schemeClr val="bg1"/>
+                </a:solidFill>
+                <a:latin typeface="Verdana" panose="020B0604030504040204" pitchFamily="34" charset="0"/>
+                <a:ea typeface="Verdana" panose="020B0604030504040204" pitchFamily="34" charset="0"/>
+                <a:cs typeface="Verdana" panose="020B0604030504040204" pitchFamily="34" charset="0"/>
+              </a:rPr>
+              <a:t>Въведение в </a:t>
             </a:r>
             <a:r>
               <a:rPr lang="en-US" sz="1200" b="1" dirty="0" smtClean="0">
@@ -9345,8 +9153,12 @@
           <a:p>
             <a:pPr algn="ctr"/>
             <a:r>
+              <a:rPr lang="en-US" dirty="0" err="1" smtClean="0"/>
+              <a:t>Git</a:t>
+            </a:r>
+            <a:r>
               <a:rPr lang="en-US" dirty="0" smtClean="0"/>
-              <a:t>Branches</a:t>
+              <a:t> operations and commands</a:t>
             </a:r>
             <a:endParaRPr lang="en-US" dirty="0"/>
           </a:p>
@@ -9361,1556 +9173,21 @@
           <p:nvPr/>
         </p:nvPicPr>
         <p:blipFill>
-          <a:blip r:embed="rId4">
-            <a:extLst>
-              <a:ext uri="{28A0092B-C50C-407E-A947-70E740481C1C}">
-                <a14:useLocalDpi xmlns:a14="http://schemas.microsoft.com/office/drawing/2010/main" val="0"/>
-              </a:ext>
-            </a:extLst>
-          </a:blip>
+          <a:blip r:embed="rId4"/>
           <a:stretch>
             <a:fillRect/>
           </a:stretch>
         </p:blipFill>
         <p:spPr>
           <a:xfrm>
-            <a:off x="1382845" y="1357449"/>
-            <a:ext cx="6378309" cy="3324200"/>
+            <a:off x="840709" y="1659147"/>
+            <a:ext cx="7462582" cy="2848890"/>
           </a:xfrm>
           <a:prstGeom prst="rect">
             <a:avLst/>
           </a:prstGeom>
         </p:spPr>
       </p:pic>
-    </p:spTree>
-    <p:extLst>
-      <p:ext uri="{BB962C8B-B14F-4D97-AF65-F5344CB8AC3E}">
-        <p14:creationId xmlns:p14="http://schemas.microsoft.com/office/powerpoint/2010/main" val="886561358"/>
-      </p:ext>
-    </p:extLst>
-  </p:cSld>
-  <p:clrMapOvr>
-    <a:masterClrMapping/>
-  </p:clrMapOvr>
-  <p:timing>
-    <p:tnLst>
-      <p:par>
-        <p:cTn id="1" dur="indefinite" restart="never" nodeType="tmRoot"/>
-      </p:par>
-    </p:tnLst>
-  </p:timing>
-</p:sld>
-</file>
-
-<file path=ppt/slides/slide11.xml><?xml version="1.0" encoding="utf-8"?>
-<p:sld xmlns:a="http://schemas.openxmlformats.org/drawingml/2006/main" xmlns:r="http://schemas.openxmlformats.org/officeDocument/2006/relationships" xmlns:p="http://schemas.openxmlformats.org/presentationml/2006/main">
-  <p:cSld>
-    <p:bg>
-      <p:bgPr>
-        <a:blipFill dpi="0" rotWithShape="1">
-          <a:blip r:embed="rId3">
-            <a:lum/>
-          </a:blip>
-          <a:srcRect/>
-          <a:stretch>
-            <a:fillRect/>
-          </a:stretch>
-        </a:blipFill>
-        <a:effectLst/>
-      </p:bgPr>
-    </p:bg>
-    <p:spTree>
-      <p:nvGrpSpPr>
-        <p:cNvPr id="1" name=""/>
-        <p:cNvGrpSpPr/>
-        <p:nvPr/>
-      </p:nvGrpSpPr>
-      <p:grpSpPr>
-        <a:xfrm>
-          <a:off x="0" y="0"/>
-          <a:ext cx="0" cy="0"/>
-          <a:chOff x="0" y="0"/>
-          <a:chExt cx="0" cy="0"/>
-        </a:xfrm>
-      </p:grpSpPr>
-      <p:sp>
-        <p:nvSpPr>
-          <p:cNvPr id="39" name="Rectangle 38">
-            <a:extLst>
-              <a:ext uri="{FF2B5EF4-FFF2-40B4-BE49-F238E27FC236}">
-                <a16:creationId xmlns:a16="http://schemas.microsoft.com/office/drawing/2014/main" xmlns="" id="{C1C163D1-85A2-4643-BA3C-22035ECBF6E9}"/>
-              </a:ext>
-            </a:extLst>
-          </p:cNvPr>
-          <p:cNvSpPr/>
-          <p:nvPr/>
-        </p:nvSpPr>
-        <p:spPr>
-          <a:xfrm>
-            <a:off x="7210970" y="0"/>
-            <a:ext cx="1933031" cy="356965"/>
-          </a:xfrm>
-          <a:prstGeom prst="rect">
-            <a:avLst/>
-          </a:prstGeom>
-          <a:solidFill>
-            <a:srgbClr val="0F7792">
-              <a:alpha val="50196"/>
-            </a:srgbClr>
-          </a:solidFill>
-          <a:ln>
-            <a:noFill/>
-          </a:ln>
-        </p:spPr>
-        <p:style>
-          <a:lnRef idx="2">
-            <a:schemeClr val="accent1">
-              <a:shade val="50000"/>
-            </a:schemeClr>
-          </a:lnRef>
-          <a:fillRef idx="1">
-            <a:schemeClr val="accent1"/>
-          </a:fillRef>
-          <a:effectRef idx="0">
-            <a:schemeClr val="accent1"/>
-          </a:effectRef>
-          <a:fontRef idx="minor">
-            <a:schemeClr val="lt1"/>
-          </a:fontRef>
-        </p:style>
-        <p:txBody>
-          <a:bodyPr rtlCol="0" anchor="ctr"/>
-          <a:lstStyle/>
-          <a:p>
-            <a:pPr algn="ctr"/>
-            <a:endParaRPr lang="en-US"/>
-          </a:p>
-        </p:txBody>
-      </p:sp>
-      <p:sp>
-        <p:nvSpPr>
-          <p:cNvPr id="5" name="Rectangle 4">
-            <a:extLst>
-              <a:ext uri="{FF2B5EF4-FFF2-40B4-BE49-F238E27FC236}">
-                <a16:creationId xmlns:a16="http://schemas.microsoft.com/office/drawing/2014/main" xmlns="" id="{12131ED0-4950-475C-B7DC-450FBBF3C54A}"/>
-              </a:ext>
-            </a:extLst>
-          </p:cNvPr>
-          <p:cNvSpPr/>
-          <p:nvPr/>
-        </p:nvSpPr>
-        <p:spPr>
-          <a:xfrm>
-            <a:off x="0" y="0"/>
-            <a:ext cx="4283968" cy="356965"/>
-          </a:xfrm>
-          <a:prstGeom prst="rect">
-            <a:avLst/>
-          </a:prstGeom>
-          <a:solidFill>
-            <a:srgbClr val="0F7792"/>
-          </a:solidFill>
-          <a:ln>
-            <a:noFill/>
-          </a:ln>
-        </p:spPr>
-        <p:style>
-          <a:lnRef idx="2">
-            <a:schemeClr val="accent1">
-              <a:shade val="50000"/>
-            </a:schemeClr>
-          </a:lnRef>
-          <a:fillRef idx="1">
-            <a:schemeClr val="accent1"/>
-          </a:fillRef>
-          <a:effectRef idx="0">
-            <a:schemeClr val="accent1"/>
-          </a:effectRef>
-          <a:fontRef idx="minor">
-            <a:schemeClr val="lt1"/>
-          </a:fontRef>
-        </p:style>
-        <p:txBody>
-          <a:bodyPr rtlCol="0" anchor="ctr"/>
-          <a:lstStyle/>
-          <a:p>
-            <a:pPr algn="ctr"/>
-            <a:endParaRPr lang="en-US"/>
-          </a:p>
-        </p:txBody>
-      </p:sp>
-      <p:sp>
-        <p:nvSpPr>
-          <p:cNvPr id="4" name="TextBox 3">
-            <a:extLst>
-              <a:ext uri="{FF2B5EF4-FFF2-40B4-BE49-F238E27FC236}">
-                <a16:creationId xmlns:a16="http://schemas.microsoft.com/office/drawing/2014/main" xmlns="" id="{DB2A6D78-D3DF-4739-BCDE-EE78ED59B04D}"/>
-              </a:ext>
-            </a:extLst>
-          </p:cNvPr>
-          <p:cNvSpPr txBox="1"/>
-          <p:nvPr/>
-        </p:nvSpPr>
-        <p:spPr>
-          <a:xfrm>
-            <a:off x="89756" y="24634"/>
-            <a:ext cx="4122204" cy="276999"/>
-          </a:xfrm>
-          <a:prstGeom prst="rect">
-            <a:avLst/>
-          </a:prstGeom>
-          <a:noFill/>
-        </p:spPr>
-        <p:txBody>
-          <a:bodyPr wrap="square" rtlCol="0">
-            <a:spAutoFit/>
-          </a:bodyPr>
-          <a:lstStyle/>
-          <a:p>
-            <a:r>
-              <a:rPr lang="bg-BG" sz="1200" b="1" dirty="0" smtClean="0">
-                <a:solidFill>
-                  <a:schemeClr val="bg1"/>
-                </a:solidFill>
-                <a:latin typeface="Verdana" panose="020B0604030504040204" pitchFamily="34" charset="0"/>
-                <a:ea typeface="Verdana" panose="020B0604030504040204" pitchFamily="34" charset="0"/>
-                <a:cs typeface="Verdana" panose="020B0604030504040204" pitchFamily="34" charset="0"/>
-              </a:rPr>
-              <a:t>5. Въведение в </a:t>
-            </a:r>
-            <a:r>
-              <a:rPr lang="en-US" sz="1200" b="1" dirty="0" smtClean="0">
-                <a:solidFill>
-                  <a:schemeClr val="bg1"/>
-                </a:solidFill>
-                <a:latin typeface="Verdana" panose="020B0604030504040204" pitchFamily="34" charset="0"/>
-                <a:ea typeface="Verdana" panose="020B0604030504040204" pitchFamily="34" charset="0"/>
-                <a:cs typeface="Verdana" panose="020B0604030504040204" pitchFamily="34" charset="0"/>
-              </a:rPr>
-              <a:t>SVN &amp; GIT</a:t>
-            </a:r>
-            <a:endParaRPr lang="bg-BG" sz="1200" dirty="0">
-              <a:solidFill>
-                <a:schemeClr val="bg1"/>
-              </a:solidFill>
-              <a:latin typeface="Verdana" panose="020B0604030504040204" pitchFamily="34" charset="0"/>
-              <a:ea typeface="Verdana" panose="020B0604030504040204" pitchFamily="34" charset="0"/>
-              <a:cs typeface="Verdana" panose="020B0604030504040204" pitchFamily="34" charset="0"/>
-            </a:endParaRPr>
-          </a:p>
-        </p:txBody>
-      </p:sp>
-      <p:sp>
-        <p:nvSpPr>
-          <p:cNvPr id="8" name="TextBox 7">
-            <a:extLst>
-              <a:ext uri="{FF2B5EF4-FFF2-40B4-BE49-F238E27FC236}">
-                <a16:creationId xmlns:a16="http://schemas.microsoft.com/office/drawing/2014/main" xmlns="" id="{2374E9AE-8D65-4C85-A4AC-BBB9AA519202}"/>
-              </a:ext>
-            </a:extLst>
-          </p:cNvPr>
-          <p:cNvSpPr txBox="1"/>
-          <p:nvPr/>
-        </p:nvSpPr>
-        <p:spPr>
-          <a:xfrm>
-            <a:off x="8130840" y="43105"/>
-            <a:ext cx="1013161" cy="646331"/>
-          </a:xfrm>
-          <a:prstGeom prst="rect">
-            <a:avLst/>
-          </a:prstGeom>
-          <a:noFill/>
-        </p:spPr>
-        <p:txBody>
-          <a:bodyPr wrap="none" rtlCol="0">
-            <a:spAutoFit/>
-          </a:bodyPr>
-          <a:lstStyle/>
-          <a:p>
-            <a:pPr algn="r"/>
-            <a:r>
-              <a:rPr lang="bg-BG" sz="1200" dirty="0" smtClean="0">
-                <a:solidFill>
-                  <a:schemeClr val="bg1">
-                    <a:lumMod val="95000"/>
-                  </a:schemeClr>
-                </a:solidFill>
-              </a:rPr>
-              <a:t>Съдържание</a:t>
-            </a:r>
-          </a:p>
-          <a:p>
-            <a:pPr algn="r"/>
-            <a:endParaRPr lang="en-US" sz="1200" dirty="0">
-              <a:solidFill>
-                <a:schemeClr val="bg1">
-                  <a:lumMod val="95000"/>
-                </a:schemeClr>
-              </a:solidFill>
-            </a:endParaRPr>
-          </a:p>
-          <a:p>
-            <a:pPr algn="r"/>
-            <a:endParaRPr lang="en-US" sz="1200" b="1" dirty="0">
-              <a:solidFill>
-                <a:schemeClr val="bg1"/>
-              </a:solidFill>
-            </a:endParaRPr>
-          </a:p>
-        </p:txBody>
-      </p:sp>
-      <p:sp>
-        <p:nvSpPr>
-          <p:cNvPr id="47" name="Rectangle: Rounded Corners 5">
-            <a:extLst>
-              <a:ext uri="{FF2B5EF4-FFF2-40B4-BE49-F238E27FC236}">
-                <a16:creationId xmlns:a16="http://schemas.microsoft.com/office/drawing/2014/main" xmlns="" id="{682EAE92-D6DF-494B-9CC1-FF2B7145CC2C}"/>
-              </a:ext>
-            </a:extLst>
-          </p:cNvPr>
-          <p:cNvSpPr/>
-          <p:nvPr/>
-        </p:nvSpPr>
-        <p:spPr>
-          <a:xfrm>
-            <a:off x="323528" y="605860"/>
-            <a:ext cx="8496944" cy="504056"/>
-          </a:xfrm>
-          <a:prstGeom prst="roundRect">
-            <a:avLst/>
-          </a:prstGeom>
-          <a:solidFill>
-            <a:srgbClr val="127994"/>
-          </a:solidFill>
-          <a:ln>
-            <a:noFill/>
-          </a:ln>
-          <a:effectLst>
-            <a:outerShdw blurRad="50800" dist="38100" dir="5400000" algn="t" rotWithShape="0">
-              <a:prstClr val="black">
-                <a:alpha val="40000"/>
-              </a:prstClr>
-            </a:outerShdw>
-          </a:effectLst>
-        </p:spPr>
-        <p:style>
-          <a:lnRef idx="2">
-            <a:schemeClr val="accent1">
-              <a:shade val="50000"/>
-            </a:schemeClr>
-          </a:lnRef>
-          <a:fillRef idx="1">
-            <a:schemeClr val="accent1"/>
-          </a:fillRef>
-          <a:effectRef idx="0">
-            <a:schemeClr val="accent1"/>
-          </a:effectRef>
-          <a:fontRef idx="minor">
-            <a:schemeClr val="lt1"/>
-          </a:fontRef>
-        </p:style>
-        <p:txBody>
-          <a:bodyPr rtlCol="0" anchor="ctr"/>
-          <a:lstStyle/>
-          <a:p>
-            <a:pPr algn="ctr"/>
-            <a:r>
-              <a:rPr lang="en-US" dirty="0" err="1" smtClean="0"/>
-              <a:t>Git</a:t>
-            </a:r>
-            <a:r>
-              <a:rPr lang="en-US" dirty="0" smtClean="0"/>
-              <a:t>  Commands</a:t>
-            </a:r>
-            <a:endParaRPr lang="en-US" dirty="0"/>
-          </a:p>
-        </p:txBody>
-      </p:sp>
-      <p:pic>
-        <p:nvPicPr>
-          <p:cNvPr id="3" name="Picture 2"/>
-          <p:cNvPicPr>
-            <a:picLocks noChangeAspect="1"/>
-          </p:cNvPicPr>
-          <p:nvPr/>
-        </p:nvPicPr>
-        <p:blipFill>
-          <a:blip r:embed="rId4" cstate="print">
-            <a:extLst>
-              <a:ext uri="{28A0092B-C50C-407E-A947-70E740481C1C}">
-                <a14:useLocalDpi xmlns:a14="http://schemas.microsoft.com/office/drawing/2010/main" val="0"/>
-              </a:ext>
-            </a:extLst>
-          </a:blip>
-          <a:stretch>
-            <a:fillRect/>
-          </a:stretch>
-        </p:blipFill>
-        <p:spPr>
-          <a:xfrm>
-            <a:off x="1403648" y="1326278"/>
-            <a:ext cx="6336704" cy="3564396"/>
-          </a:xfrm>
-          <a:prstGeom prst="rect">
-            <a:avLst/>
-          </a:prstGeom>
-        </p:spPr>
-      </p:pic>
-    </p:spTree>
-    <p:extLst>
-      <p:ext uri="{BB962C8B-B14F-4D97-AF65-F5344CB8AC3E}">
-        <p14:creationId xmlns:p14="http://schemas.microsoft.com/office/powerpoint/2010/main" val="1585678559"/>
-      </p:ext>
-    </p:extLst>
-  </p:cSld>
-  <p:clrMapOvr>
-    <a:masterClrMapping/>
-  </p:clrMapOvr>
-  <p:timing>
-    <p:tnLst>
-      <p:par>
-        <p:cTn id="1" dur="indefinite" restart="never" nodeType="tmRoot"/>
-      </p:par>
-    </p:tnLst>
-  </p:timing>
-</p:sld>
-</file>
-
-<file path=ppt/slides/slide12.xml><?xml version="1.0" encoding="utf-8"?>
-<p:sld xmlns:a="http://schemas.openxmlformats.org/drawingml/2006/main" xmlns:r="http://schemas.openxmlformats.org/officeDocument/2006/relationships" xmlns:p="http://schemas.openxmlformats.org/presentationml/2006/main">
-  <p:cSld>
-    <p:bg>
-      <p:bgPr>
-        <a:blipFill dpi="0" rotWithShape="1">
-          <a:blip r:embed="rId3">
-            <a:lum/>
-          </a:blip>
-          <a:srcRect/>
-          <a:stretch>
-            <a:fillRect/>
-          </a:stretch>
-        </a:blipFill>
-        <a:effectLst/>
-      </p:bgPr>
-    </p:bg>
-    <p:spTree>
-      <p:nvGrpSpPr>
-        <p:cNvPr id="1" name=""/>
-        <p:cNvGrpSpPr/>
-        <p:nvPr/>
-      </p:nvGrpSpPr>
-      <p:grpSpPr>
-        <a:xfrm>
-          <a:off x="0" y="0"/>
-          <a:ext cx="0" cy="0"/>
-          <a:chOff x="0" y="0"/>
-          <a:chExt cx="0" cy="0"/>
-        </a:xfrm>
-      </p:grpSpPr>
-      <p:sp>
-        <p:nvSpPr>
-          <p:cNvPr id="39" name="Rectangle 38">
-            <a:extLst>
-              <a:ext uri="{FF2B5EF4-FFF2-40B4-BE49-F238E27FC236}">
-                <a16:creationId xmlns:a16="http://schemas.microsoft.com/office/drawing/2014/main" xmlns="" id="{C1C163D1-85A2-4643-BA3C-22035ECBF6E9}"/>
-              </a:ext>
-            </a:extLst>
-          </p:cNvPr>
-          <p:cNvSpPr/>
-          <p:nvPr/>
-        </p:nvSpPr>
-        <p:spPr>
-          <a:xfrm>
-            <a:off x="7210970" y="0"/>
-            <a:ext cx="1933031" cy="356965"/>
-          </a:xfrm>
-          <a:prstGeom prst="rect">
-            <a:avLst/>
-          </a:prstGeom>
-          <a:solidFill>
-            <a:srgbClr val="0F7792">
-              <a:alpha val="50196"/>
-            </a:srgbClr>
-          </a:solidFill>
-          <a:ln>
-            <a:noFill/>
-          </a:ln>
-        </p:spPr>
-        <p:style>
-          <a:lnRef idx="2">
-            <a:schemeClr val="accent1">
-              <a:shade val="50000"/>
-            </a:schemeClr>
-          </a:lnRef>
-          <a:fillRef idx="1">
-            <a:schemeClr val="accent1"/>
-          </a:fillRef>
-          <a:effectRef idx="0">
-            <a:schemeClr val="accent1"/>
-          </a:effectRef>
-          <a:fontRef idx="minor">
-            <a:schemeClr val="lt1"/>
-          </a:fontRef>
-        </p:style>
-        <p:txBody>
-          <a:bodyPr rtlCol="0" anchor="ctr"/>
-          <a:lstStyle/>
-          <a:p>
-            <a:pPr algn="ctr"/>
-            <a:endParaRPr lang="en-US"/>
-          </a:p>
-        </p:txBody>
-      </p:sp>
-      <p:sp>
-        <p:nvSpPr>
-          <p:cNvPr id="5" name="Rectangle 4">
-            <a:extLst>
-              <a:ext uri="{FF2B5EF4-FFF2-40B4-BE49-F238E27FC236}">
-                <a16:creationId xmlns:a16="http://schemas.microsoft.com/office/drawing/2014/main" xmlns="" id="{12131ED0-4950-475C-B7DC-450FBBF3C54A}"/>
-              </a:ext>
-            </a:extLst>
-          </p:cNvPr>
-          <p:cNvSpPr/>
-          <p:nvPr/>
-        </p:nvSpPr>
-        <p:spPr>
-          <a:xfrm>
-            <a:off x="0" y="0"/>
-            <a:ext cx="4283968" cy="356965"/>
-          </a:xfrm>
-          <a:prstGeom prst="rect">
-            <a:avLst/>
-          </a:prstGeom>
-          <a:solidFill>
-            <a:srgbClr val="0F7792"/>
-          </a:solidFill>
-          <a:ln>
-            <a:noFill/>
-          </a:ln>
-        </p:spPr>
-        <p:style>
-          <a:lnRef idx="2">
-            <a:schemeClr val="accent1">
-              <a:shade val="50000"/>
-            </a:schemeClr>
-          </a:lnRef>
-          <a:fillRef idx="1">
-            <a:schemeClr val="accent1"/>
-          </a:fillRef>
-          <a:effectRef idx="0">
-            <a:schemeClr val="accent1"/>
-          </a:effectRef>
-          <a:fontRef idx="minor">
-            <a:schemeClr val="lt1"/>
-          </a:fontRef>
-        </p:style>
-        <p:txBody>
-          <a:bodyPr rtlCol="0" anchor="ctr"/>
-          <a:lstStyle/>
-          <a:p>
-            <a:pPr algn="ctr"/>
-            <a:endParaRPr lang="en-US"/>
-          </a:p>
-        </p:txBody>
-      </p:sp>
-      <p:sp>
-        <p:nvSpPr>
-          <p:cNvPr id="4" name="TextBox 3">
-            <a:extLst>
-              <a:ext uri="{FF2B5EF4-FFF2-40B4-BE49-F238E27FC236}">
-                <a16:creationId xmlns:a16="http://schemas.microsoft.com/office/drawing/2014/main" xmlns="" id="{DB2A6D78-D3DF-4739-BCDE-EE78ED59B04D}"/>
-              </a:ext>
-            </a:extLst>
-          </p:cNvPr>
-          <p:cNvSpPr txBox="1"/>
-          <p:nvPr/>
-        </p:nvSpPr>
-        <p:spPr>
-          <a:xfrm>
-            <a:off x="89756" y="24634"/>
-            <a:ext cx="4122204" cy="276999"/>
-          </a:xfrm>
-          <a:prstGeom prst="rect">
-            <a:avLst/>
-          </a:prstGeom>
-          <a:noFill/>
-        </p:spPr>
-        <p:txBody>
-          <a:bodyPr wrap="square" rtlCol="0">
-            <a:spAutoFit/>
-          </a:bodyPr>
-          <a:lstStyle/>
-          <a:p>
-            <a:r>
-              <a:rPr lang="bg-BG" sz="1200" b="1" dirty="0" smtClean="0">
-                <a:solidFill>
-                  <a:schemeClr val="bg1"/>
-                </a:solidFill>
-                <a:latin typeface="Verdana" panose="020B0604030504040204" pitchFamily="34" charset="0"/>
-                <a:ea typeface="Verdana" panose="020B0604030504040204" pitchFamily="34" charset="0"/>
-                <a:cs typeface="Verdana" panose="020B0604030504040204" pitchFamily="34" charset="0"/>
-              </a:rPr>
-              <a:t>5. Въведение в </a:t>
-            </a:r>
-            <a:r>
-              <a:rPr lang="en-US" sz="1200" b="1" dirty="0" smtClean="0">
-                <a:solidFill>
-                  <a:schemeClr val="bg1"/>
-                </a:solidFill>
-                <a:latin typeface="Verdana" panose="020B0604030504040204" pitchFamily="34" charset="0"/>
-                <a:ea typeface="Verdana" panose="020B0604030504040204" pitchFamily="34" charset="0"/>
-                <a:cs typeface="Verdana" panose="020B0604030504040204" pitchFamily="34" charset="0"/>
-              </a:rPr>
-              <a:t>SVN &amp; GIT</a:t>
-            </a:r>
-            <a:endParaRPr lang="bg-BG" sz="1200" dirty="0">
-              <a:solidFill>
-                <a:schemeClr val="bg1"/>
-              </a:solidFill>
-              <a:latin typeface="Verdana" panose="020B0604030504040204" pitchFamily="34" charset="0"/>
-              <a:ea typeface="Verdana" panose="020B0604030504040204" pitchFamily="34" charset="0"/>
-              <a:cs typeface="Verdana" panose="020B0604030504040204" pitchFamily="34" charset="0"/>
-            </a:endParaRPr>
-          </a:p>
-        </p:txBody>
-      </p:sp>
-      <p:sp>
-        <p:nvSpPr>
-          <p:cNvPr id="8" name="TextBox 7">
-            <a:extLst>
-              <a:ext uri="{FF2B5EF4-FFF2-40B4-BE49-F238E27FC236}">
-                <a16:creationId xmlns:a16="http://schemas.microsoft.com/office/drawing/2014/main" xmlns="" id="{2374E9AE-8D65-4C85-A4AC-BBB9AA519202}"/>
-              </a:ext>
-            </a:extLst>
-          </p:cNvPr>
-          <p:cNvSpPr txBox="1"/>
-          <p:nvPr/>
-        </p:nvSpPr>
-        <p:spPr>
-          <a:xfrm>
-            <a:off x="8130840" y="43105"/>
-            <a:ext cx="1013161" cy="646331"/>
-          </a:xfrm>
-          <a:prstGeom prst="rect">
-            <a:avLst/>
-          </a:prstGeom>
-          <a:noFill/>
-        </p:spPr>
-        <p:txBody>
-          <a:bodyPr wrap="none" rtlCol="0">
-            <a:spAutoFit/>
-          </a:bodyPr>
-          <a:lstStyle/>
-          <a:p>
-            <a:pPr algn="r"/>
-            <a:r>
-              <a:rPr lang="bg-BG" sz="1200" dirty="0" smtClean="0">
-                <a:solidFill>
-                  <a:schemeClr val="bg1">
-                    <a:lumMod val="95000"/>
-                  </a:schemeClr>
-                </a:solidFill>
-              </a:rPr>
-              <a:t>Съдържание</a:t>
-            </a:r>
-          </a:p>
-          <a:p>
-            <a:pPr algn="r"/>
-            <a:endParaRPr lang="en-US" sz="1200" dirty="0">
-              <a:solidFill>
-                <a:schemeClr val="bg1">
-                  <a:lumMod val="95000"/>
-                </a:schemeClr>
-              </a:solidFill>
-            </a:endParaRPr>
-          </a:p>
-          <a:p>
-            <a:pPr algn="r"/>
-            <a:endParaRPr lang="en-US" sz="1200" b="1" dirty="0">
-              <a:solidFill>
-                <a:schemeClr val="bg1"/>
-              </a:solidFill>
-            </a:endParaRPr>
-          </a:p>
-        </p:txBody>
-      </p:sp>
-      <p:sp>
-        <p:nvSpPr>
-          <p:cNvPr id="47" name="Rectangle: Rounded Corners 5">
-            <a:extLst>
-              <a:ext uri="{FF2B5EF4-FFF2-40B4-BE49-F238E27FC236}">
-                <a16:creationId xmlns:a16="http://schemas.microsoft.com/office/drawing/2014/main" xmlns="" id="{682EAE92-D6DF-494B-9CC1-FF2B7145CC2C}"/>
-              </a:ext>
-            </a:extLst>
-          </p:cNvPr>
-          <p:cNvSpPr/>
-          <p:nvPr/>
-        </p:nvSpPr>
-        <p:spPr>
-          <a:xfrm>
-            <a:off x="323528" y="605860"/>
-            <a:ext cx="8496944" cy="504056"/>
-          </a:xfrm>
-          <a:prstGeom prst="roundRect">
-            <a:avLst/>
-          </a:prstGeom>
-          <a:solidFill>
-            <a:srgbClr val="127994"/>
-          </a:solidFill>
-          <a:ln>
-            <a:noFill/>
-          </a:ln>
-          <a:effectLst>
-            <a:outerShdw blurRad="50800" dist="38100" dir="5400000" algn="t" rotWithShape="0">
-              <a:prstClr val="black">
-                <a:alpha val="40000"/>
-              </a:prstClr>
-            </a:outerShdw>
-          </a:effectLst>
-        </p:spPr>
-        <p:style>
-          <a:lnRef idx="2">
-            <a:schemeClr val="accent1">
-              <a:shade val="50000"/>
-            </a:schemeClr>
-          </a:lnRef>
-          <a:fillRef idx="1">
-            <a:schemeClr val="accent1"/>
-          </a:fillRef>
-          <a:effectRef idx="0">
-            <a:schemeClr val="accent1"/>
-          </a:effectRef>
-          <a:fontRef idx="minor">
-            <a:schemeClr val="lt1"/>
-          </a:fontRef>
-        </p:style>
-        <p:txBody>
-          <a:bodyPr rtlCol="0" anchor="ctr"/>
-          <a:lstStyle/>
-          <a:p>
-            <a:pPr algn="ctr"/>
-            <a:r>
-              <a:rPr lang="en-US" dirty="0" err="1" smtClean="0"/>
-              <a:t>Git</a:t>
-            </a:r>
-            <a:r>
-              <a:rPr lang="en-US" dirty="0" smtClean="0"/>
-              <a:t> operations and commands</a:t>
-            </a:r>
-            <a:endParaRPr lang="en-US" dirty="0"/>
-          </a:p>
-        </p:txBody>
-      </p:sp>
-      <p:sp>
-        <p:nvSpPr>
-          <p:cNvPr id="9" name="TextBox 8">
-            <a:extLst>
-              <a:ext uri="{FF2B5EF4-FFF2-40B4-BE49-F238E27FC236}">
-                <a16:creationId xmlns:a16="http://schemas.microsoft.com/office/drawing/2014/main" xmlns="" id="{F38846AF-7D3F-4EFC-9B28-06B44CBD57C3}"/>
-              </a:ext>
-            </a:extLst>
-          </p:cNvPr>
-          <p:cNvSpPr txBox="1"/>
-          <p:nvPr/>
-        </p:nvSpPr>
-        <p:spPr>
-          <a:xfrm>
-            <a:off x="323528" y="1358811"/>
-            <a:ext cx="8496944" cy="4832092"/>
-          </a:xfrm>
-          <a:prstGeom prst="rect">
-            <a:avLst/>
-          </a:prstGeom>
-          <a:noFill/>
-        </p:spPr>
-        <p:txBody>
-          <a:bodyPr wrap="square" rtlCol="0">
-            <a:spAutoFit/>
-          </a:bodyPr>
-          <a:lstStyle/>
-          <a:p>
-            <a:r>
-              <a:rPr lang="en-US" sz="1400" b="1" dirty="0" err="1" smtClean="0">
-                <a:solidFill>
-                  <a:schemeClr val="bg2">
-                    <a:lumMod val="25000"/>
-                  </a:schemeClr>
-                </a:solidFill>
-              </a:rPr>
-              <a:t>git</a:t>
-            </a:r>
-            <a:r>
-              <a:rPr lang="en-US" sz="1400" b="1" dirty="0" smtClean="0">
-                <a:solidFill>
-                  <a:schemeClr val="bg2">
-                    <a:lumMod val="25000"/>
-                  </a:schemeClr>
-                </a:solidFill>
-              </a:rPr>
-              <a:t> </a:t>
-            </a:r>
-            <a:r>
-              <a:rPr lang="en-US" sz="1400" b="1" dirty="0" err="1" smtClean="0">
-                <a:solidFill>
-                  <a:schemeClr val="bg2">
-                    <a:lumMod val="25000"/>
-                  </a:schemeClr>
-                </a:solidFill>
-              </a:rPr>
-              <a:t>init</a:t>
-            </a:r>
-            <a:r>
-              <a:rPr lang="en-US" sz="1400" b="1" dirty="0" smtClean="0">
-                <a:solidFill>
-                  <a:schemeClr val="bg2">
-                    <a:lumMod val="25000"/>
-                  </a:schemeClr>
-                </a:solidFill>
-              </a:rPr>
-              <a:t> </a:t>
-            </a:r>
-            <a:r>
-              <a:rPr lang="en-US" sz="1400" dirty="0" smtClean="0">
-                <a:solidFill>
-                  <a:schemeClr val="bg2">
-                    <a:lumMod val="25000"/>
-                  </a:schemeClr>
-                </a:solidFill>
-              </a:rPr>
-              <a:t>– </a:t>
-            </a:r>
-            <a:r>
-              <a:rPr lang="bg-BG" sz="1400" dirty="0" smtClean="0">
-                <a:solidFill>
-                  <a:schemeClr val="bg2">
-                    <a:lumMod val="25000"/>
-                  </a:schemeClr>
-                </a:solidFill>
-              </a:rPr>
-              <a:t>Създаване на ново хранилище </a:t>
-            </a:r>
-            <a:r>
-              <a:rPr lang="en-US" sz="1400" b="1" dirty="0" smtClean="0">
-                <a:solidFill>
-                  <a:schemeClr val="bg2">
-                    <a:lumMod val="25000"/>
-                  </a:schemeClr>
-                </a:solidFill>
-              </a:rPr>
-              <a:t>repository;</a:t>
-            </a:r>
-          </a:p>
-          <a:p>
-            <a:endParaRPr lang="en-US" sz="1400" b="1" dirty="0">
-              <a:solidFill>
-                <a:schemeClr val="bg2">
-                  <a:lumMod val="25000"/>
-                </a:schemeClr>
-              </a:solidFill>
-            </a:endParaRPr>
-          </a:p>
-          <a:p>
-            <a:r>
-              <a:rPr lang="en-US" sz="1400" b="1" dirty="0" err="1" smtClean="0">
-                <a:solidFill>
-                  <a:schemeClr val="bg2">
-                    <a:lumMod val="25000"/>
-                  </a:schemeClr>
-                </a:solidFill>
-              </a:rPr>
-              <a:t>git</a:t>
-            </a:r>
-            <a:r>
-              <a:rPr lang="en-US" sz="1400" b="1" dirty="0" smtClean="0">
-                <a:solidFill>
-                  <a:schemeClr val="bg2">
-                    <a:lumMod val="25000"/>
-                  </a:schemeClr>
-                </a:solidFill>
-              </a:rPr>
-              <a:t> clone </a:t>
-            </a:r>
-            <a:r>
-              <a:rPr lang="en-US" sz="1400" dirty="0" smtClean="0">
-                <a:solidFill>
-                  <a:schemeClr val="bg2">
-                    <a:lumMod val="25000"/>
-                  </a:schemeClr>
-                </a:solidFill>
-              </a:rPr>
-              <a:t>– </a:t>
-            </a:r>
-            <a:r>
-              <a:rPr lang="bg-BG" sz="1400" dirty="0" smtClean="0">
-                <a:solidFill>
-                  <a:schemeClr val="bg2">
-                    <a:lumMod val="25000"/>
-                  </a:schemeClr>
-                </a:solidFill>
-              </a:rPr>
-              <a:t>Създаване на копие от ЛОКАЛНО </a:t>
-            </a:r>
-            <a:r>
-              <a:rPr lang="en-US" sz="1400" dirty="0" smtClean="0">
-                <a:solidFill>
-                  <a:schemeClr val="bg2">
-                    <a:lumMod val="25000"/>
-                  </a:schemeClr>
-                </a:solidFill>
-              </a:rPr>
-              <a:t>repository</a:t>
-            </a:r>
-          </a:p>
-          <a:p>
-            <a:endParaRPr lang="en-US" sz="1400" dirty="0">
-              <a:solidFill>
-                <a:schemeClr val="bg2">
-                  <a:lumMod val="25000"/>
-                </a:schemeClr>
-              </a:solidFill>
-            </a:endParaRPr>
-          </a:p>
-          <a:p>
-            <a:r>
-              <a:rPr lang="en-US" sz="1400" b="1" dirty="0" err="1" smtClean="0">
-                <a:solidFill>
-                  <a:schemeClr val="bg2">
-                    <a:lumMod val="25000"/>
-                  </a:schemeClr>
-                </a:solidFill>
-              </a:rPr>
-              <a:t>git</a:t>
-            </a:r>
-            <a:r>
-              <a:rPr lang="en-US" sz="1400" b="1" dirty="0" smtClean="0">
-                <a:solidFill>
-                  <a:schemeClr val="bg2">
-                    <a:lumMod val="25000"/>
-                  </a:schemeClr>
-                </a:solidFill>
-              </a:rPr>
-              <a:t> clone</a:t>
-            </a:r>
-            <a:r>
-              <a:rPr lang="en-US" sz="1400" dirty="0" smtClean="0">
-                <a:solidFill>
-                  <a:schemeClr val="bg2">
-                    <a:lumMod val="25000"/>
-                  </a:schemeClr>
-                </a:solidFill>
-              </a:rPr>
-              <a:t> </a:t>
-            </a:r>
-            <a:r>
-              <a:rPr lang="en-US" sz="1400" b="1" i="1" dirty="0" err="1" smtClean="0">
-                <a:solidFill>
-                  <a:schemeClr val="bg2">
-                    <a:lumMod val="25000"/>
-                  </a:schemeClr>
-                </a:solidFill>
-              </a:rPr>
-              <a:t>username@host</a:t>
-            </a:r>
-            <a:r>
-              <a:rPr lang="en-US" sz="1400" b="1" i="1" dirty="0" smtClean="0">
-                <a:solidFill>
-                  <a:schemeClr val="bg2">
-                    <a:lumMod val="25000"/>
-                  </a:schemeClr>
-                </a:solidFill>
-              </a:rPr>
-              <a:t>:/path/to/repository </a:t>
-            </a:r>
-            <a:r>
-              <a:rPr lang="en-US" sz="1400" dirty="0" smtClean="0">
-                <a:solidFill>
-                  <a:schemeClr val="bg2">
-                    <a:lumMod val="25000"/>
-                  </a:schemeClr>
-                </a:solidFill>
-              </a:rPr>
-              <a:t>- </a:t>
-            </a:r>
-            <a:r>
-              <a:rPr lang="bg-BG" sz="1400" dirty="0" smtClean="0">
-                <a:solidFill>
-                  <a:schemeClr val="bg2">
-                    <a:lumMod val="25000"/>
-                  </a:schemeClr>
-                </a:solidFill>
-              </a:rPr>
-              <a:t>Създаване на копие от </a:t>
-            </a:r>
-            <a:r>
-              <a:rPr lang="en-US" sz="1400" dirty="0" smtClean="0">
-                <a:solidFill>
-                  <a:schemeClr val="bg2">
-                    <a:lumMod val="25000"/>
-                  </a:schemeClr>
-                </a:solidFill>
-              </a:rPr>
-              <a:t>remote server</a:t>
-            </a:r>
-          </a:p>
-          <a:p>
-            <a:endParaRPr lang="bg-BG" sz="1400" dirty="0">
-              <a:solidFill>
-                <a:schemeClr val="bg2">
-                  <a:lumMod val="25000"/>
-                </a:schemeClr>
-              </a:solidFill>
-            </a:endParaRPr>
-          </a:p>
-          <a:p>
-            <a:r>
-              <a:rPr lang="en-US" sz="1400" b="1" dirty="0" err="1" smtClean="0">
-                <a:solidFill>
-                  <a:schemeClr val="bg2">
-                    <a:lumMod val="25000"/>
-                  </a:schemeClr>
-                </a:solidFill>
-              </a:rPr>
-              <a:t>git</a:t>
-            </a:r>
-            <a:r>
-              <a:rPr lang="en-US" sz="1400" b="1" dirty="0" smtClean="0">
-                <a:solidFill>
-                  <a:schemeClr val="bg2">
-                    <a:lumMod val="25000"/>
-                  </a:schemeClr>
-                </a:solidFill>
-              </a:rPr>
-              <a:t> commit –m</a:t>
-            </a:r>
-            <a:r>
-              <a:rPr lang="en-US" sz="1400" dirty="0" smtClean="0">
-                <a:solidFill>
-                  <a:schemeClr val="bg2">
-                    <a:lumMod val="25000"/>
-                  </a:schemeClr>
-                </a:solidFill>
-              </a:rPr>
-              <a:t> –</a:t>
-            </a:r>
-            <a:r>
-              <a:rPr lang="bg-BG" sz="1400" dirty="0" smtClean="0">
-                <a:solidFill>
-                  <a:schemeClr val="bg2">
-                    <a:lumMod val="25000"/>
-                  </a:schemeClr>
-                </a:solidFill>
-              </a:rPr>
-              <a:t> добавяне на промените ви към </a:t>
-            </a:r>
-            <a:r>
-              <a:rPr lang="en-US" sz="1400" dirty="0" smtClean="0">
-                <a:solidFill>
-                  <a:schemeClr val="bg2">
-                    <a:lumMod val="25000"/>
-                  </a:schemeClr>
-                </a:solidFill>
-              </a:rPr>
-              <a:t>head, </a:t>
-            </a:r>
-            <a:r>
-              <a:rPr lang="bg-BG" sz="1400" b="1" dirty="0" smtClean="0">
-                <a:solidFill>
-                  <a:schemeClr val="bg2">
-                    <a:lumMod val="25000"/>
-                  </a:schemeClr>
-                </a:solidFill>
-              </a:rPr>
-              <a:t>но не към </a:t>
-            </a:r>
-            <a:r>
-              <a:rPr lang="en-US" sz="1400" b="1" dirty="0" smtClean="0">
-                <a:solidFill>
-                  <a:schemeClr val="bg2">
-                    <a:lumMod val="25000"/>
-                  </a:schemeClr>
-                </a:solidFill>
-              </a:rPr>
-              <a:t>remote repository</a:t>
-            </a:r>
-            <a:r>
-              <a:rPr lang="bg-BG" sz="1400" b="1" dirty="0" smtClean="0">
-                <a:solidFill>
-                  <a:schemeClr val="bg2">
-                    <a:lumMod val="25000"/>
-                  </a:schemeClr>
-                </a:solidFill>
-              </a:rPr>
-              <a:t>!</a:t>
-            </a:r>
-          </a:p>
-          <a:p>
-            <a:endParaRPr lang="bg-BG" sz="1400" b="1" dirty="0">
-              <a:solidFill>
-                <a:schemeClr val="bg2">
-                  <a:lumMod val="25000"/>
-                </a:schemeClr>
-              </a:solidFill>
-            </a:endParaRPr>
-          </a:p>
-          <a:p>
-            <a:r>
-              <a:rPr lang="en-US" sz="1400" b="1" dirty="0" err="1" smtClean="0">
-                <a:solidFill>
-                  <a:schemeClr val="bg2">
-                    <a:lumMod val="25000"/>
-                  </a:schemeClr>
-                </a:solidFill>
-              </a:rPr>
-              <a:t>git</a:t>
-            </a:r>
-            <a:r>
-              <a:rPr lang="en-US" sz="1400" b="1" dirty="0" smtClean="0">
-                <a:solidFill>
-                  <a:schemeClr val="bg2">
-                    <a:lumMod val="25000"/>
-                  </a:schemeClr>
-                </a:solidFill>
-              </a:rPr>
-              <a:t> push – </a:t>
-            </a:r>
-            <a:r>
-              <a:rPr lang="bg-BG" sz="1400" dirty="0" smtClean="0">
-                <a:solidFill>
-                  <a:schemeClr val="bg2">
-                    <a:lumMod val="25000"/>
-                  </a:schemeClr>
-                </a:solidFill>
-              </a:rPr>
-              <a:t>изпращане на промените към</a:t>
-            </a:r>
-            <a:r>
-              <a:rPr lang="en-US" sz="1400" dirty="0" smtClean="0">
-                <a:solidFill>
-                  <a:schemeClr val="bg2">
-                    <a:lumMod val="25000"/>
-                  </a:schemeClr>
-                </a:solidFill>
-              </a:rPr>
-              <a:t> </a:t>
-            </a:r>
-            <a:r>
-              <a:rPr lang="en-US" sz="1400" b="1" dirty="0" smtClean="0">
-                <a:solidFill>
-                  <a:schemeClr val="bg2">
-                    <a:lumMod val="25000"/>
-                  </a:schemeClr>
-                </a:solidFill>
-              </a:rPr>
-              <a:t>remote repository</a:t>
-            </a:r>
-          </a:p>
-          <a:p>
-            <a:endParaRPr lang="en-US" sz="1400" b="1" dirty="0">
-              <a:solidFill>
-                <a:schemeClr val="bg2">
-                  <a:lumMod val="25000"/>
-                </a:schemeClr>
-              </a:solidFill>
-            </a:endParaRPr>
-          </a:p>
-          <a:p>
-            <a:r>
-              <a:rPr lang="en-US" sz="1400" b="1" dirty="0" err="1" smtClean="0">
-                <a:solidFill>
-                  <a:schemeClr val="bg2">
-                    <a:lumMod val="25000"/>
-                  </a:schemeClr>
-                </a:solidFill>
-              </a:rPr>
-              <a:t>git</a:t>
-            </a:r>
-            <a:r>
-              <a:rPr lang="en-US" sz="1400" b="1" dirty="0" smtClean="0">
-                <a:solidFill>
-                  <a:schemeClr val="bg2">
-                    <a:lumMod val="25000"/>
-                  </a:schemeClr>
-                </a:solidFill>
-              </a:rPr>
-              <a:t> checkout –b </a:t>
-            </a:r>
-            <a:r>
-              <a:rPr lang="en-US" sz="1400" b="1" i="1" dirty="0" smtClean="0">
-                <a:solidFill>
-                  <a:schemeClr val="bg2">
-                    <a:lumMod val="25000"/>
-                  </a:schemeClr>
-                </a:solidFill>
-              </a:rPr>
-              <a:t>&lt;</a:t>
-            </a:r>
-            <a:r>
-              <a:rPr lang="en-US" sz="1400" b="1" i="1" dirty="0" err="1" smtClean="0">
-                <a:solidFill>
-                  <a:schemeClr val="bg2">
-                    <a:lumMod val="25000"/>
-                  </a:schemeClr>
-                </a:solidFill>
-              </a:rPr>
-              <a:t>branchname</a:t>
-            </a:r>
-            <a:r>
-              <a:rPr lang="en-US" sz="1400" b="1" i="1" dirty="0" smtClean="0">
-                <a:solidFill>
-                  <a:schemeClr val="bg2">
-                    <a:lumMod val="25000"/>
-                  </a:schemeClr>
-                </a:solidFill>
-              </a:rPr>
-              <a:t>&gt; -</a:t>
-            </a:r>
-            <a:r>
-              <a:rPr lang="bg-BG" sz="1400" b="1" i="1" dirty="0" smtClean="0">
-                <a:solidFill>
-                  <a:schemeClr val="bg2">
-                    <a:lumMod val="25000"/>
-                  </a:schemeClr>
-                </a:solidFill>
-              </a:rPr>
-              <a:t> </a:t>
-            </a:r>
-            <a:r>
-              <a:rPr lang="bg-BG" sz="1400" dirty="0" smtClean="0">
-                <a:solidFill>
-                  <a:schemeClr val="bg2">
-                    <a:lumMod val="25000"/>
-                  </a:schemeClr>
-                </a:solidFill>
-              </a:rPr>
-              <a:t>създаване на нов бранч и прехвърляне към него</a:t>
-            </a:r>
-            <a:endParaRPr lang="en-US" sz="1400" dirty="0" smtClean="0">
-              <a:solidFill>
-                <a:schemeClr val="bg2">
-                  <a:lumMod val="25000"/>
-                </a:schemeClr>
-              </a:solidFill>
-            </a:endParaRPr>
-          </a:p>
-          <a:p>
-            <a:r>
-              <a:rPr lang="en-US" sz="1400" b="1" dirty="0" err="1">
-                <a:solidFill>
-                  <a:schemeClr val="bg2">
-                    <a:lumMod val="25000"/>
-                  </a:schemeClr>
-                </a:solidFill>
-              </a:rPr>
-              <a:t>git</a:t>
-            </a:r>
-            <a:r>
-              <a:rPr lang="en-US" sz="1400" b="1" dirty="0">
-                <a:solidFill>
-                  <a:schemeClr val="bg2">
-                    <a:lumMod val="25000"/>
-                  </a:schemeClr>
-                </a:solidFill>
-              </a:rPr>
-              <a:t> checkout </a:t>
-            </a:r>
-            <a:r>
-              <a:rPr lang="en-US" sz="1400" b="1" i="1" dirty="0" smtClean="0">
-                <a:solidFill>
-                  <a:schemeClr val="bg2">
-                    <a:lumMod val="25000"/>
-                  </a:schemeClr>
-                </a:solidFill>
-              </a:rPr>
-              <a:t>&lt;</a:t>
-            </a:r>
-            <a:r>
-              <a:rPr lang="en-US" sz="1400" b="1" i="1" dirty="0" err="1">
-                <a:solidFill>
-                  <a:schemeClr val="bg2">
-                    <a:lumMod val="25000"/>
-                  </a:schemeClr>
-                </a:solidFill>
-              </a:rPr>
-              <a:t>branchname</a:t>
-            </a:r>
-            <a:r>
-              <a:rPr lang="en-US" sz="1400" b="1" i="1" dirty="0">
-                <a:solidFill>
-                  <a:schemeClr val="bg2">
-                    <a:lumMod val="25000"/>
-                  </a:schemeClr>
-                </a:solidFill>
-              </a:rPr>
-              <a:t>&gt; -</a:t>
-            </a:r>
-            <a:r>
-              <a:rPr lang="bg-BG" sz="1400" b="1" i="1" dirty="0">
-                <a:solidFill>
-                  <a:schemeClr val="bg2">
-                    <a:lumMod val="25000"/>
-                  </a:schemeClr>
-                </a:solidFill>
-              </a:rPr>
-              <a:t> </a:t>
-            </a:r>
-            <a:r>
-              <a:rPr lang="bg-BG" sz="1400" dirty="0" smtClean="0">
-                <a:solidFill>
-                  <a:schemeClr val="bg2">
-                    <a:lumMod val="25000"/>
-                  </a:schemeClr>
-                </a:solidFill>
-              </a:rPr>
-              <a:t>прехвърляне </a:t>
-            </a:r>
-            <a:r>
-              <a:rPr lang="bg-BG" sz="1400" dirty="0">
-                <a:solidFill>
-                  <a:schemeClr val="bg2">
-                    <a:lumMod val="25000"/>
-                  </a:schemeClr>
-                </a:solidFill>
-              </a:rPr>
-              <a:t>към </a:t>
-            </a:r>
-            <a:r>
-              <a:rPr lang="bg-BG" sz="1400" dirty="0" smtClean="0">
-                <a:solidFill>
-                  <a:schemeClr val="bg2">
-                    <a:lumMod val="25000"/>
-                  </a:schemeClr>
-                </a:solidFill>
-              </a:rPr>
-              <a:t>съответния бранч</a:t>
-            </a:r>
-          </a:p>
-          <a:p>
-            <a:endParaRPr lang="bg-BG" sz="1400" dirty="0">
-              <a:solidFill>
-                <a:schemeClr val="bg2">
-                  <a:lumMod val="25000"/>
-                </a:schemeClr>
-              </a:solidFill>
-            </a:endParaRPr>
-          </a:p>
-          <a:p>
-            <a:r>
-              <a:rPr lang="en-US" sz="1400" b="1" dirty="0" err="1">
-                <a:solidFill>
-                  <a:schemeClr val="bg2">
-                    <a:lumMod val="25000"/>
-                  </a:schemeClr>
-                </a:solidFill>
-              </a:rPr>
-              <a:t>git</a:t>
-            </a:r>
-            <a:r>
-              <a:rPr lang="en-US" sz="1400" b="1" dirty="0">
-                <a:solidFill>
-                  <a:schemeClr val="bg2">
-                    <a:lumMod val="25000"/>
-                  </a:schemeClr>
-                </a:solidFill>
-              </a:rPr>
-              <a:t> </a:t>
-            </a:r>
-            <a:r>
-              <a:rPr lang="en-US" sz="1400" b="1" dirty="0" smtClean="0">
-                <a:solidFill>
-                  <a:schemeClr val="bg2">
-                    <a:lumMod val="25000"/>
-                  </a:schemeClr>
-                </a:solidFill>
-              </a:rPr>
-              <a:t>pull– </a:t>
-            </a:r>
-            <a:r>
-              <a:rPr lang="bg-BG" sz="1400" dirty="0" smtClean="0">
-                <a:solidFill>
-                  <a:schemeClr val="bg2">
-                    <a:lumMod val="25000"/>
-                  </a:schemeClr>
-                </a:solidFill>
-              </a:rPr>
-              <a:t>прихващане и добавяне на промени ОТ </a:t>
-            </a:r>
-            <a:r>
-              <a:rPr lang="en-US" sz="1400" dirty="0" smtClean="0">
-                <a:solidFill>
-                  <a:schemeClr val="bg2">
-                    <a:lumMod val="25000"/>
-                  </a:schemeClr>
-                </a:solidFill>
-              </a:rPr>
-              <a:t>remote server-a </a:t>
-            </a:r>
-            <a:r>
-              <a:rPr lang="bg-BG" sz="1400" dirty="0" smtClean="0">
-                <a:solidFill>
-                  <a:schemeClr val="bg2">
-                    <a:lumMod val="25000"/>
-                  </a:schemeClr>
-                </a:solidFill>
-              </a:rPr>
-              <a:t>КЪМ нашето работно копие</a:t>
-            </a:r>
-          </a:p>
-          <a:p>
-            <a:endParaRPr lang="en-US" sz="1400" b="1" dirty="0" smtClean="0">
-              <a:solidFill>
-                <a:schemeClr val="bg2">
-                  <a:lumMod val="25000"/>
-                </a:schemeClr>
-              </a:solidFill>
-            </a:endParaRPr>
-          </a:p>
-          <a:p>
-            <a:r>
-              <a:rPr lang="en-US" sz="1400" b="1" dirty="0" err="1" smtClean="0">
-                <a:solidFill>
-                  <a:schemeClr val="bg2">
-                    <a:lumMod val="25000"/>
-                  </a:schemeClr>
-                </a:solidFill>
-              </a:rPr>
-              <a:t>git</a:t>
-            </a:r>
-            <a:r>
-              <a:rPr lang="en-US" sz="1400" b="1" dirty="0" smtClean="0">
-                <a:solidFill>
-                  <a:schemeClr val="bg2">
-                    <a:lumMod val="25000"/>
-                  </a:schemeClr>
-                </a:solidFill>
-              </a:rPr>
-              <a:t> merge </a:t>
-            </a:r>
-            <a:r>
-              <a:rPr lang="bg-BG" sz="1400" b="1" i="1" dirty="0" smtClean="0">
-                <a:solidFill>
-                  <a:schemeClr val="bg2">
-                    <a:lumMod val="25000"/>
-                  </a:schemeClr>
-                </a:solidFill>
-              </a:rPr>
-              <a:t>&lt;</a:t>
-            </a:r>
-            <a:r>
-              <a:rPr lang="en-US" sz="1400" b="1" i="1" dirty="0" err="1" smtClean="0">
-                <a:solidFill>
-                  <a:schemeClr val="bg2">
-                    <a:lumMod val="25000"/>
-                  </a:schemeClr>
-                </a:solidFill>
-              </a:rPr>
-              <a:t>branchname</a:t>
-            </a:r>
-            <a:r>
-              <a:rPr lang="bg-BG" sz="1400" b="1" i="1" dirty="0" smtClean="0">
-                <a:solidFill>
-                  <a:schemeClr val="bg2">
-                    <a:lumMod val="25000"/>
-                  </a:schemeClr>
-                </a:solidFill>
-              </a:rPr>
-              <a:t>&gt;</a:t>
-            </a:r>
-            <a:r>
-              <a:rPr lang="en-US" sz="1400" b="1" i="1" dirty="0" smtClean="0">
-                <a:solidFill>
-                  <a:schemeClr val="bg2">
-                    <a:lumMod val="25000"/>
-                  </a:schemeClr>
-                </a:solidFill>
-              </a:rPr>
-              <a:t> </a:t>
-            </a:r>
-            <a:r>
-              <a:rPr lang="en-US" sz="1400" b="1" dirty="0" smtClean="0">
-                <a:solidFill>
-                  <a:schemeClr val="bg2">
-                    <a:lumMod val="25000"/>
-                  </a:schemeClr>
-                </a:solidFill>
-              </a:rPr>
-              <a:t>-</a:t>
-            </a:r>
-            <a:r>
-              <a:rPr lang="bg-BG" sz="1400" b="1" dirty="0" smtClean="0">
-                <a:solidFill>
-                  <a:schemeClr val="bg2">
-                    <a:lumMod val="25000"/>
-                  </a:schemeClr>
-                </a:solidFill>
-              </a:rPr>
-              <a:t> </a:t>
-            </a:r>
-            <a:r>
-              <a:rPr lang="bg-BG" sz="1400" dirty="0" smtClean="0">
-                <a:solidFill>
-                  <a:schemeClr val="bg2">
-                    <a:lumMod val="25000"/>
-                  </a:schemeClr>
-                </a:solidFill>
-              </a:rPr>
-              <a:t>прихващане и добавяне на промени към нашия активен бранч от друг, който е посочен</a:t>
-            </a:r>
-            <a:endParaRPr lang="bg-BG" sz="1400" b="1" dirty="0">
-              <a:solidFill>
-                <a:schemeClr val="bg2">
-                  <a:lumMod val="25000"/>
-                </a:schemeClr>
-              </a:solidFill>
-            </a:endParaRPr>
-          </a:p>
-          <a:p>
-            <a:endParaRPr lang="en-US" sz="1400" b="1" dirty="0">
-              <a:solidFill>
-                <a:schemeClr val="bg2">
-                  <a:lumMod val="25000"/>
-                </a:schemeClr>
-              </a:solidFill>
-            </a:endParaRPr>
-          </a:p>
-          <a:p>
-            <a:endParaRPr lang="bg-BG" sz="1400" dirty="0">
-              <a:solidFill>
-                <a:schemeClr val="bg2">
-                  <a:lumMod val="25000"/>
-                </a:schemeClr>
-              </a:solidFill>
-            </a:endParaRPr>
-          </a:p>
-          <a:p>
-            <a:endParaRPr lang="en-US" sz="1400" i="1" dirty="0">
-              <a:solidFill>
-                <a:schemeClr val="bg2">
-                  <a:lumMod val="25000"/>
-                </a:schemeClr>
-              </a:solidFill>
-            </a:endParaRPr>
-          </a:p>
-          <a:p>
-            <a:endParaRPr lang="bg-BG" sz="1400" dirty="0" smtClean="0">
-              <a:solidFill>
-                <a:schemeClr val="bg2">
-                  <a:lumMod val="25000"/>
-                </a:schemeClr>
-              </a:solidFill>
-            </a:endParaRPr>
-          </a:p>
-          <a:p>
-            <a:endParaRPr lang="en-US" sz="1400" i="1" dirty="0" smtClean="0">
-              <a:solidFill>
-                <a:schemeClr val="bg2">
-                  <a:lumMod val="25000"/>
-                </a:schemeClr>
-              </a:solidFill>
-            </a:endParaRPr>
-          </a:p>
-        </p:txBody>
-      </p:sp>
     </p:spTree>
     <p:extLst>
       <p:ext uri="{BB962C8B-B14F-4D97-AF65-F5344CB8AC3E}">
@@ -11105,7 +9382,18 @@
                 <a:ea typeface="Verdana" panose="020B0604030504040204" pitchFamily="34" charset="0"/>
                 <a:cs typeface="Verdana" panose="020B0604030504040204" pitchFamily="34" charset="0"/>
               </a:rPr>
-              <a:t>5. Въведение в </a:t>
+              <a:t>5. </a:t>
+            </a:r>
+            <a:r>
+              <a:rPr lang="bg-BG" sz="1200" b="1" dirty="0" smtClean="0">
+                <a:solidFill>
+                  <a:schemeClr val="bg1"/>
+                </a:solidFill>
+                <a:latin typeface="Verdana" panose="020B0604030504040204" pitchFamily="34" charset="0"/>
+                <a:ea typeface="Verdana" panose="020B0604030504040204" pitchFamily="34" charset="0"/>
+                <a:cs typeface="Verdana" panose="020B0604030504040204" pitchFamily="34" charset="0"/>
+              </a:rPr>
+              <a:t>Въведение в </a:t>
             </a:r>
             <a:r>
               <a:rPr lang="en-US" sz="1200" b="1" dirty="0" smtClean="0">
@@ -11760,7 +10048,18 @@
                 <a:ea typeface="Verdana" panose="020B0604030504040204" pitchFamily="34" charset="0"/>
                 <a:cs typeface="Verdana" panose="020B0604030504040204" pitchFamily="34" charset="0"/>
               </a:rPr>
-              <a:t>5. Въведение в </a:t>
+              <a:t>5. </a:t>
+            </a:r>
+            <a:r>
+              <a:rPr lang="bg-BG" sz="1200" b="1" dirty="0" smtClean="0">
+                <a:solidFill>
+                  <a:schemeClr val="bg1"/>
+                </a:solidFill>
+                <a:latin typeface="Verdana" panose="020B0604030504040204" pitchFamily="34" charset="0"/>
+                <a:ea typeface="Verdana" panose="020B0604030504040204" pitchFamily="34" charset="0"/>
+                <a:cs typeface="Verdana" panose="020B0604030504040204" pitchFamily="34" charset="0"/>
+              </a:rPr>
+              <a:t>Въведение в </a:t>
             </a:r>
             <a:r>
               <a:rPr lang="en-US" sz="1200" b="1" dirty="0" smtClean="0">
@@ -12339,7 +10638,18 @@
                 <a:ea typeface="Verdana" panose="020B0604030504040204" pitchFamily="34" charset="0"/>
                 <a:cs typeface="Verdana" panose="020B0604030504040204" pitchFamily="34" charset="0"/>
               </a:rPr>
-              <a:t>5. Въведение в </a:t>
+              <a:t>5. </a:t>
+            </a:r>
+            <a:r>
+              <a:rPr lang="bg-BG" sz="1200" b="1" dirty="0" smtClean="0">
+                <a:solidFill>
+                  <a:schemeClr val="bg1"/>
+                </a:solidFill>
+                <a:latin typeface="Verdana" panose="020B0604030504040204" pitchFamily="34" charset="0"/>
+                <a:ea typeface="Verdana" panose="020B0604030504040204" pitchFamily="34" charset="0"/>
+                <a:cs typeface="Verdana" panose="020B0604030504040204" pitchFamily="34" charset="0"/>
+              </a:rPr>
+              <a:t>Въведение в </a:t>
             </a:r>
             <a:r>
               <a:rPr lang="en-US" sz="1200" b="1" dirty="0" smtClean="0">
@@ -13342,7 +11652,18 @@
                 <a:ea typeface="Verdana" panose="020B0604030504040204" pitchFamily="34" charset="0"/>
                 <a:cs typeface="Verdana" panose="020B0604030504040204" pitchFamily="34" charset="0"/>
               </a:rPr>
-              <a:t>5. Въведение в </a:t>
+              <a:t>5. </a:t>
+            </a:r>
+            <a:r>
+              <a:rPr lang="bg-BG" sz="1200" b="1" dirty="0" smtClean="0">
+                <a:solidFill>
+                  <a:schemeClr val="bg1"/>
+                </a:solidFill>
+                <a:latin typeface="Verdana" panose="020B0604030504040204" pitchFamily="34" charset="0"/>
+                <a:ea typeface="Verdana" panose="020B0604030504040204" pitchFamily="34" charset="0"/>
+                <a:cs typeface="Verdana" panose="020B0604030504040204" pitchFamily="34" charset="0"/>
+              </a:rPr>
+              <a:t>Въведение в </a:t>
             </a:r>
             <a:r>
               <a:rPr lang="en-US" sz="1200" b="1" dirty="0" smtClean="0">
@@ -13717,7 +12038,18 @@
                 <a:ea typeface="Verdana" panose="020B0604030504040204" pitchFamily="34" charset="0"/>
                 <a:cs typeface="Verdana" panose="020B0604030504040204" pitchFamily="34" charset="0"/>
               </a:rPr>
-              <a:t>5. Въведение в </a:t>
+              <a:t>5. </a:t>
+            </a:r>
+            <a:r>
+              <a:rPr lang="bg-BG" sz="1200" b="1" dirty="0" smtClean="0">
+                <a:solidFill>
+                  <a:schemeClr val="bg1"/>
+                </a:solidFill>
+                <a:latin typeface="Verdana" panose="020B0604030504040204" pitchFamily="34" charset="0"/>
+                <a:ea typeface="Verdana" panose="020B0604030504040204" pitchFamily="34" charset="0"/>
+                <a:cs typeface="Verdana" panose="020B0604030504040204" pitchFamily="34" charset="0"/>
+              </a:rPr>
+              <a:t>Въведение в </a:t>
             </a:r>
             <a:r>
               <a:rPr lang="en-US" sz="1200" b="1" dirty="0" smtClean="0">
@@ -14457,7 +12789,18 @@
                 <a:ea typeface="Verdana" panose="020B0604030504040204" pitchFamily="34" charset="0"/>
                 <a:cs typeface="Verdana" panose="020B0604030504040204" pitchFamily="34" charset="0"/>
               </a:rPr>
-              <a:t>5. Въведение в </a:t>
+              <a:t>5. </a:t>
+            </a:r>
+            <a:r>
+              <a:rPr lang="bg-BG" sz="1200" b="1" dirty="0" smtClean="0">
+                <a:solidFill>
+                  <a:schemeClr val="bg1"/>
+                </a:solidFill>
+                <a:latin typeface="Verdana" panose="020B0604030504040204" pitchFamily="34" charset="0"/>
+                <a:ea typeface="Verdana" panose="020B0604030504040204" pitchFamily="34" charset="0"/>
+                <a:cs typeface="Verdana" panose="020B0604030504040204" pitchFamily="34" charset="0"/>
+              </a:rPr>
+              <a:t>Въведение в </a:t>
             </a:r>
             <a:r>
               <a:rPr lang="en-US" sz="1200" b="1" dirty="0" smtClean="0">
@@ -14832,7 +13175,18 @@
                 <a:ea typeface="Verdana" panose="020B0604030504040204" pitchFamily="34" charset="0"/>
                 <a:cs typeface="Verdana" panose="020B0604030504040204" pitchFamily="34" charset="0"/>
               </a:rPr>
-              <a:t>5. Въведение в </a:t>
+              <a:t>5. </a:t>
+            </a:r>
+            <a:r>
+              <a:rPr lang="bg-BG" sz="1200" b="1" dirty="0" smtClean="0">
+                <a:solidFill>
+                  <a:schemeClr val="bg1"/>
+                </a:solidFill>
+                <a:latin typeface="Verdana" panose="020B0604030504040204" pitchFamily="34" charset="0"/>
+                <a:ea typeface="Verdana" panose="020B0604030504040204" pitchFamily="34" charset="0"/>
+                <a:cs typeface="Verdana" panose="020B0604030504040204" pitchFamily="34" charset="0"/>
+              </a:rPr>
+              <a:t>Въведение в </a:t>
             </a:r>
             <a:r>
               <a:rPr lang="en-US" sz="1200" b="1" dirty="0" smtClean="0">
@@ -15404,7 +13758,18 @@
                 <a:ea typeface="Verdana" panose="020B0604030504040204" pitchFamily="34" charset="0"/>
                 <a:cs typeface="Verdana" panose="020B0604030504040204" pitchFamily="34" charset="0"/>
               </a:rPr>
-              <a:t>5. Въведение в </a:t>
+              <a:t>5. </a:t>
+            </a:r>
+            <a:r>
+              <a:rPr lang="bg-BG" sz="1200" b="1" dirty="0" smtClean="0">
+                <a:solidFill>
+                  <a:schemeClr val="bg1"/>
+                </a:solidFill>
+                <a:latin typeface="Verdana" panose="020B0604030504040204" pitchFamily="34" charset="0"/>
+                <a:ea typeface="Verdana" panose="020B0604030504040204" pitchFamily="34" charset="0"/>
+                <a:cs typeface="Verdana" panose="020B0604030504040204" pitchFamily="34" charset="0"/>
+              </a:rPr>
+              <a:t>Въведение в </a:t>
             </a:r>
             <a:r>
               <a:rPr lang="en-US" sz="1200" b="1" dirty="0" smtClean="0">
@@ -15545,7 +13910,7 @@
             <a:pPr algn="ctr"/>
             <a:r>
               <a:rPr lang="en-US" dirty="0" smtClean="0"/>
-              <a:t>Basic Workflow</a:t>
+              <a:t>Branches</a:t>
             </a:r>
             <a:endParaRPr lang="en-US" dirty="0"/>
           </a:p>
@@ -15553,7 +13918,7 @@
       </p:sp>
       <p:pic>
         <p:nvPicPr>
-          <p:cNvPr id="3" name="Picture 2"/>
+          <p:cNvPr id="2" name="Picture 1"/>
           <p:cNvPicPr>
             <a:picLocks noChangeAspect="1"/>
           </p:cNvPicPr>
@@ -15573,8 +13938,8 @@
         </p:blipFill>
         <p:spPr>
           <a:xfrm>
-            <a:off x="1534592" y="1379828"/>
-            <a:ext cx="6569338" cy="3419392"/>
+            <a:off x="1382845" y="1357449"/>
+            <a:ext cx="6378309" cy="3324200"/>
           </a:xfrm>
           <a:prstGeom prst="rect">
             <a:avLst/>
